--- a/SolutionPresentation/BusTicketingSolution.pptx
+++ b/SolutionPresentation/BusTicketingSolution.pptx
@@ -1120,7 +1120,7 @@
             <a:defRPr cap="all"/>
           </a:pPr>
           <a:r>
-            <a:rPr lang="en-US"/>
+            <a:rPr lang="en-US" dirty="0"/>
             <a:t>Configuration over customization</a:t>
           </a:r>
         </a:p>
@@ -1159,7 +1159,7 @@
             <a:defRPr cap="all"/>
           </a:pPr>
           <a:r>
-            <a:rPr lang="en-US"/>
+            <a:rPr lang="en-US" dirty="0"/>
             <a:t>Salesforce communities to be used for providing access to clients and operators</a:t>
           </a:r>
         </a:p>
@@ -1198,7 +1198,7 @@
             <a:defRPr cap="all"/>
           </a:pPr>
           <a:r>
-            <a:rPr lang="en-US"/>
+            <a:rPr lang="en-US" dirty="0"/>
             <a:t>OOTB sharing configuration to be used to control visibility</a:t>
           </a:r>
         </a:p>
@@ -1237,7 +1237,7 @@
             <a:defRPr cap="all"/>
           </a:pPr>
           <a:r>
-            <a:rPr lang="en-US"/>
+            <a:rPr lang="en-US" dirty="0"/>
             <a:t>Role based access to be used for Lightning experience users to provide record access and Security</a:t>
           </a:r>
         </a:p>
@@ -1276,7 +1276,7 @@
             <a:defRPr cap="all"/>
           </a:pPr>
           <a:r>
-            <a:rPr lang="en-US"/>
+            <a:rPr lang="en-US" dirty="0"/>
             <a:t>Platform events to be used as core integration pattern to leverage pub sub model and avoid point to point apex rest/Soap Patterns</a:t>
           </a:r>
         </a:p>
@@ -1315,7 +1315,7 @@
             <a:defRPr cap="all"/>
           </a:pPr>
           <a:r>
-            <a:rPr lang="en-US"/>
+            <a:rPr lang="en-US" dirty="0"/>
             <a:t>Flows/Process Builders to be used to  avoid apex wherever possible.</a:t>
           </a:r>
         </a:p>
@@ -1920,7 +1920,7 @@
             <a:defRPr cap="all"/>
           </a:pPr>
           <a:r>
-            <a:rPr lang="en-US" sz="1100" kern="1200"/>
+            <a:rPr lang="en-US" sz="1100" kern="1200" dirty="0"/>
             <a:t>Configuration over customization</a:t>
           </a:r>
         </a:p>
@@ -2073,7 +2073,7 @@
             <a:defRPr cap="all"/>
           </a:pPr>
           <a:r>
-            <a:rPr lang="en-US" sz="1100" kern="1200"/>
+            <a:rPr lang="en-US" sz="1100" kern="1200" dirty="0"/>
             <a:t>Salesforce communities to be used for providing access to clients and operators</a:t>
           </a:r>
         </a:p>
@@ -2226,7 +2226,7 @@
             <a:defRPr cap="all"/>
           </a:pPr>
           <a:r>
-            <a:rPr lang="en-US" sz="1100" kern="1200"/>
+            <a:rPr lang="en-US" sz="1100" kern="1200" dirty="0"/>
             <a:t>OOTB sharing configuration to be used to control visibility</a:t>
           </a:r>
         </a:p>
@@ -2379,7 +2379,7 @@
             <a:defRPr cap="all"/>
           </a:pPr>
           <a:r>
-            <a:rPr lang="en-US" sz="1100" kern="1200"/>
+            <a:rPr lang="en-US" sz="1100" kern="1200" dirty="0"/>
             <a:t>Role based access to be used for Lightning experience users to provide record access and Security</a:t>
           </a:r>
         </a:p>
@@ -2532,7 +2532,7 @@
             <a:defRPr cap="all"/>
           </a:pPr>
           <a:r>
-            <a:rPr lang="en-US" sz="1100" kern="1200"/>
+            <a:rPr lang="en-US" sz="1100" kern="1200" dirty="0"/>
             <a:t>Platform events to be used as core integration pattern to leverage pub sub model and avoid point to point apex rest/Soap Patterns</a:t>
           </a:r>
         </a:p>
@@ -2685,7 +2685,7 @@
             <a:defRPr cap="all"/>
           </a:pPr>
           <a:r>
-            <a:rPr lang="en-US" sz="1100" kern="1200"/>
+            <a:rPr lang="en-US" sz="1100" kern="1200" dirty="0"/>
             <a:t>Flows/Process Builders to be used to  avoid apex wherever possible.</a:t>
           </a:r>
         </a:p>
@@ -4039,7 +4039,7 @@
             </a:lvl1pPr>
           </a:lstStyle>
           <a:p>
-            <a:endParaRPr lang="en-US"/>
+            <a:endParaRPr lang="en-US" dirty="0"/>
           </a:p>
         </p:txBody>
       </p:sp>
@@ -4074,7 +4074,7 @@
               <a:rPr lang="en-US" smtClean="0"/>
               <a:t>5/19/2020</a:t>
             </a:fld>
-            <a:endParaRPr lang="en-US"/>
+            <a:endParaRPr lang="en-US" dirty="0"/>
           </a:p>
         </p:txBody>
       </p:sp>
@@ -4107,7 +4107,7 @@
           <a:bodyPr vert="horz" lIns="91440" tIns="45720" rIns="91440" bIns="45720" rtlCol="0" anchor="ctr"/>
           <a:lstStyle/>
           <a:p>
-            <a:endParaRPr lang="en-US"/>
+            <a:endParaRPr lang="en-US" dirty="0"/>
           </a:p>
         </p:txBody>
       </p:sp>
@@ -4197,7 +4197,7 @@
             </a:lvl1pPr>
           </a:lstStyle>
           <a:p>
-            <a:endParaRPr lang="en-US"/>
+            <a:endParaRPr lang="en-US" dirty="0"/>
           </a:p>
         </p:txBody>
       </p:sp>
@@ -4232,7 +4232,7 @@
               <a:rPr lang="en-US" smtClean="0"/>
               <a:t>‹#›</a:t>
             </a:fld>
-            <a:endParaRPr lang="en-US"/>
+            <a:endParaRPr lang="en-US" dirty="0"/>
           </a:p>
         </p:txBody>
       </p:sp>
@@ -4388,7 +4388,7 @@
           <a:bodyPr/>
           <a:lstStyle/>
           <a:p>
-            <a:endParaRPr lang="en-US"/>
+            <a:endParaRPr lang="en-US" dirty="0"/>
           </a:p>
         </p:txBody>
       </p:sp>
@@ -4411,7 +4411,7 @@
               <a:rPr lang="en-US" smtClean="0"/>
               <a:t>4</a:t>
             </a:fld>
-            <a:endParaRPr lang="en-US"/>
+            <a:endParaRPr lang="en-US" dirty="0"/>
           </a:p>
         </p:txBody>
       </p:sp>
@@ -4577,7 +4577,7 @@
               <a:rPr lang="en-US" smtClean="0"/>
               <a:t>5/19/2020</a:t>
             </a:fld>
-            <a:endParaRPr lang="en-US"/>
+            <a:endParaRPr lang="en-US" dirty="0"/>
           </a:p>
         </p:txBody>
       </p:sp>
@@ -4602,7 +4602,7 @@
           <a:bodyPr/>
           <a:lstStyle/>
           <a:p>
-            <a:endParaRPr lang="en-US"/>
+            <a:endParaRPr lang="en-US" dirty="0"/>
           </a:p>
         </p:txBody>
       </p:sp>
@@ -4631,7 +4631,7 @@
               <a:rPr lang="en-US" smtClean="0"/>
               <a:t>‹#›</a:t>
             </a:fld>
-            <a:endParaRPr lang="en-US"/>
+            <a:endParaRPr lang="en-US" dirty="0"/>
           </a:p>
         </p:txBody>
       </p:sp>
@@ -4775,7 +4775,7 @@
               <a:rPr lang="en-US" smtClean="0"/>
               <a:t>5/19/2020</a:t>
             </a:fld>
-            <a:endParaRPr lang="en-US"/>
+            <a:endParaRPr lang="en-US" dirty="0"/>
           </a:p>
         </p:txBody>
       </p:sp>
@@ -4800,7 +4800,7 @@
           <a:bodyPr/>
           <a:lstStyle/>
           <a:p>
-            <a:endParaRPr lang="en-US"/>
+            <a:endParaRPr lang="en-US" dirty="0"/>
           </a:p>
         </p:txBody>
       </p:sp>
@@ -4829,7 +4829,7 @@
               <a:rPr lang="en-US" smtClean="0"/>
               <a:t>‹#›</a:t>
             </a:fld>
-            <a:endParaRPr lang="en-US"/>
+            <a:endParaRPr lang="en-US" dirty="0"/>
           </a:p>
         </p:txBody>
       </p:sp>
@@ -4983,7 +4983,7 @@
               <a:rPr lang="en-US" smtClean="0"/>
               <a:t>5/19/2020</a:t>
             </a:fld>
-            <a:endParaRPr lang="en-US"/>
+            <a:endParaRPr lang="en-US" dirty="0"/>
           </a:p>
         </p:txBody>
       </p:sp>
@@ -5008,7 +5008,7 @@
           <a:bodyPr/>
           <a:lstStyle/>
           <a:p>
-            <a:endParaRPr lang="en-US"/>
+            <a:endParaRPr lang="en-US" dirty="0"/>
           </a:p>
         </p:txBody>
       </p:sp>
@@ -5037,7 +5037,7 @@
               <a:rPr lang="en-US" smtClean="0"/>
               <a:t>‹#›</a:t>
             </a:fld>
-            <a:endParaRPr lang="en-US"/>
+            <a:endParaRPr lang="en-US" dirty="0"/>
           </a:p>
         </p:txBody>
       </p:sp>
@@ -5181,7 +5181,7 @@
               <a:rPr lang="en-US" smtClean="0"/>
               <a:t>5/19/2020</a:t>
             </a:fld>
-            <a:endParaRPr lang="en-US"/>
+            <a:endParaRPr lang="en-US" dirty="0"/>
           </a:p>
         </p:txBody>
       </p:sp>
@@ -5206,7 +5206,7 @@
           <a:bodyPr/>
           <a:lstStyle/>
           <a:p>
-            <a:endParaRPr lang="en-US"/>
+            <a:endParaRPr lang="en-US" dirty="0"/>
           </a:p>
         </p:txBody>
       </p:sp>
@@ -5235,7 +5235,7 @@
               <a:rPr lang="en-US" smtClean="0"/>
               <a:t>‹#›</a:t>
             </a:fld>
-            <a:endParaRPr lang="en-US"/>
+            <a:endParaRPr lang="en-US" dirty="0"/>
           </a:p>
         </p:txBody>
       </p:sp>
@@ -5456,7 +5456,7 @@
               <a:rPr lang="en-US" smtClean="0"/>
               <a:t>5/19/2020</a:t>
             </a:fld>
-            <a:endParaRPr lang="en-US"/>
+            <a:endParaRPr lang="en-US" dirty="0"/>
           </a:p>
         </p:txBody>
       </p:sp>
@@ -5481,7 +5481,7 @@
           <a:bodyPr/>
           <a:lstStyle/>
           <a:p>
-            <a:endParaRPr lang="en-US"/>
+            <a:endParaRPr lang="en-US" dirty="0"/>
           </a:p>
         </p:txBody>
       </p:sp>
@@ -5510,7 +5510,7 @@
               <a:rPr lang="en-US" smtClean="0"/>
               <a:t>‹#›</a:t>
             </a:fld>
-            <a:endParaRPr lang="en-US"/>
+            <a:endParaRPr lang="en-US" dirty="0"/>
           </a:p>
         </p:txBody>
       </p:sp>
@@ -5721,7 +5721,7 @@
               <a:rPr lang="en-US" smtClean="0"/>
               <a:t>5/19/2020</a:t>
             </a:fld>
-            <a:endParaRPr lang="en-US"/>
+            <a:endParaRPr lang="en-US" dirty="0"/>
           </a:p>
         </p:txBody>
       </p:sp>
@@ -5746,7 +5746,7 @@
           <a:bodyPr/>
           <a:lstStyle/>
           <a:p>
-            <a:endParaRPr lang="en-US"/>
+            <a:endParaRPr lang="en-US" dirty="0"/>
           </a:p>
         </p:txBody>
       </p:sp>
@@ -5775,7 +5775,7 @@
               <a:rPr lang="en-US" smtClean="0"/>
               <a:t>‹#›</a:t>
             </a:fld>
-            <a:endParaRPr lang="en-US"/>
+            <a:endParaRPr lang="en-US" dirty="0"/>
           </a:p>
         </p:txBody>
       </p:sp>
@@ -6133,7 +6133,7 @@
               <a:rPr lang="en-US" smtClean="0"/>
               <a:t>5/19/2020</a:t>
             </a:fld>
-            <a:endParaRPr lang="en-US"/>
+            <a:endParaRPr lang="en-US" dirty="0"/>
           </a:p>
         </p:txBody>
       </p:sp>
@@ -6158,7 +6158,7 @@
           <a:bodyPr/>
           <a:lstStyle/>
           <a:p>
-            <a:endParaRPr lang="en-US"/>
+            <a:endParaRPr lang="en-US" dirty="0"/>
           </a:p>
         </p:txBody>
       </p:sp>
@@ -6187,7 +6187,7 @@
               <a:rPr lang="en-US" smtClean="0"/>
               <a:t>‹#›</a:t>
             </a:fld>
-            <a:endParaRPr lang="en-US"/>
+            <a:endParaRPr lang="en-US" dirty="0"/>
           </a:p>
         </p:txBody>
       </p:sp>
@@ -6274,7 +6274,7 @@
               <a:rPr lang="en-US" smtClean="0"/>
               <a:t>5/19/2020</a:t>
             </a:fld>
-            <a:endParaRPr lang="en-US"/>
+            <a:endParaRPr lang="en-US" dirty="0"/>
           </a:p>
         </p:txBody>
       </p:sp>
@@ -6299,7 +6299,7 @@
           <a:bodyPr/>
           <a:lstStyle/>
           <a:p>
-            <a:endParaRPr lang="en-US"/>
+            <a:endParaRPr lang="en-US" dirty="0"/>
           </a:p>
         </p:txBody>
       </p:sp>
@@ -6328,7 +6328,7 @@
               <a:rPr lang="en-US" smtClean="0"/>
               <a:t>‹#›</a:t>
             </a:fld>
-            <a:endParaRPr lang="en-US"/>
+            <a:endParaRPr lang="en-US" dirty="0"/>
           </a:p>
         </p:txBody>
       </p:sp>
@@ -6387,7 +6387,7 @@
               <a:rPr lang="en-US" smtClean="0"/>
               <a:t>5/19/2020</a:t>
             </a:fld>
-            <a:endParaRPr lang="en-US"/>
+            <a:endParaRPr lang="en-US" dirty="0"/>
           </a:p>
         </p:txBody>
       </p:sp>
@@ -6412,7 +6412,7 @@
           <a:bodyPr/>
           <a:lstStyle/>
           <a:p>
-            <a:endParaRPr lang="en-US"/>
+            <a:endParaRPr lang="en-US" dirty="0"/>
           </a:p>
         </p:txBody>
       </p:sp>
@@ -6441,7 +6441,7 @@
               <a:rPr lang="en-US" smtClean="0"/>
               <a:t>‹#›</a:t>
             </a:fld>
-            <a:endParaRPr lang="en-US"/>
+            <a:endParaRPr lang="en-US" dirty="0"/>
           </a:p>
         </p:txBody>
       </p:sp>
@@ -6698,7 +6698,7 @@
               <a:rPr lang="en-US" smtClean="0"/>
               <a:t>5/19/2020</a:t>
             </a:fld>
-            <a:endParaRPr lang="en-US"/>
+            <a:endParaRPr lang="en-US" dirty="0"/>
           </a:p>
         </p:txBody>
       </p:sp>
@@ -6723,7 +6723,7 @@
           <a:bodyPr/>
           <a:lstStyle/>
           <a:p>
-            <a:endParaRPr lang="en-US"/>
+            <a:endParaRPr lang="en-US" dirty="0"/>
           </a:p>
         </p:txBody>
       </p:sp>
@@ -6752,7 +6752,7 @@
               <a:rPr lang="en-US" smtClean="0"/>
               <a:t>‹#›</a:t>
             </a:fld>
-            <a:endParaRPr lang="en-US"/>
+            <a:endParaRPr lang="en-US" dirty="0"/>
           </a:p>
         </p:txBody>
       </p:sp>
@@ -6886,7 +6886,7 @@
             </a:lvl9pPr>
           </a:lstStyle>
           <a:p>
-            <a:endParaRPr lang="en-US"/>
+            <a:endParaRPr lang="en-US" dirty="0"/>
           </a:p>
         </p:txBody>
       </p:sp>
@@ -6986,7 +6986,7 @@
               <a:rPr lang="en-US" smtClean="0"/>
               <a:t>5/19/2020</a:t>
             </a:fld>
-            <a:endParaRPr lang="en-US"/>
+            <a:endParaRPr lang="en-US" dirty="0"/>
           </a:p>
         </p:txBody>
       </p:sp>
@@ -7011,7 +7011,7 @@
           <a:bodyPr/>
           <a:lstStyle/>
           <a:p>
-            <a:endParaRPr lang="en-US"/>
+            <a:endParaRPr lang="en-US" dirty="0"/>
           </a:p>
         </p:txBody>
       </p:sp>
@@ -7040,7 +7040,7 @@
               <a:rPr lang="en-US" smtClean="0"/>
               <a:t>‹#›</a:t>
             </a:fld>
-            <a:endParaRPr lang="en-US"/>
+            <a:endParaRPr lang="en-US" dirty="0"/>
           </a:p>
         </p:txBody>
       </p:sp>
@@ -7227,7 +7227,7 @@
               <a:rPr lang="en-US" smtClean="0"/>
               <a:t>5/19/2020</a:t>
             </a:fld>
-            <a:endParaRPr lang="en-US"/>
+            <a:endParaRPr lang="en-US" dirty="0"/>
           </a:p>
         </p:txBody>
       </p:sp>
@@ -7270,7 +7270,7 @@
             </a:lvl1pPr>
           </a:lstStyle>
           <a:p>
-            <a:endParaRPr lang="en-US"/>
+            <a:endParaRPr lang="en-US" dirty="0"/>
           </a:p>
         </p:txBody>
       </p:sp>
@@ -7317,7 +7317,7 @@
               <a:rPr lang="en-US" smtClean="0"/>
               <a:t>‹#›</a:t>
             </a:fld>
-            <a:endParaRPr lang="en-US"/>
+            <a:endParaRPr lang="en-US" dirty="0"/>
           </a:p>
         </p:txBody>
       </p:sp>
@@ -7628,6 +7628,14 @@
 <file path=ppt/slides/slide1.xml><?xml version="1.0" encoding="utf-8"?>
 <p:sld xmlns:a="http://schemas.openxmlformats.org/drawingml/2006/main" xmlns:r="http://schemas.openxmlformats.org/officeDocument/2006/relationships" xmlns:p="http://schemas.openxmlformats.org/presentationml/2006/main">
   <p:cSld>
+    <p:bg>
+      <p:bgPr>
+        <a:solidFill>
+          <a:schemeClr val="bg1"/>
+        </a:solidFill>
+        <a:effectLst/>
+      </p:bgPr>
+    </p:bg>
     <p:spTree>
       <p:nvGrpSpPr>
         <p:cNvPr id="1" name=""/>
@@ -7658,15 +7666,22 @@
             <p:ph type="ctrTitle"/>
           </p:nvPr>
         </p:nvSpPr>
-        <p:spPr/>
+        <p:spPr>
+          <a:xfrm>
+            <a:off x="992550" y="2159168"/>
+            <a:ext cx="5293449" cy="2482515"/>
+          </a:xfrm>
+        </p:spPr>
         <p:txBody>
-          <a:bodyPr>
+          <a:bodyPr anchor="ctr">
             <a:normAutofit/>
           </a:bodyPr>
           <a:lstStyle/>
           <a:p>
             <a:r>
-              <a:rPr lang="en-US" sz="4800" dirty="0"/>
+              <a:rPr lang="en-US" dirty="0">
+                <a:latin typeface="Century" panose="02040604050505020304" pitchFamily="18" charset="0"/>
+              </a:rPr>
               <a:t>Bus Ticketing Solution</a:t>
             </a:r>
           </a:p>
@@ -7690,12 +7705,14 @@
         </p:nvSpPr>
         <p:spPr>
           <a:xfrm>
-            <a:off x="1524000" y="3602038"/>
-            <a:ext cx="9144000" cy="1655762"/>
+            <a:off x="2729107" y="4371474"/>
+            <a:ext cx="1820333" cy="406567"/>
           </a:xfrm>
         </p:spPr>
         <p:txBody>
-          <a:bodyPr/>
+          <a:bodyPr>
+            <a:normAutofit lnSpcReduction="10000"/>
+          </a:bodyPr>
           <a:lstStyle/>
           <a:p>
             <a:r>
@@ -7705,6 +7722,55 @@
           </a:p>
         </p:txBody>
       </p:sp>
+      <p:pic>
+        <p:nvPicPr>
+          <p:cNvPr id="9" name="Graphic 8">
+            <a:extLst>
+              <a:ext uri="{FF2B5EF4-FFF2-40B4-BE49-F238E27FC236}">
+                <a16:creationId xmlns:a16="http://schemas.microsoft.com/office/drawing/2014/main" id="{A7185384-E984-43A1-B53D-F387F17E808E}"/>
+              </a:ext>
+              <a:ext uri="{C183D7F6-B498-43B3-948B-1728B52AA6E4}">
+                <adec:decorative xmlns:adec="http://schemas.microsoft.com/office/drawing/2017/decorative" val="1"/>
+              </a:ext>
+            </a:extLst>
+          </p:cNvPr>
+          <p:cNvPicPr>
+            <a:picLocks noGrp="1" noRot="1" noChangeAspect="1" noMove="1" noResize="1" noEditPoints="1" noAdjustHandles="1" noChangeArrowheads="1" noChangeShapeType="1" noCrop="1"/>
+          </p:cNvPicPr>
+          <p:nvPr>
+            <p:extLst>
+              <p:ext uri="{386F3935-93C4-4BCD-93E2-E3B085C9AB24}">
+                <p16:designElem xmlns:p16="http://schemas.microsoft.com/office/powerpoint/2015/main" val="1"/>
+              </p:ext>
+            </p:extLst>
+          </p:nvPr>
+        </p:nvPicPr>
+        <p:blipFill>
+          <a:blip r:embed="rId2">
+            <a:alphaModFix amt="15000"/>
+            <a:extLst>
+              <a:ext uri="{28A0092B-C50C-407E-A947-70E740481C1C}">
+                <a14:useLocalDpi xmlns:a14="http://schemas.microsoft.com/office/drawing/2010/main" val="0"/>
+              </a:ext>
+              <a:ext uri="{96DAC541-7B7A-43D3-8B79-37D633B846F1}">
+                <asvg:svgBlip xmlns:asvg="http://schemas.microsoft.com/office/drawing/2016/SVG/main" r:embed="rId3"/>
+              </a:ext>
+            </a:extLst>
+          </a:blip>
+          <a:stretch>
+            <a:fillRect/>
+          </a:stretch>
+        </p:blipFill>
+        <p:spPr>
+          <a:xfrm>
+            <a:off x="6641431" y="816337"/>
+            <a:ext cx="5225327" cy="5225327"/>
+          </a:xfrm>
+          <a:prstGeom prst="rect">
+            <a:avLst/>
+          </a:prstGeom>
+        </p:spPr>
+      </p:pic>
     </p:spTree>
     <p:extLst>
       <p:ext uri="{BB962C8B-B14F-4D97-AF65-F5344CB8AC3E}">
@@ -7761,21 +7827,105 @@
         </p:nvSpPr>
         <p:spPr>
           <a:xfrm>
-            <a:off x="1136428" y="627564"/>
-            <a:ext cx="7474172" cy="1325563"/>
+            <a:off x="2358914" y="627564"/>
+            <a:ext cx="7474172" cy="501649"/>
           </a:xfrm>
         </p:spPr>
+        <p:style>
+          <a:lnRef idx="2">
+            <a:schemeClr val="accent1"/>
+          </a:lnRef>
+          <a:fillRef idx="1">
+            <a:schemeClr val="lt1"/>
+          </a:fillRef>
+          <a:effectRef idx="0">
+            <a:schemeClr val="accent1"/>
+          </a:effectRef>
+          <a:fontRef idx="minor">
+            <a:schemeClr val="dk1"/>
+          </a:fontRef>
+        </p:style>
         <p:txBody>
-          <a:bodyPr>
+          <a:bodyPr vert="horz" lIns="91440" tIns="45720" rIns="91440" bIns="45720" rtlCol="0" anchor="ctr">
             <a:normAutofit/>
           </a:bodyPr>
           <a:lstStyle/>
           <a:p>
+            <a:pPr algn="ctr"/>
             <a:r>
-              <a:rPr lang="en-US"/>
-              <a:t>Sharing and Security</a:t>
+              <a:rPr lang="en-US" sz="2800" dirty="0">
+                <a:solidFill>
+                  <a:schemeClr val="dk1"/>
+                </a:solidFill>
+                <a:latin typeface="Bookman Old Style" panose="02050604050505020204" pitchFamily="18" charset="0"/>
+                <a:ea typeface="+mn-ea"/>
+                <a:cs typeface="+mn-cs"/>
+              </a:rPr>
+              <a:t>S</a:t>
             </a:r>
-            <a:endParaRPr lang="en-US" dirty="0"/>
+            <a:r>
+              <a:rPr lang="en-US" sz="2400" dirty="0">
+                <a:solidFill>
+                  <a:schemeClr val="dk1"/>
+                </a:solidFill>
+                <a:latin typeface="Bookman Old Style" panose="02050604050505020204" pitchFamily="18" charset="0"/>
+                <a:ea typeface="+mn-ea"/>
+                <a:cs typeface="+mn-cs"/>
+              </a:rPr>
+              <a:t>HARING</a:t>
+            </a:r>
+            <a:r>
+              <a:rPr lang="en-US" sz="2800" dirty="0">
+                <a:solidFill>
+                  <a:schemeClr val="dk1"/>
+                </a:solidFill>
+                <a:latin typeface="Bookman Old Style" panose="02050604050505020204" pitchFamily="18" charset="0"/>
+                <a:ea typeface="+mn-ea"/>
+                <a:cs typeface="+mn-cs"/>
+              </a:rPr>
+              <a:t> A</a:t>
+            </a:r>
+            <a:r>
+              <a:rPr lang="en-US" sz="2400" dirty="0">
+                <a:solidFill>
+                  <a:schemeClr val="dk1"/>
+                </a:solidFill>
+                <a:latin typeface="Bookman Old Style" panose="02050604050505020204" pitchFamily="18" charset="0"/>
+                <a:ea typeface="+mn-ea"/>
+                <a:cs typeface="+mn-cs"/>
+              </a:rPr>
+              <a:t>ND</a:t>
+            </a:r>
+            <a:r>
+              <a:rPr lang="en-US" sz="2800" dirty="0">
+                <a:solidFill>
+                  <a:schemeClr val="dk1"/>
+                </a:solidFill>
+                <a:latin typeface="Bookman Old Style" panose="02050604050505020204" pitchFamily="18" charset="0"/>
+                <a:ea typeface="+mn-ea"/>
+                <a:cs typeface="+mn-cs"/>
+              </a:rPr>
+              <a:t> S</a:t>
+            </a:r>
+            <a:r>
+              <a:rPr lang="en-US" sz="2400" dirty="0">
+                <a:solidFill>
+                  <a:schemeClr val="dk1"/>
+                </a:solidFill>
+                <a:latin typeface="Bookman Old Style" panose="02050604050505020204" pitchFamily="18" charset="0"/>
+                <a:ea typeface="+mn-ea"/>
+                <a:cs typeface="+mn-cs"/>
+              </a:rPr>
+              <a:t>ECURITY</a:t>
+            </a:r>
+            <a:endParaRPr lang="en-US" sz="2800" dirty="0">
+              <a:solidFill>
+                <a:schemeClr val="dk1"/>
+              </a:solidFill>
+              <a:latin typeface="Bookman Old Style" panose="02050604050505020204" pitchFamily="18" charset="0"/>
+              <a:ea typeface="+mn-ea"/>
+              <a:cs typeface="+mn-cs"/>
+            </a:endParaRPr>
           </a:p>
         </p:txBody>
       </p:sp>
@@ -7797,10 +7947,24 @@
         </p:nvSpPr>
         <p:spPr>
           <a:xfrm>
-            <a:off x="1136429" y="1953127"/>
-            <a:ext cx="7674196" cy="3775660"/>
+            <a:off x="437322" y="1541170"/>
+            <a:ext cx="8373303" cy="3775660"/>
           </a:xfrm>
         </p:spPr>
+        <p:style>
+          <a:lnRef idx="2">
+            <a:schemeClr val="accent1"/>
+          </a:lnRef>
+          <a:fillRef idx="1">
+            <a:schemeClr val="lt1"/>
+          </a:fillRef>
+          <a:effectRef idx="0">
+            <a:schemeClr val="accent1"/>
+          </a:effectRef>
+          <a:fontRef idx="minor">
+            <a:schemeClr val="dk1"/>
+          </a:fontRef>
+        </p:style>
         <p:txBody>
           <a:bodyPr anchor="ctr">
             <a:normAutofit/>
@@ -7809,42 +7973,38 @@
           <a:p>
             <a:pPr algn="just"/>
             <a:r>
-              <a:rPr lang="en-US" sz="1900" dirty="0"/>
-              <a:t>Core Objects(Operator ,Contact, Trip) are in private sharing model which allows visibility to be controlled. It can be scaled in the future to onboard many operators</a:t>
+              <a:rPr lang="en-US" sz="1900" i="1" dirty="0">
+                <a:latin typeface="Candara" panose="020E0502030303020204" pitchFamily="34" charset="0"/>
+              </a:rPr>
+              <a:t>Core Objects(Operator, Contact, Trip) are in private sharing model which allows visibility to be controlled. It can be scaled in the future to onboard many operators</a:t>
             </a:r>
           </a:p>
           <a:p>
             <a:pPr algn="just"/>
             <a:r>
-              <a:rPr lang="en-US" sz="1900" dirty="0"/>
+              <a:rPr lang="en-US" sz="1900" i="1" dirty="0">
+                <a:latin typeface="Candara" panose="020E0502030303020204" pitchFamily="34" charset="0"/>
+              </a:rPr>
               <a:t>Private sharing model with master detail helps to manage privacy of data between operators</a:t>
             </a:r>
           </a:p>
           <a:p>
             <a:pPr algn="just"/>
             <a:r>
-              <a:rPr lang="en-US" sz="1900" dirty="0"/>
+              <a:rPr lang="en-US" sz="1900" i="1" dirty="0">
+                <a:latin typeface="Candara" panose="020E0502030303020204" pitchFamily="34" charset="0"/>
+              </a:rPr>
               <a:t>External sharing settings should be enabled to ensure separate sharing model exists between community and internal users</a:t>
             </a:r>
           </a:p>
           <a:p>
             <a:pPr algn="just"/>
             <a:r>
-              <a:rPr lang="en-US" sz="1900" dirty="0"/>
+              <a:rPr lang="en-US" sz="1900" i="1" dirty="0">
+                <a:latin typeface="Candara" panose="020E0502030303020204" pitchFamily="34" charset="0"/>
+              </a:rPr>
               <a:t>Sharing sets can be used to provide access to Operators and Clients to only see their data in customer community or partner community(only for partners)</a:t>
             </a:r>
-          </a:p>
-          <a:p>
-            <a:pPr algn="just"/>
-            <a:endParaRPr lang="en-US" sz="1900" dirty="0"/>
-          </a:p>
-          <a:p>
-            <a:pPr algn="just"/>
-            <a:endParaRPr lang="en-US" sz="1900" dirty="0"/>
-          </a:p>
-          <a:p>
-            <a:pPr algn="just"/>
-            <a:endParaRPr lang="en-US" sz="1900" dirty="0"/>
           </a:p>
         </p:txBody>
       </p:sp>
@@ -7907,7 +8067,7 @@
           <a:lstStyle/>
           <a:p>
             <a:pPr algn="ctr"/>
-            <a:endParaRPr lang="en-US"/>
+            <a:endParaRPr lang="en-US" dirty="0"/>
           </a:p>
         </p:txBody>
       </p:sp>
@@ -7972,7 +8132,7 @@
           <a:lstStyle/>
           <a:p>
             <a:pPr algn="ctr"/>
-            <a:endParaRPr lang="en-US"/>
+            <a:endParaRPr lang="en-US" dirty="0"/>
           </a:p>
         </p:txBody>
       </p:sp>
@@ -8128,7 +8288,7 @@
               <a:tabLst/>
               <a:defRPr/>
             </a:pPr>
-            <a:endParaRPr kumimoji="0" lang="en-US" sz="1800" b="0" i="0" u="none" strike="noStrike" kern="1200" cap="none" spc="0" normalizeH="0" baseline="0" noProof="0">
+            <a:endParaRPr kumimoji="0" lang="en-US" sz="1800" b="0" i="0" u="none" strike="noStrike" kern="1200" cap="none" spc="0" normalizeH="0" baseline="0" noProof="0" dirty="0">
               <a:ln>
                 <a:noFill/>
               </a:ln>
@@ -8163,18 +8323,20 @@
         </p:nvSpPr>
         <p:spPr>
           <a:xfrm>
-            <a:off x="694510" y="1487272"/>
+            <a:off x="694510" y="2153198"/>
             <a:ext cx="2743200" cy="2743200"/>
           </a:xfrm>
           <a:prstGeom prst="ellipse">
             <a:avLst/>
           </a:prstGeom>
           <a:solidFill>
-            <a:srgbClr val="0070C0"/>
+            <a:schemeClr val="bg1">
+              <a:lumMod val="50000"/>
+            </a:schemeClr>
           </a:solidFill>
           <a:ln w="174625" cmpd="thinThick">
             <a:solidFill>
-              <a:srgbClr val="262626"/>
+              <a:schemeClr val="accent1"/>
             </a:solidFill>
           </a:ln>
         </p:spPr>
@@ -8190,6 +8352,7 @@
                 <a:solidFill>
                   <a:srgbClr val="FFFFFF"/>
                 </a:solidFill>
+                <a:latin typeface="Candara" panose="020E0502030303020204" pitchFamily="34" charset="0"/>
               </a:rPr>
               <a:t>Integrations: Below are some of the integrations assumed as part of the ticketing solution.</a:t>
             </a:r>
@@ -8227,10 +8390,10 @@
             <a:pPr marL="0" indent="0">
               <a:buNone/>
             </a:pPr>
-            <a:endParaRPr lang="en-US" sz="1800"/>
+            <a:endParaRPr lang="en-US" sz="1800" dirty="0"/>
           </a:p>
           <a:p>
-            <a:endParaRPr lang="en-US" sz="1800"/>
+            <a:endParaRPr lang="en-US" sz="1800" dirty="0"/>
           </a:p>
         </p:txBody>
       </p:sp>
@@ -8249,14 +8412,14 @@
           <p:nvPr>
             <p:extLst>
               <p:ext uri="{D42A27DB-BD31-4B8C-83A1-F6EECF244321}">
-                <p14:modId xmlns:p14="http://schemas.microsoft.com/office/powerpoint/2010/main" val="1747914495"/>
+                <p14:modId xmlns:p14="http://schemas.microsoft.com/office/powerpoint/2010/main" val="3942954575"/>
               </p:ext>
             </p:extLst>
           </p:nvPr>
         </p:nvGraphicFramePr>
         <p:xfrm>
-          <a:off x="3594410" y="928199"/>
-          <a:ext cx="8076578" cy="5001602"/>
+          <a:off x="3594410" y="556706"/>
+          <a:ext cx="8076578" cy="5744588"/>
         </p:xfrm>
         <a:graphic>
           <a:graphicData uri="http://schemas.openxmlformats.org/drawingml/2006/table">
@@ -8266,21 +8429,21 @@
                 <a:tableStyleId>{9D7B26C5-4107-4FEC-AEDC-1716B250A1EF}</a:tableStyleId>
               </a:tblPr>
               <a:tblGrid>
-                <a:gridCol w="1450827">
+                <a:gridCol w="1633573">
                   <a:extLst>
                     <a:ext uri="{9D8B030D-6E8A-4147-A177-3AD203B41FA5}">
                       <a16:colId xmlns:a16="http://schemas.microsoft.com/office/drawing/2014/main" val="3924810706"/>
                     </a:ext>
                   </a:extLst>
                 </a:gridCol>
-                <a:gridCol w="4774465">
+                <a:gridCol w="3955774">
                   <a:extLst>
                     <a:ext uri="{9D8B030D-6E8A-4147-A177-3AD203B41FA5}">
                       <a16:colId xmlns:a16="http://schemas.microsoft.com/office/drawing/2014/main" val="2519717621"/>
                     </a:ext>
                   </a:extLst>
                 </a:gridCol>
-                <a:gridCol w="1851286">
+                <a:gridCol w="2487231">
                   <a:extLst>
                     <a:ext uri="{9D8B030D-6E8A-4147-A177-3AD203B41FA5}">
                       <a16:colId xmlns:a16="http://schemas.microsoft.com/office/drawing/2014/main" val="2902567180"/>
@@ -8294,8 +8457,9 @@
                     <a:bodyPr/>
                     <a:lstStyle/>
                     <a:p>
+                      <a:pPr algn="ctr"/>
                       <a:r>
-                        <a:rPr lang="en-US" sz="1300" dirty="0">
+                        <a:rPr lang="en-US" sz="1900" dirty="0">
                           <a:solidFill>
                             <a:schemeClr val="bg1"/>
                           </a:solidFill>
@@ -8353,8 +8517,9 @@
                     <a:bodyPr/>
                     <a:lstStyle/>
                     <a:p>
+                      <a:pPr algn="ctr"/>
                       <a:r>
-                        <a:rPr lang="en-US" sz="1300" dirty="0">
+                        <a:rPr lang="en-US" sz="1900" dirty="0">
                           <a:solidFill>
                             <a:schemeClr val="bg1"/>
                           </a:solidFill>
@@ -8412,8 +8577,9 @@
                     <a:bodyPr/>
                     <a:lstStyle/>
                     <a:p>
+                      <a:pPr algn="ctr"/>
                       <a:r>
-                        <a:rPr lang="en-US" sz="1300" dirty="0">
+                        <a:rPr lang="en-US" sz="1900" dirty="0">
                           <a:solidFill>
                             <a:schemeClr val="bg1"/>
                           </a:solidFill>
@@ -8478,8 +8644,9 @@
                     <a:bodyPr/>
                     <a:lstStyle/>
                     <a:p>
+                      <a:pPr algn="ctr"/>
                       <a:r>
-                        <a:rPr lang="en-US" sz="1400">
+                        <a:rPr lang="en-US" sz="1800" dirty="0">
                           <a:solidFill>
                             <a:schemeClr val="tx1">
                               <a:lumMod val="75000"/>
@@ -8491,7 +8658,7 @@
                       </a:r>
                     </a:p>
                   </a:txBody>
-                  <a:tcPr marL="166549" marR="86605" marT="86605" marB="86605">
+                  <a:tcPr marL="166549" marR="86605" marT="86605" marB="86605" anchor="ctr">
                     <a:lnL w="12700" cap="flat" cmpd="sng" algn="ctr">
                       <a:solidFill>
                         <a:schemeClr val="tx1"/>
@@ -8537,7 +8704,7 @@
                     <a:lstStyle/>
                     <a:p>
                       <a:r>
-                        <a:rPr lang="en-US" sz="1400" dirty="0">
+                        <a:rPr lang="en-US" sz="1800" dirty="0">
                           <a:solidFill>
                             <a:schemeClr val="tx1">
                               <a:lumMod val="75000"/>
@@ -8549,7 +8716,7 @@
                       </a:r>
                     </a:p>
                   </a:txBody>
-                  <a:tcPr marL="166549" marR="86605" marT="86605" marB="86605">
+                  <a:tcPr marL="166549" marR="86605" marT="86605" marB="86605" anchor="ctr">
                     <a:lnL w="12700" cap="flat" cmpd="sng" algn="ctr">
                       <a:solidFill>
                         <a:schemeClr val="tx1"/>
@@ -8595,7 +8762,7 @@
                     <a:lstStyle/>
                     <a:p>
                       <a:r>
-                        <a:rPr lang="en-US" sz="1400" dirty="0">
+                        <a:rPr lang="en-US" sz="1800" dirty="0">
                           <a:solidFill>
                             <a:schemeClr val="tx1">
                               <a:lumMod val="75000"/>
@@ -8607,7 +8774,7 @@
                       </a:r>
                     </a:p>
                   </a:txBody>
-                  <a:tcPr marL="166549" marR="86605" marT="86605" marB="86605">
+                  <a:tcPr marL="166549" marR="86605" marT="86605" marB="86605" anchor="ctr">
                     <a:lnL w="12700" cap="flat" cmpd="sng" algn="ctr">
                       <a:solidFill>
                         <a:schemeClr val="tx1"/>
@@ -8659,8 +8826,9 @@
                     <a:bodyPr/>
                     <a:lstStyle/>
                     <a:p>
+                      <a:pPr algn="ctr"/>
                       <a:r>
-                        <a:rPr lang="en-US" sz="1400" dirty="0">
+                        <a:rPr lang="en-US" sz="1800" dirty="0">
                           <a:solidFill>
                             <a:schemeClr val="tx1">
                               <a:lumMod val="75000"/>
@@ -8672,7 +8840,7 @@
                       </a:r>
                     </a:p>
                   </a:txBody>
-                  <a:tcPr marL="166549" marR="86605" marT="86605" marB="86605">
+                  <a:tcPr marL="166549" marR="86605" marT="86605" marB="86605" anchor="ctr">
                     <a:lnL w="12700" cap="flat" cmpd="sng" algn="ctr">
                       <a:solidFill>
                         <a:schemeClr val="tx1"/>
@@ -8718,7 +8886,7 @@
                     <a:lstStyle/>
                     <a:p>
                       <a:r>
-                        <a:rPr lang="en-US" sz="1400" dirty="0">
+                        <a:rPr lang="en-US" sz="1800" dirty="0">
                           <a:solidFill>
                             <a:schemeClr val="tx1">
                               <a:lumMod val="75000"/>
@@ -8730,7 +8898,7 @@
                       </a:r>
                     </a:p>
                   </a:txBody>
-                  <a:tcPr marL="166549" marR="86605" marT="86605" marB="86605">
+                  <a:tcPr marL="166549" marR="86605" marT="86605" marB="86605" anchor="ctr">
                     <a:lnL w="12700" cap="flat" cmpd="sng" algn="ctr">
                       <a:solidFill>
                         <a:schemeClr val="tx1"/>
@@ -8776,7 +8944,7 @@
                     <a:lstStyle/>
                     <a:p>
                       <a:r>
-                        <a:rPr lang="en-US" sz="1400" dirty="0">
+                        <a:rPr lang="en-US" sz="1800" dirty="0">
                           <a:solidFill>
                             <a:schemeClr val="tx1">
                               <a:lumMod val="75000"/>
@@ -8788,7 +8956,7 @@
                       </a:r>
                     </a:p>
                   </a:txBody>
-                  <a:tcPr marL="166549" marR="86605" marT="86605" marB="86605">
+                  <a:tcPr marL="166549" marR="86605" marT="86605" marB="86605" anchor="ctr">
                     <a:lnL w="12700" cap="flat" cmpd="sng" algn="ctr">
                       <a:solidFill>
                         <a:schemeClr val="tx1"/>
@@ -8840,8 +9008,9 @@
                     <a:bodyPr/>
                     <a:lstStyle/>
                     <a:p>
+                      <a:pPr algn="ctr"/>
                       <a:r>
-                        <a:rPr lang="en-US" sz="1400" dirty="0">
+                        <a:rPr lang="en-US" sz="1800" dirty="0">
                           <a:solidFill>
                             <a:schemeClr val="tx1">
                               <a:lumMod val="75000"/>
@@ -8853,7 +9022,7 @@
                       </a:r>
                     </a:p>
                   </a:txBody>
-                  <a:tcPr marL="166549" marR="86605" marT="86605" marB="86605">
+                  <a:tcPr marL="166549" marR="86605" marT="86605" marB="86605" anchor="ctr">
                     <a:lnL w="12700" cap="flat" cmpd="sng" algn="ctr">
                       <a:solidFill>
                         <a:schemeClr val="tx1"/>
@@ -8899,7 +9068,7 @@
                     <a:lstStyle/>
                     <a:p>
                       <a:r>
-                        <a:rPr lang="en-US" sz="1400" dirty="0">
+                        <a:rPr lang="en-US" sz="1800" dirty="0">
                           <a:solidFill>
                             <a:schemeClr val="tx1">
                               <a:lumMod val="75000"/>
@@ -8911,7 +9080,7 @@
                       </a:r>
                     </a:p>
                   </a:txBody>
-                  <a:tcPr marL="166549" marR="86605" marT="86605" marB="86605">
+                  <a:tcPr marL="166549" marR="86605" marT="86605" marB="86605" anchor="ctr">
                     <a:lnL w="12700" cap="flat" cmpd="sng" algn="ctr">
                       <a:solidFill>
                         <a:schemeClr val="tx1"/>
@@ -8957,7 +9126,7 @@
                     <a:lstStyle/>
                     <a:p>
                       <a:r>
-                        <a:rPr lang="en-US" sz="1400">
+                        <a:rPr lang="en-US" sz="1800" dirty="0">
                           <a:solidFill>
                             <a:schemeClr val="tx1">
                               <a:lumMod val="75000"/>
@@ -8969,7 +9138,7 @@
                       </a:r>
                     </a:p>
                   </a:txBody>
-                  <a:tcPr marL="166549" marR="86605" marT="86605" marB="86605">
+                  <a:tcPr marL="166549" marR="86605" marT="86605" marB="86605" anchor="ctr">
                     <a:lnL w="12700" cap="flat" cmpd="sng" algn="ctr">
                       <a:solidFill>
                         <a:schemeClr val="tx1"/>
@@ -9021,8 +9190,9 @@
                     <a:bodyPr/>
                     <a:lstStyle/>
                     <a:p>
+                      <a:pPr algn="ctr"/>
                       <a:r>
-                        <a:rPr lang="en-US" sz="1400" dirty="0">
+                        <a:rPr lang="en-US" sz="1800" dirty="0">
                           <a:solidFill>
                             <a:schemeClr val="tx1">
                               <a:lumMod val="75000"/>
@@ -9034,7 +9204,7 @@
                       </a:r>
                     </a:p>
                   </a:txBody>
-                  <a:tcPr marL="166549" marR="86605" marT="86605" marB="86605">
+                  <a:tcPr marL="166549" marR="86605" marT="86605" marB="86605" anchor="ctr">
                     <a:lnL w="12700" cap="flat" cmpd="sng" algn="ctr">
                       <a:solidFill>
                         <a:schemeClr val="tx1"/>
@@ -9080,7 +9250,7 @@
                     <a:lstStyle/>
                     <a:p>
                       <a:r>
-                        <a:rPr lang="en-US" sz="1400" dirty="0">
+                        <a:rPr lang="en-US" sz="1800" dirty="0">
                           <a:solidFill>
                             <a:schemeClr val="tx1">
                               <a:lumMod val="75000"/>
@@ -9092,7 +9262,7 @@
                       </a:r>
                     </a:p>
                   </a:txBody>
-                  <a:tcPr marL="166549" marR="86605" marT="86605" marB="86605">
+                  <a:tcPr marL="166549" marR="86605" marT="86605" marB="86605" anchor="ctr">
                     <a:lnL w="12700" cap="flat" cmpd="sng" algn="ctr">
                       <a:solidFill>
                         <a:schemeClr val="tx1"/>
@@ -9138,7 +9308,7 @@
                     <a:lstStyle/>
                     <a:p>
                       <a:r>
-                        <a:rPr lang="en-US" sz="1400" dirty="0">
+                        <a:rPr lang="en-US" sz="1800" dirty="0">
                           <a:solidFill>
                             <a:schemeClr val="tx1">
                               <a:lumMod val="75000"/>
@@ -9150,7 +9320,7 @@
                       </a:r>
                     </a:p>
                   </a:txBody>
-                  <a:tcPr marL="166549" marR="86605" marT="86605" marB="86605">
+                  <a:tcPr marL="166549" marR="86605" marT="86605" marB="86605" anchor="ctr">
                     <a:lnL w="12700" cap="flat" cmpd="sng" algn="ctr">
                       <a:solidFill>
                         <a:schemeClr val="tx1"/>
@@ -9202,8 +9372,9 @@
                     <a:bodyPr/>
                     <a:lstStyle/>
                     <a:p>
+                      <a:pPr algn="ctr"/>
                       <a:r>
-                        <a:rPr lang="en-US" sz="1400" dirty="0">
+                        <a:rPr lang="en-US" sz="1800" dirty="0">
                           <a:solidFill>
                             <a:schemeClr val="tx1">
                               <a:lumMod val="75000"/>
@@ -9215,7 +9386,7 @@
                       </a:r>
                     </a:p>
                   </a:txBody>
-                  <a:tcPr marL="166549" marR="86605" marT="86605" marB="86605">
+                  <a:tcPr marL="166549" marR="86605" marT="86605" marB="86605" anchor="ctr">
                     <a:lnL w="12700" cap="flat" cmpd="sng" algn="ctr">
                       <a:solidFill>
                         <a:schemeClr val="tx1"/>
@@ -9261,7 +9432,7 @@
                     <a:lstStyle/>
                     <a:p>
                       <a:r>
-                        <a:rPr lang="en-US" sz="1400" dirty="0">
+                        <a:rPr lang="en-US" sz="1800" dirty="0">
                           <a:solidFill>
                             <a:schemeClr val="tx1">
                               <a:lumMod val="75000"/>
@@ -9273,7 +9444,7 @@
                       </a:r>
                     </a:p>
                   </a:txBody>
-                  <a:tcPr marL="166549" marR="86605" marT="86605" marB="86605">
+                  <a:tcPr marL="166549" marR="86605" marT="86605" marB="86605" anchor="ctr">
                     <a:lnL w="12700" cap="flat" cmpd="sng" algn="ctr">
                       <a:solidFill>
                         <a:schemeClr val="tx1"/>
@@ -9319,7 +9490,7 @@
                     <a:lstStyle/>
                     <a:p>
                       <a:r>
-                        <a:rPr lang="en-US" sz="1400" dirty="0">
+                        <a:rPr lang="en-US" sz="1800" dirty="0">
                           <a:solidFill>
                             <a:schemeClr val="tx1">
                               <a:lumMod val="75000"/>
@@ -9331,7 +9502,7 @@
                       </a:r>
                     </a:p>
                   </a:txBody>
-                  <a:tcPr marL="166549" marR="86605" marT="86605" marB="86605">
+                  <a:tcPr marL="166549" marR="86605" marT="86605" marB="86605" anchor="ctr">
                     <a:lnL w="12700" cap="flat" cmpd="sng" algn="ctr">
                       <a:solidFill>
                         <a:schemeClr val="tx1"/>
@@ -9437,19 +9608,41 @@
         </p:nvSpPr>
         <p:spPr>
           <a:xfrm>
-            <a:off x="1136428" y="627564"/>
-            <a:ext cx="7474172" cy="1058361"/>
+            <a:off x="2358914" y="627565"/>
+            <a:ext cx="7474172" cy="694340"/>
           </a:xfrm>
         </p:spPr>
+        <p:style>
+          <a:lnRef idx="2">
+            <a:schemeClr val="accent1"/>
+          </a:lnRef>
+          <a:fillRef idx="1">
+            <a:schemeClr val="lt1"/>
+          </a:fillRef>
+          <a:effectRef idx="0">
+            <a:schemeClr val="accent1"/>
+          </a:effectRef>
+          <a:fontRef idx="minor">
+            <a:schemeClr val="dk1"/>
+          </a:fontRef>
+        </p:style>
         <p:txBody>
-          <a:bodyPr>
+          <a:bodyPr vert="horz" lIns="91440" tIns="45720" rIns="91440" bIns="45720" rtlCol="0" anchor="ctr">
             <a:normAutofit/>
           </a:bodyPr>
           <a:lstStyle/>
           <a:p>
+            <a:pPr algn="ctr"/>
             <a:r>
-              <a:rPr lang="en-US" dirty="0"/>
-              <a:t>Archival Strategy and Reporting</a:t>
+              <a:rPr lang="en-US" sz="2800" dirty="0">
+                <a:solidFill>
+                  <a:schemeClr val="dk1"/>
+                </a:solidFill>
+                <a:latin typeface="Bookman Old Style" panose="02050604050505020204" pitchFamily="18" charset="0"/>
+                <a:ea typeface="+mn-ea"/>
+                <a:cs typeface="+mn-cs"/>
+              </a:rPr>
+              <a:t>ARCHIVAL STRATEGY AND REPORTING</a:t>
             </a:r>
           </a:p>
         </p:txBody>
@@ -9472,13 +9665,27 @@
         </p:nvSpPr>
         <p:spPr>
           <a:xfrm>
-            <a:off x="1136429" y="2278173"/>
+            <a:off x="1311105" y="1910425"/>
             <a:ext cx="6467867" cy="3450613"/>
           </a:xfrm>
         </p:spPr>
+        <p:style>
+          <a:lnRef idx="2">
+            <a:schemeClr val="accent1"/>
+          </a:lnRef>
+          <a:fillRef idx="1">
+            <a:schemeClr val="lt1"/>
+          </a:fillRef>
+          <a:effectRef idx="0">
+            <a:schemeClr val="accent1"/>
+          </a:effectRef>
+          <a:fontRef idx="minor">
+            <a:schemeClr val="dk1"/>
+          </a:fontRef>
+        </p:style>
         <p:txBody>
           <a:bodyPr anchor="ctr">
-            <a:normAutofit/>
+            <a:normAutofit fontScale="92500" lnSpcReduction="20000"/>
           </a:bodyPr>
           <a:lstStyle/>
           <a:p>
@@ -9486,54 +9693,75 @@
               <a:buNone/>
             </a:pPr>
             <a:r>
-              <a:rPr lang="en-US" sz="1700" b="1" u="sng" dirty="0"/>
+              <a:rPr lang="en-US" sz="1700" b="1" u="sng" dirty="0">
+                <a:latin typeface="Candara" panose="020E0502030303020204" pitchFamily="34" charset="0"/>
+              </a:rPr>
               <a:t>Archival:</a:t>
             </a:r>
           </a:p>
           <a:p>
+            <a:pPr algn="just"/>
             <a:r>
-              <a:rPr lang="en-US" sz="1700" dirty="0"/>
+              <a:rPr lang="en-US" sz="1700" dirty="0">
+                <a:latin typeface="Candara" panose="020E0502030303020204" pitchFamily="34" charset="0"/>
+              </a:rPr>
               <a:t>Trip booking object will become a LDV object in the future since every day there could be 200 trips and each trip could have upto 30 passengers(approx.)</a:t>
             </a:r>
           </a:p>
           <a:p>
+            <a:pPr algn="just"/>
             <a:r>
-              <a:rPr lang="en-US" sz="1700" dirty="0"/>
-              <a:t>To avoid issues with slow queries, reports its recommended to only keep trips for the last 1 month and archive the test.</a:t>
+              <a:rPr lang="en-US" sz="1700" dirty="0">
+                <a:latin typeface="Candara" panose="020E0502030303020204" pitchFamily="34" charset="0"/>
+              </a:rPr>
+              <a:t>Payment and line items will also be LDV in the future so archival strategy needs to be applied on them</a:t>
+            </a:r>
+          </a:p>
+          <a:p>
+            <a:pPr algn="just"/>
+            <a:r>
+              <a:rPr lang="en-US" sz="1700" dirty="0">
+                <a:latin typeface="Candara" panose="020E0502030303020204" pitchFamily="34" charset="0"/>
+              </a:rPr>
+              <a:t>To avoid issues with slow queries, reports its recommended to only keep trips and payments for the last 1 month and archive the test.</a:t>
             </a:r>
           </a:p>
           <a:p>
             <a:pPr marL="0" indent="0">
               <a:buNone/>
             </a:pPr>
-            <a:endParaRPr lang="en-US" sz="1700" dirty="0"/>
+            <a:endParaRPr lang="en-US" sz="1700" dirty="0">
+              <a:latin typeface="Candara" panose="020E0502030303020204" pitchFamily="34" charset="0"/>
+            </a:endParaRPr>
           </a:p>
           <a:p>
             <a:pPr marL="0" indent="0">
               <a:buNone/>
             </a:pPr>
             <a:r>
-              <a:rPr lang="en-US" sz="1700" b="1" u="sng" dirty="0"/>
+              <a:rPr lang="en-US" sz="1700" b="1" u="sng" dirty="0">
+                <a:latin typeface="Candara" panose="020E0502030303020204" pitchFamily="34" charset="0"/>
+              </a:rPr>
               <a:t>Reporting:</a:t>
             </a:r>
           </a:p>
           <a:p>
+            <a:pPr algn="just"/>
             <a:r>
-              <a:rPr lang="en-US" sz="1700" dirty="0"/>
+              <a:rPr lang="en-US" sz="1700" dirty="0">
+                <a:latin typeface="Candara" panose="020E0502030303020204" pitchFamily="34" charset="0"/>
+              </a:rPr>
               <a:t>Use salesforce reports for daily reporting</a:t>
             </a:r>
           </a:p>
           <a:p>
+            <a:pPr algn="just"/>
             <a:r>
-              <a:rPr lang="en-US" sz="1700" dirty="0"/>
-              <a:t>Use Tableau/Salesforce Einstein for historical reports by pulling data from a warehouse.</a:t>
+              <a:rPr lang="en-US" sz="1700" dirty="0">
+                <a:latin typeface="Candara" panose="020E0502030303020204" pitchFamily="34" charset="0"/>
+              </a:rPr>
+              <a:t>Use Tableau/Salesforce Einstein for historical reports by pulling data from a warehouse</a:t>
             </a:r>
-          </a:p>
-          <a:p>
-            <a:endParaRPr lang="en-US" sz="1700" dirty="0"/>
-          </a:p>
-          <a:p>
-            <a:endParaRPr lang="en-US" sz="1700" dirty="0"/>
           </a:p>
         </p:txBody>
       </p:sp>
@@ -9596,7 +9824,7 @@
           <a:lstStyle/>
           <a:p>
             <a:pPr algn="ctr"/>
-            <a:endParaRPr lang="en-US"/>
+            <a:endParaRPr lang="en-US" dirty="0"/>
           </a:p>
         </p:txBody>
       </p:sp>
@@ -9661,7 +9889,7 @@
           <a:lstStyle/>
           <a:p>
             <a:pPr algn="ctr"/>
-            <a:endParaRPr lang="en-US"/>
+            <a:endParaRPr lang="en-US" dirty="0"/>
           </a:p>
         </p:txBody>
       </p:sp>
@@ -9752,20 +9980,105 @@
         </p:nvSpPr>
         <p:spPr>
           <a:xfrm>
-            <a:off x="542925" y="0"/>
-            <a:ext cx="7858125" cy="723900"/>
+            <a:off x="3503647" y="109330"/>
+            <a:ext cx="5184706" cy="723900"/>
           </a:xfrm>
         </p:spPr>
+        <p:style>
+          <a:lnRef idx="2">
+            <a:schemeClr val="accent1"/>
+          </a:lnRef>
+          <a:fillRef idx="1">
+            <a:schemeClr val="lt1"/>
+          </a:fillRef>
+          <a:effectRef idx="0">
+            <a:schemeClr val="accent1"/>
+          </a:effectRef>
+          <a:fontRef idx="minor">
+            <a:schemeClr val="dk1"/>
+          </a:fontRef>
+        </p:style>
         <p:txBody>
-          <a:bodyPr>
+          <a:bodyPr vert="horz" lIns="91440" tIns="45720" rIns="91440" bIns="45720" rtlCol="0" anchor="ctr">
             <a:normAutofit/>
           </a:bodyPr>
           <a:lstStyle/>
           <a:p>
+            <a:pPr algn="ctr"/>
             <a:r>
-              <a:rPr lang="en-US" sz="3200" dirty="0"/>
-              <a:t>User Story - Solutions</a:t>
+              <a:rPr lang="en-US" sz="2800" dirty="0">
+                <a:solidFill>
+                  <a:schemeClr val="dk1"/>
+                </a:solidFill>
+                <a:latin typeface="Bookman Old Style" panose="02050604050505020204" pitchFamily="18" charset="0"/>
+                <a:ea typeface="+mn-ea"/>
+                <a:cs typeface="+mn-cs"/>
+              </a:rPr>
+              <a:t>U</a:t>
             </a:r>
+            <a:r>
+              <a:rPr lang="en-US" sz="2400" dirty="0">
+                <a:solidFill>
+                  <a:schemeClr val="dk1"/>
+                </a:solidFill>
+                <a:latin typeface="Bookman Old Style" panose="02050604050505020204" pitchFamily="18" charset="0"/>
+                <a:ea typeface="+mn-ea"/>
+                <a:cs typeface="+mn-cs"/>
+              </a:rPr>
+              <a:t>SER</a:t>
+            </a:r>
+            <a:r>
+              <a:rPr lang="en-US" sz="2800" dirty="0">
+                <a:solidFill>
+                  <a:schemeClr val="dk1"/>
+                </a:solidFill>
+                <a:latin typeface="Bookman Old Style" panose="02050604050505020204" pitchFamily="18" charset="0"/>
+                <a:ea typeface="+mn-ea"/>
+                <a:cs typeface="+mn-cs"/>
+              </a:rPr>
+              <a:t> S</a:t>
+            </a:r>
+            <a:r>
+              <a:rPr lang="en-US" sz="2400" dirty="0">
+                <a:solidFill>
+                  <a:schemeClr val="dk1"/>
+                </a:solidFill>
+                <a:latin typeface="Bookman Old Style" panose="02050604050505020204" pitchFamily="18" charset="0"/>
+                <a:ea typeface="+mn-ea"/>
+                <a:cs typeface="+mn-cs"/>
+              </a:rPr>
+              <a:t>TORY</a:t>
+            </a:r>
+            <a:r>
+              <a:rPr lang="en-US" sz="2800" dirty="0">
+                <a:solidFill>
+                  <a:schemeClr val="dk1"/>
+                </a:solidFill>
+                <a:latin typeface="Bookman Old Style" panose="02050604050505020204" pitchFamily="18" charset="0"/>
+                <a:ea typeface="+mn-ea"/>
+                <a:cs typeface="+mn-cs"/>
+              </a:rPr>
+              <a:t> - S</a:t>
+            </a:r>
+            <a:r>
+              <a:rPr lang="en-US" sz="2400" dirty="0">
+                <a:solidFill>
+                  <a:schemeClr val="dk1"/>
+                </a:solidFill>
+                <a:latin typeface="Bookman Old Style" panose="02050604050505020204" pitchFamily="18" charset="0"/>
+                <a:ea typeface="+mn-ea"/>
+                <a:cs typeface="+mn-cs"/>
+              </a:rPr>
+              <a:t>OLUTIONS</a:t>
+            </a:r>
+            <a:endParaRPr lang="en-US" sz="2800" dirty="0">
+              <a:solidFill>
+                <a:schemeClr val="dk1"/>
+              </a:solidFill>
+              <a:latin typeface="Bookman Old Style" panose="02050604050505020204" pitchFamily="18" charset="0"/>
+              <a:ea typeface="+mn-ea"/>
+              <a:cs typeface="+mn-cs"/>
+            </a:endParaRPr>
           </a:p>
         </p:txBody>
       </p:sp>
@@ -9785,14 +10098,14 @@
             <p:ph idx="1"/>
             <p:extLst>
               <p:ext uri="{D42A27DB-BD31-4B8C-83A1-F6EECF244321}">
-                <p14:modId xmlns:p14="http://schemas.microsoft.com/office/powerpoint/2010/main" val="3858791874"/>
+                <p14:modId xmlns:p14="http://schemas.microsoft.com/office/powerpoint/2010/main" val="381102941"/>
               </p:ext>
             </p:extLst>
           </p:nvPr>
         </p:nvGraphicFramePr>
         <p:xfrm>
-          <a:off x="733424" y="1054099"/>
-          <a:ext cx="11001375" cy="5571735"/>
+          <a:off x="430193" y="1065672"/>
+          <a:ext cx="11331614" cy="5556495"/>
         </p:xfrm>
         <a:graphic>
           <a:graphicData uri="http://schemas.openxmlformats.org/drawingml/2006/table">
@@ -9801,14 +10114,14 @@
                 <a:tableStyleId>{5C22544A-7EE6-4342-B048-85BDC9FD1C3A}</a:tableStyleId>
               </a:tblPr>
               <a:tblGrid>
-                <a:gridCol w="4025370">
+                <a:gridCol w="3746841">
                   <a:extLst>
                     <a:ext uri="{9D8B030D-6E8A-4147-A177-3AD203B41FA5}">
                       <a16:colId xmlns:a16="http://schemas.microsoft.com/office/drawing/2014/main" val="1819571807"/>
                     </a:ext>
                   </a:extLst>
                 </a:gridCol>
-                <a:gridCol w="6976005">
+                <a:gridCol w="7584773">
                   <a:extLst>
                     <a:ext uri="{9D8B030D-6E8A-4147-A177-3AD203B41FA5}">
                       <a16:colId xmlns:a16="http://schemas.microsoft.com/office/drawing/2014/main" val="2167300112"/>
@@ -9822,26 +10135,28 @@
                     <a:bodyPr/>
                     <a:lstStyle/>
                     <a:p>
+                      <a:pPr algn="ctr"/>
                       <a:r>
-                        <a:rPr lang="en-US" sz="1600" dirty="0"/>
+                        <a:rPr lang="en-US" sz="1900" dirty="0"/>
                         <a:t>User Story</a:t>
                       </a:r>
                     </a:p>
                   </a:txBody>
-                  <a:tcPr/>
+                  <a:tcPr anchor="ctr"/>
                 </a:tc>
                 <a:tc>
                   <a:txBody>
                     <a:bodyPr/>
                     <a:lstStyle/>
                     <a:p>
+                      <a:pPr algn="ctr"/>
                       <a:r>
-                        <a:rPr lang="en-US" sz="1600" dirty="0"/>
+                        <a:rPr lang="en-US" sz="1900" dirty="0"/>
                         <a:t>High Level Solution</a:t>
                       </a:r>
                     </a:p>
                   </a:txBody>
-                  <a:tcPr/>
+                  <a:tcPr anchor="ctr"/>
                 </a:tc>
                 <a:extLst>
                   <a:ext uri="{0D108BD9-81ED-4DB2-BD59-A6C34878D82A}">
@@ -9849,32 +10164,34 @@
                   </a:ext>
                 </a:extLst>
               </a:tr>
-              <a:tr h="739534">
+              <a:tr h="769004">
                 <a:tc>
                   <a:txBody>
                     <a:bodyPr/>
                     <a:lstStyle/>
                     <a:p>
+                      <a:pPr algn="just"/>
                       <a:r>
-                        <a:rPr lang="en-US" sz="1600" dirty="0"/>
+                        <a:rPr lang="en-US" sz="1700" dirty="0"/>
                         <a:t>As an end-user, I should be able to book tickets between 2 cities from a mobile app</a:t>
                       </a:r>
                     </a:p>
                   </a:txBody>
-                  <a:tcPr/>
+                  <a:tcPr anchor="ctr"/>
                 </a:tc>
                 <a:tc>
                   <a:txBody>
                     <a:bodyPr/>
                     <a:lstStyle/>
                     <a:p>
+                      <a:pPr algn="just"/>
                       <a:r>
-                        <a:rPr lang="en-US" sz="1600" dirty="0"/>
+                        <a:rPr lang="en-US" sz="1700" dirty="0"/>
                         <a:t>SF Mobile Publisher will expose customer community through which ticket booking can be handled based on user search parameters : From/to location, date and bus type. Custom LWC component to  be built for handling search and display of </a:t>
                       </a:r>
                     </a:p>
                   </a:txBody>
-                  <a:tcPr/>
+                  <a:tcPr anchor="ctr"/>
                 </a:tc>
                 <a:extLst>
                   <a:ext uri="{0D108BD9-81ED-4DB2-BD59-A6C34878D82A}">
@@ -9888,26 +10205,28 @@
                     <a:bodyPr/>
                     <a:lstStyle/>
                     <a:p>
+                      <a:pPr algn="just"/>
                       <a:r>
-                        <a:rPr lang="en-US" sz="1600" dirty="0"/>
+                        <a:rPr lang="en-US" sz="1700" dirty="0"/>
                         <a:t>As an end-user, I should be able to select the seat and pay for the ticket</a:t>
                       </a:r>
                     </a:p>
                   </a:txBody>
-                  <a:tcPr/>
+                  <a:tcPr anchor="ctr"/>
                 </a:tc>
                 <a:tc>
                   <a:txBody>
                     <a:bodyPr/>
                     <a:lstStyle/>
                     <a:p>
+                      <a:pPr algn="just"/>
                       <a:r>
-                        <a:rPr lang="en-US" sz="1600" dirty="0"/>
-                        <a:t>Based on Operator and Bus Type selected seat information will be shown, End Users can select and pay the amount through integrated third party payment gateway</a:t>
+                        <a:rPr lang="en-US" sz="1700" dirty="0"/>
+                        <a:t>Based on Operator and Bus Type selected seat information will be shown, End Users can select and pay the amount through integrated third party payment gateway. Third Party javascript library can be used to display the bus layout</a:t>
                       </a:r>
                     </a:p>
                   </a:txBody>
-                  <a:tcPr/>
+                  <a:tcPr anchor="ctr"/>
                 </a:tc>
                 <a:extLst>
                   <a:ext uri="{0D108BD9-81ED-4DB2-BD59-A6C34878D82A}">
@@ -9921,26 +10240,28 @@
                     <a:bodyPr/>
                     <a:lstStyle/>
                     <a:p>
+                      <a:pPr algn="just"/>
                       <a:r>
-                        <a:rPr lang="en-US" sz="1600" dirty="0"/>
+                        <a:rPr lang="en-US" sz="1700" dirty="0"/>
                         <a:t>As an end-user, I should see the auto-populated payment preference options.</a:t>
                       </a:r>
                     </a:p>
                   </a:txBody>
-                  <a:tcPr/>
+                  <a:tcPr anchor="ctr"/>
                 </a:tc>
                 <a:tc>
                   <a:txBody>
                     <a:bodyPr/>
                     <a:lstStyle/>
                     <a:p>
+                      <a:pPr algn="just"/>
                       <a:r>
-                        <a:rPr lang="en-US" sz="1600" dirty="0"/>
+                        <a:rPr lang="en-US" sz="1700" dirty="0"/>
                         <a:t>Preferred Payment option(Card based vs app based vs net banking) will be stored at contact level and will automatically be pre-selected when users try to make payments</a:t>
                       </a:r>
                     </a:p>
                   </a:txBody>
-                  <a:tcPr/>
+                  <a:tcPr anchor="ctr"/>
                 </a:tc>
                 <a:extLst>
                   <a:ext uri="{0D108BD9-81ED-4DB2-BD59-A6C34878D82A}">
@@ -9954,26 +10275,28 @@
                     <a:bodyPr/>
                     <a:lstStyle/>
                     <a:p>
+                      <a:pPr algn="just"/>
                       <a:r>
-                        <a:rPr lang="en-US" sz="1600" dirty="0"/>
+                        <a:rPr lang="en-US" sz="1700" dirty="0"/>
                         <a:t>As an admin, I should be able to create bus trips and see the list of customers</a:t>
                       </a:r>
                     </a:p>
                   </a:txBody>
-                  <a:tcPr/>
+                  <a:tcPr anchor="ctr"/>
                 </a:tc>
                 <a:tc>
                   <a:txBody>
                     <a:bodyPr/>
                     <a:lstStyle/>
                     <a:p>
+                      <a:pPr algn="just"/>
                       <a:r>
-                        <a:rPr lang="en-US" sz="1600" dirty="0"/>
+                        <a:rPr lang="en-US" sz="1700" dirty="0"/>
                         <a:t>Admins can create trips from trip object in the lightning experience application.</a:t>
                       </a:r>
                     </a:p>
                   </a:txBody>
-                  <a:tcPr/>
+                  <a:tcPr anchor="ctr"/>
                 </a:tc>
                 <a:extLst>
                   <a:ext uri="{0D108BD9-81ED-4DB2-BD59-A6C34878D82A}">
@@ -9987,26 +10310,28 @@
                     <a:bodyPr/>
                     <a:lstStyle/>
                     <a:p>
+                      <a:pPr algn="just"/>
                       <a:r>
-                        <a:rPr lang="en-US" sz="1600" dirty="0"/>
+                        <a:rPr lang="en-US" sz="1700" dirty="0"/>
                         <a:t>As an admin, I should be able to cancel any bus trip.</a:t>
                       </a:r>
                     </a:p>
                   </a:txBody>
-                  <a:tcPr/>
+                  <a:tcPr anchor="ctr"/>
                 </a:tc>
                 <a:tc>
                   <a:txBody>
                     <a:bodyPr/>
                     <a:lstStyle/>
                     <a:p>
+                      <a:pPr algn="just"/>
                       <a:r>
-                        <a:rPr lang="en-US" sz="1600" dirty="0"/>
+                        <a:rPr lang="en-US" sz="1700" dirty="0"/>
                         <a:t>Admin can set the status of trip to cancelled by setting the status field on trip object. Alternatively a lightning quick action can also be provided to do the same</a:t>
                       </a:r>
                     </a:p>
                   </a:txBody>
-                  <a:tcPr/>
+                  <a:tcPr anchor="ctr"/>
                 </a:tc>
                 <a:extLst>
                   <a:ext uri="{0D108BD9-81ED-4DB2-BD59-A6C34878D82A}">
@@ -10020,26 +10345,28 @@
                     <a:bodyPr/>
                     <a:lstStyle/>
                     <a:p>
+                      <a:pPr algn="just"/>
                       <a:r>
-                        <a:rPr lang="en-US" sz="1600" dirty="0"/>
+                        <a:rPr lang="en-US" sz="1700" dirty="0"/>
                         <a:t>Also, write a serverless evergreen function in a Salesforce DX project, which sends a push notification to the customers on canceling a bus trip. *</a:t>
                       </a:r>
                     </a:p>
                   </a:txBody>
-                  <a:tcPr/>
+                  <a:tcPr anchor="ctr"/>
                 </a:tc>
                 <a:tc>
                   <a:txBody>
                     <a:bodyPr/>
                     <a:lstStyle/>
                     <a:p>
+                      <a:pPr algn="just"/>
                       <a:r>
-                        <a:rPr lang="en-US" sz="1600" dirty="0"/>
+                        <a:rPr lang="en-US" sz="1700" dirty="0"/>
                         <a:t>Salesforce evergreen is not available for public use. I have updated my findings in the next slide.</a:t>
                       </a:r>
                     </a:p>
                   </a:txBody>
-                  <a:tcPr/>
+                  <a:tcPr anchor="ctr"/>
                 </a:tc>
                 <a:extLst>
                   <a:ext uri="{0D108BD9-81ED-4DB2-BD59-A6C34878D82A}">
@@ -10107,27 +10434,83 @@
         </p:nvSpPr>
         <p:spPr>
           <a:xfrm>
-            <a:off x="838200" y="365126"/>
-            <a:ext cx="10515600" cy="539750"/>
+            <a:off x="2589353" y="365126"/>
+            <a:ext cx="7013294" cy="539750"/>
           </a:xfrm>
         </p:spPr>
+        <p:style>
+          <a:lnRef idx="2">
+            <a:schemeClr val="accent1"/>
+          </a:lnRef>
+          <a:fillRef idx="1">
+            <a:schemeClr val="lt1"/>
+          </a:fillRef>
+          <a:effectRef idx="0">
+            <a:schemeClr val="accent1"/>
+          </a:effectRef>
+          <a:fontRef idx="minor">
+            <a:schemeClr val="dk1"/>
+          </a:fontRef>
+        </p:style>
         <p:txBody>
           <a:bodyPr vert="horz" lIns="91440" tIns="45720" rIns="91440" bIns="45720" rtlCol="0" anchor="ctr">
-            <a:normAutofit fontScale="90000"/>
+            <a:normAutofit/>
           </a:bodyPr>
           <a:lstStyle/>
           <a:p>
+            <a:pPr algn="ctr"/>
             <a:r>
-              <a:rPr lang="en-US" kern="1200" dirty="0">
+              <a:rPr lang="en-US" sz="2800" dirty="0">
                 <a:solidFill>
-                  <a:schemeClr val="tx1"/>
+                  <a:schemeClr val="dk1"/>
                 </a:solidFill>
-                <a:latin typeface="+mj-lt"/>
-                <a:ea typeface="+mj-ea"/>
-                <a:cs typeface="+mj-cs"/>
+                <a:latin typeface="Bookman Old Style" panose="02050604050505020204" pitchFamily="18" charset="0"/>
+                <a:ea typeface="+mn-ea"/>
+                <a:cs typeface="+mn-cs"/>
               </a:rPr>
-              <a:t>Salesforce Evergreen</a:t>
+              <a:t>S</a:t>
             </a:r>
+            <a:r>
+              <a:rPr lang="en-US" sz="2400" dirty="0">
+                <a:solidFill>
+                  <a:schemeClr val="dk1"/>
+                </a:solidFill>
+                <a:latin typeface="Bookman Old Style" panose="02050604050505020204" pitchFamily="18" charset="0"/>
+                <a:ea typeface="+mn-ea"/>
+                <a:cs typeface="+mn-cs"/>
+              </a:rPr>
+              <a:t>ALESFORCE</a:t>
+            </a:r>
+            <a:r>
+              <a:rPr lang="en-US" sz="2800" dirty="0">
+                <a:solidFill>
+                  <a:schemeClr val="dk1"/>
+                </a:solidFill>
+                <a:latin typeface="Bookman Old Style" panose="02050604050505020204" pitchFamily="18" charset="0"/>
+                <a:ea typeface="+mn-ea"/>
+                <a:cs typeface="+mn-cs"/>
+              </a:rPr>
+              <a:t> E</a:t>
+            </a:r>
+            <a:r>
+              <a:rPr lang="en-US" sz="2400" dirty="0">
+                <a:solidFill>
+                  <a:schemeClr val="dk1"/>
+                </a:solidFill>
+                <a:latin typeface="Bookman Old Style" panose="02050604050505020204" pitchFamily="18" charset="0"/>
+                <a:ea typeface="+mn-ea"/>
+                <a:cs typeface="+mn-cs"/>
+              </a:rPr>
+              <a:t>VERGREEN</a:t>
+            </a:r>
+            <a:endParaRPr lang="en-US" sz="2800" dirty="0">
+              <a:solidFill>
+                <a:schemeClr val="dk1"/>
+              </a:solidFill>
+              <a:latin typeface="Bookman Old Style" panose="02050604050505020204" pitchFamily="18" charset="0"/>
+              <a:ea typeface="+mn-ea"/>
+              <a:cs typeface="+mn-cs"/>
+            </a:endParaRPr>
           </a:p>
         </p:txBody>
       </p:sp>
@@ -10159,7 +10542,7 @@
         </p:blipFill>
         <p:spPr>
           <a:xfrm>
-            <a:off x="600075" y="2481462"/>
+            <a:off x="833438" y="2608785"/>
             <a:ext cx="10525125" cy="3420665"/>
           </a:xfrm>
           <a:prstGeom prst="rect">
@@ -10181,31 +10564,39 @@
         </p:nvSpPr>
         <p:spPr>
           <a:xfrm>
-            <a:off x="600075" y="1143000"/>
+            <a:off x="1004888" y="1093004"/>
             <a:ext cx="10182225" cy="1200329"/>
           </a:xfrm>
           <a:prstGeom prst="rect">
             <a:avLst/>
           </a:prstGeom>
-          <a:noFill/>
         </p:spPr>
+        <p:style>
+          <a:lnRef idx="2">
+            <a:schemeClr val="accent1"/>
+          </a:lnRef>
+          <a:fillRef idx="1">
+            <a:schemeClr val="lt1"/>
+          </a:fillRef>
+          <a:effectRef idx="0">
+            <a:schemeClr val="accent1"/>
+          </a:effectRef>
+          <a:fontRef idx="minor">
+            <a:schemeClr val="dk1"/>
+          </a:fontRef>
+        </p:style>
         <p:txBody>
           <a:bodyPr wrap="square" rtlCol="0">
             <a:spAutoFit/>
           </a:bodyPr>
           <a:lstStyle/>
           <a:p>
+            <a:pPr algn="just"/>
             <a:r>
-              <a:rPr lang="en-US" dirty="0"/>
-              <a:t>Please note evergreen is still not available for even Proof of concepts. Below is just a conceptual architecture and the code in the </a:t>
-            </a:r>
-            <a:r>
-              <a:rPr lang="en-US" dirty="0" err="1"/>
-              <a:t>github</a:t>
-            </a:r>
-            <a:r>
-              <a:rPr lang="en-US" dirty="0"/>
-              <a:t> repository is to just illustrate its capability. Its not fully functional and complete. The information has been put together looking at dreamforce videos and what salesforce has made available on the net.</a:t>
+              <a:rPr lang="en-US" dirty="0">
+                <a:latin typeface="Candara" panose="020E0502030303020204" pitchFamily="34" charset="0"/>
+              </a:rPr>
+              <a:t>Please note evergreen is still not available for even Proof of concepts. Below is just a conceptual architecture and the code in the GitHub repository is to just illustrate its capability. Its not fully functional and complete. The information has been put together looking at dreamforce videos and what salesforce has made available on the net.</a:t>
             </a:r>
           </a:p>
         </p:txBody>
@@ -10329,20 +10720,149 @@
         </p:nvSpPr>
         <p:spPr>
           <a:xfrm>
-            <a:off x="643467" y="321734"/>
-            <a:ext cx="10905066" cy="1135737"/>
+            <a:off x="643467" y="321735"/>
+            <a:ext cx="10905066" cy="662114"/>
           </a:xfrm>
         </p:spPr>
+        <p:style>
+          <a:lnRef idx="2">
+            <a:schemeClr val="accent1"/>
+          </a:lnRef>
+          <a:fillRef idx="1">
+            <a:schemeClr val="lt1"/>
+          </a:fillRef>
+          <a:effectRef idx="0">
+            <a:schemeClr val="accent1"/>
+          </a:effectRef>
+          <a:fontRef idx="minor">
+            <a:schemeClr val="dk1"/>
+          </a:fontRef>
+        </p:style>
         <p:txBody>
-          <a:bodyPr>
+          <a:bodyPr vert="horz" lIns="91440" tIns="45720" rIns="91440" bIns="45720" rtlCol="0" anchor="ctr">
             <a:normAutofit/>
           </a:bodyPr>
           <a:lstStyle/>
           <a:p>
+            <a:pPr algn="ctr"/>
             <a:r>
-              <a:rPr lang="en-US" sz="3600" dirty="0"/>
-              <a:t>Platform tools/principles to used</a:t>
+              <a:rPr lang="en-US" sz="2800" dirty="0">
+                <a:solidFill>
+                  <a:schemeClr val="dk1"/>
+                </a:solidFill>
+                <a:latin typeface="Bookman Old Style" panose="02050604050505020204" pitchFamily="18" charset="0"/>
+                <a:ea typeface="+mn-ea"/>
+                <a:cs typeface="+mn-cs"/>
+              </a:rPr>
+              <a:t>P</a:t>
             </a:r>
+            <a:r>
+              <a:rPr lang="en-US" sz="2400" dirty="0">
+                <a:solidFill>
+                  <a:schemeClr val="dk1"/>
+                </a:solidFill>
+                <a:latin typeface="Bookman Old Style" panose="02050604050505020204" pitchFamily="18" charset="0"/>
+                <a:ea typeface="+mn-ea"/>
+                <a:cs typeface="+mn-cs"/>
+              </a:rPr>
+              <a:t>LATFORM</a:t>
+            </a:r>
+            <a:r>
+              <a:rPr lang="en-US" sz="2800" dirty="0">
+                <a:solidFill>
+                  <a:schemeClr val="dk1"/>
+                </a:solidFill>
+                <a:latin typeface="Bookman Old Style" panose="02050604050505020204" pitchFamily="18" charset="0"/>
+                <a:ea typeface="+mn-ea"/>
+                <a:cs typeface="+mn-cs"/>
+              </a:rPr>
+              <a:t> T</a:t>
+            </a:r>
+            <a:r>
+              <a:rPr lang="en-US" sz="2400" dirty="0">
+                <a:solidFill>
+                  <a:schemeClr val="dk1"/>
+                </a:solidFill>
+                <a:latin typeface="Bookman Old Style" panose="02050604050505020204" pitchFamily="18" charset="0"/>
+                <a:ea typeface="+mn-ea"/>
+                <a:cs typeface="+mn-cs"/>
+              </a:rPr>
+              <a:t>OOLS</a:t>
+            </a:r>
+            <a:r>
+              <a:rPr lang="en-US" sz="2800" dirty="0">
+                <a:solidFill>
+                  <a:schemeClr val="dk1"/>
+                </a:solidFill>
+                <a:latin typeface="Bookman Old Style" panose="02050604050505020204" pitchFamily="18" charset="0"/>
+                <a:ea typeface="+mn-ea"/>
+                <a:cs typeface="+mn-cs"/>
+              </a:rPr>
+              <a:t>/P</a:t>
+            </a:r>
+            <a:r>
+              <a:rPr lang="en-US" sz="2400" dirty="0">
+                <a:solidFill>
+                  <a:schemeClr val="dk1"/>
+                </a:solidFill>
+                <a:latin typeface="Bookman Old Style" panose="02050604050505020204" pitchFamily="18" charset="0"/>
+                <a:ea typeface="+mn-ea"/>
+                <a:cs typeface="+mn-cs"/>
+              </a:rPr>
+              <a:t>RINCIPLES</a:t>
+            </a:r>
+            <a:r>
+              <a:rPr lang="en-US" sz="2800" dirty="0">
+                <a:solidFill>
+                  <a:schemeClr val="dk1"/>
+                </a:solidFill>
+                <a:latin typeface="Bookman Old Style" panose="02050604050505020204" pitchFamily="18" charset="0"/>
+                <a:ea typeface="+mn-ea"/>
+                <a:cs typeface="+mn-cs"/>
+              </a:rPr>
+              <a:t> T</a:t>
+            </a:r>
+            <a:r>
+              <a:rPr lang="en-US" sz="2400" dirty="0">
+                <a:solidFill>
+                  <a:schemeClr val="dk1"/>
+                </a:solidFill>
+                <a:latin typeface="Bookman Old Style" panose="02050604050505020204" pitchFamily="18" charset="0"/>
+                <a:ea typeface="+mn-ea"/>
+                <a:cs typeface="+mn-cs"/>
+              </a:rPr>
+              <a:t>O</a:t>
+            </a:r>
+            <a:r>
+              <a:rPr lang="en-US" sz="2800" dirty="0">
+                <a:solidFill>
+                  <a:schemeClr val="dk1"/>
+                </a:solidFill>
+                <a:latin typeface="Bookman Old Style" panose="02050604050505020204" pitchFamily="18" charset="0"/>
+                <a:ea typeface="+mn-ea"/>
+                <a:cs typeface="+mn-cs"/>
+              </a:rPr>
+              <a:t> U</a:t>
+            </a:r>
+            <a:r>
+              <a:rPr lang="en-US" sz="2400" dirty="0">
+                <a:solidFill>
+                  <a:schemeClr val="dk1"/>
+                </a:solidFill>
+                <a:latin typeface="Bookman Old Style" panose="02050604050505020204" pitchFamily="18" charset="0"/>
+                <a:ea typeface="+mn-ea"/>
+                <a:cs typeface="+mn-cs"/>
+              </a:rPr>
+              <a:t>SED</a:t>
+            </a:r>
+            <a:endParaRPr lang="en-US" sz="2800" dirty="0">
+              <a:solidFill>
+                <a:schemeClr val="dk1"/>
+              </a:solidFill>
+              <a:latin typeface="Bookman Old Style" panose="02050604050505020204" pitchFamily="18" charset="0"/>
+              <a:ea typeface="+mn-ea"/>
+              <a:cs typeface="+mn-cs"/>
+            </a:endParaRPr>
           </a:p>
         </p:txBody>
       </p:sp>
@@ -10407,7 +10927,7 @@
           <a:lstStyle/>
           <a:p>
             <a:pPr algn="ctr"/>
-            <a:endParaRPr lang="en-US"/>
+            <a:endParaRPr lang="en-US" dirty="0"/>
           </a:p>
         </p:txBody>
       </p:sp>
@@ -10474,7 +10994,7 @@
           <a:lstStyle/>
           <a:p>
             <a:pPr algn="ctr"/>
-            <a:endParaRPr lang="en-US"/>
+            <a:endParaRPr lang="en-US" dirty="0"/>
           </a:p>
         </p:txBody>
       </p:sp>
@@ -10541,7 +11061,7 @@
           <a:lstStyle/>
           <a:p>
             <a:pPr algn="ctr"/>
-            <a:endParaRPr lang="en-US"/>
+            <a:endParaRPr lang="en-US" dirty="0"/>
           </a:p>
         </p:txBody>
       </p:sp>
@@ -10606,7 +11126,7 @@
           <a:lstStyle/>
           <a:p>
             <a:pPr algn="ctr"/>
-            <a:endParaRPr lang="en-US"/>
+            <a:endParaRPr lang="en-US" dirty="0"/>
           </a:p>
         </p:txBody>
       </p:sp>
@@ -10626,13 +11146,13 @@
             <p:ph idx="1"/>
             <p:extLst>
               <p:ext uri="{D42A27DB-BD31-4B8C-83A1-F6EECF244321}">
-                <p14:modId xmlns:p14="http://schemas.microsoft.com/office/powerpoint/2010/main" val="2731763014"/>
+                <p14:modId xmlns:p14="http://schemas.microsoft.com/office/powerpoint/2010/main" val="1439836295"/>
               </p:ext>
             </p:extLst>
           </p:nvPr>
         </p:nvGraphicFramePr>
         <p:xfrm>
-          <a:off x="838200" y="1825625"/>
+          <a:off x="815051" y="1419501"/>
           <a:ext cx="10515600" cy="4351338"/>
         </p:xfrm>
         <a:graphic>
@@ -10679,104 +11199,12 @@
           <a:chExt cx="0" cy="0"/>
         </a:xfrm>
       </p:grpSpPr>
-      <p:sp>
+      <p:sp useBgFill="1">
         <p:nvSpPr>
-          <p:cNvPr id="2" name="Title 1">
+          <p:cNvPr id="17" name="Rectangle 16">
             <a:extLst>
               <a:ext uri="{FF2B5EF4-FFF2-40B4-BE49-F238E27FC236}">
-                <a16:creationId xmlns:a16="http://schemas.microsoft.com/office/drawing/2014/main" id="{D977FE59-AAAB-428C-8D62-20A7C5E3EA84}"/>
-              </a:ext>
-            </a:extLst>
-          </p:cNvPr>
-          <p:cNvSpPr>
-            <a:spLocks noGrp="1"/>
-          </p:cNvSpPr>
-          <p:nvPr>
-            <p:ph type="title"/>
-          </p:nvPr>
-        </p:nvSpPr>
-        <p:spPr>
-          <a:xfrm>
-            <a:off x="1136428" y="627564"/>
-            <a:ext cx="7474172" cy="1325563"/>
-          </a:xfrm>
-        </p:spPr>
-        <p:txBody>
-          <a:bodyPr>
-            <a:normAutofit/>
-          </a:bodyPr>
-          <a:lstStyle/>
-          <a:p>
-            <a:r>
-              <a:rPr lang="en-US" dirty="0"/>
-              <a:t>Thank You</a:t>
-            </a:r>
-            <a:endParaRPr lang="en-US"/>
-          </a:p>
-        </p:txBody>
-      </p:sp>
-      <p:sp>
-        <p:nvSpPr>
-          <p:cNvPr id="3" name="Content Placeholder 2">
-            <a:extLst>
-              <a:ext uri="{FF2B5EF4-FFF2-40B4-BE49-F238E27FC236}">
-                <a16:creationId xmlns:a16="http://schemas.microsoft.com/office/drawing/2014/main" id="{A91EE7C6-8641-4994-A4DB-38DBE28E2887}"/>
-              </a:ext>
-            </a:extLst>
-          </p:cNvPr>
-          <p:cNvSpPr>
-            <a:spLocks noGrp="1"/>
-          </p:cNvSpPr>
-          <p:nvPr>
-            <p:ph idx="1"/>
-          </p:nvPr>
-        </p:nvSpPr>
-        <p:spPr>
-          <a:xfrm>
-            <a:off x="1136429" y="2278173"/>
-            <a:ext cx="6467867" cy="3450613"/>
-          </a:xfrm>
-        </p:spPr>
-        <p:txBody>
-          <a:bodyPr anchor="ctr">
-            <a:normAutofit/>
-          </a:bodyPr>
-          <a:lstStyle/>
-          <a:p>
-            <a:pPr marL="0" indent="0">
-              <a:buNone/>
-            </a:pPr>
-            <a:r>
-              <a:rPr lang="en-US" sz="2400" dirty="0"/>
-              <a:t>GitHub Link:</a:t>
-            </a:r>
-          </a:p>
-          <a:p>
-            <a:pPr marL="0" indent="0">
-              <a:buNone/>
-            </a:pPr>
-            <a:r>
-              <a:rPr lang="en-US" sz="2400" dirty="0">
-                <a:hlinkClick r:id="rId2"/>
-              </a:rPr>
-              <a:t>https://github.com/srivatsankr/AXDemo</a:t>
-            </a:r>
-            <a:endParaRPr lang="en-US" sz="2400" dirty="0"/>
-          </a:p>
-          <a:p>
-            <a:pPr marL="0" indent="0">
-              <a:buNone/>
-            </a:pPr>
-            <a:endParaRPr lang="en-US" sz="2400" dirty="0"/>
-          </a:p>
-        </p:txBody>
-      </p:sp>
-      <p:sp>
-        <p:nvSpPr>
-          <p:cNvPr id="10" name="Rectangle 9">
-            <a:extLst>
-              <a:ext uri="{FF2B5EF4-FFF2-40B4-BE49-F238E27FC236}">
-                <a16:creationId xmlns:a16="http://schemas.microsoft.com/office/drawing/2014/main" id="{59A309A7-1751-4ABE-A3C1-EEC40366AD89}"/>
+                <a16:creationId xmlns:a16="http://schemas.microsoft.com/office/drawing/2014/main" id="{8F7AFB9A-7364-478C-B48B-8523CDD9AE8D}"/>
               </a:ext>
               <a:ext uri="{C183D7F6-B498-43B3-948B-1728B52AA6E4}">
                 <adec:decorative xmlns:adec="http://schemas.microsoft.com/office/drawing/2017/decorative" val="1"/>
@@ -10796,14 +11224,409 @@
         </p:nvSpPr>
         <p:spPr>
           <a:xfrm>
-            <a:off x="10088880" y="0"/>
-            <a:ext cx="2103120" cy="6858000"/>
+            <a:off x="0" y="0"/>
+            <a:ext cx="12192000" cy="6858000"/>
+          </a:xfrm>
+          <a:prstGeom prst="rect">
+            <a:avLst/>
+          </a:prstGeom>
+          <a:ln>
+            <a:noFill/>
+          </a:ln>
+        </p:spPr>
+        <p:style>
+          <a:lnRef idx="2">
+            <a:schemeClr val="accent1">
+              <a:shade val="50000"/>
+            </a:schemeClr>
+          </a:lnRef>
+          <a:fillRef idx="1">
+            <a:schemeClr val="accent1"/>
+          </a:fillRef>
+          <a:effectRef idx="0">
+            <a:schemeClr val="accent1"/>
+          </a:effectRef>
+          <a:fontRef idx="minor">
+            <a:schemeClr val="lt1"/>
+          </a:fontRef>
+        </p:style>
+        <p:txBody>
+          <a:bodyPr rtlCol="0" anchor="ctr"/>
+          <a:lstStyle/>
+          <a:p>
+            <a:pPr algn="ctr"/>
+            <a:endParaRPr lang="en-US" dirty="0"/>
+          </a:p>
+        </p:txBody>
+      </p:sp>
+      <p:sp useBgFill="1">
+        <p:nvSpPr>
+          <p:cNvPr id="19" name="Freeform: Shape 18">
+            <a:extLst>
+              <a:ext uri="{FF2B5EF4-FFF2-40B4-BE49-F238E27FC236}">
+                <a16:creationId xmlns:a16="http://schemas.microsoft.com/office/drawing/2014/main" id="{36678033-86B6-40E6-BE90-78D8ED4E3A31}"/>
+              </a:ext>
+              <a:ext uri="{C183D7F6-B498-43B3-948B-1728B52AA6E4}">
+                <adec:decorative xmlns:adec="http://schemas.microsoft.com/office/drawing/2017/decorative" val="1"/>
+              </a:ext>
+            </a:extLst>
+          </p:cNvPr>
+          <p:cNvSpPr>
+            <a:spLocks noGrp="1" noRot="1" noChangeAspect="1" noMove="1" noResize="1" noEditPoints="1" noAdjustHandles="1" noChangeArrowheads="1" noChangeShapeType="1" noTextEdit="1"/>
+          </p:cNvSpPr>
+          <p:nvPr>
+            <p:extLst>
+              <p:ext uri="{386F3935-93C4-4BCD-93E2-E3B085C9AB24}">
+                <p16:designElem xmlns:p16="http://schemas.microsoft.com/office/powerpoint/2015/main" val="1"/>
+              </p:ext>
+            </p:extLst>
+          </p:nvPr>
+        </p:nvSpPr>
+        <p:spPr>
+          <a:xfrm>
+            <a:off x="-1" y="0"/>
+            <a:ext cx="6096002" cy="6858000"/>
+          </a:xfrm>
+          <a:custGeom>
+            <a:avLst/>
+            <a:gdLst>
+              <a:gd name="connsiteX0" fmla="*/ 0 w 6096002"/>
+              <a:gd name="connsiteY0" fmla="*/ 0 h 6858000"/>
+              <a:gd name="connsiteX1" fmla="*/ 4885967 w 6096002"/>
+              <a:gd name="connsiteY1" fmla="*/ 0 h 6858000"/>
+              <a:gd name="connsiteX2" fmla="*/ 4946007 w 6096002"/>
+              <a:gd name="connsiteY2" fmla="*/ 69271 h 6858000"/>
+              <a:gd name="connsiteX3" fmla="*/ 6096002 w 6096002"/>
+              <a:gd name="connsiteY3" fmla="*/ 3429000 h 6858000"/>
+              <a:gd name="connsiteX4" fmla="*/ 4946007 w 6096002"/>
+              <a:gd name="connsiteY4" fmla="*/ 6788730 h 6858000"/>
+              <a:gd name="connsiteX5" fmla="*/ 4885967 w 6096002"/>
+              <a:gd name="connsiteY5" fmla="*/ 6858000 h 6858000"/>
+              <a:gd name="connsiteX6" fmla="*/ 0 w 6096002"/>
+              <a:gd name="connsiteY6" fmla="*/ 6858000 h 6858000"/>
+            </a:gdLst>
+            <a:ahLst/>
+            <a:cxnLst>
+              <a:cxn ang="0">
+                <a:pos x="connsiteX0" y="connsiteY0"/>
+              </a:cxn>
+              <a:cxn ang="0">
+                <a:pos x="connsiteX1" y="connsiteY1"/>
+              </a:cxn>
+              <a:cxn ang="0">
+                <a:pos x="connsiteX2" y="connsiteY2"/>
+              </a:cxn>
+              <a:cxn ang="0">
+                <a:pos x="connsiteX3" y="connsiteY3"/>
+              </a:cxn>
+              <a:cxn ang="0">
+                <a:pos x="connsiteX4" y="connsiteY4"/>
+              </a:cxn>
+              <a:cxn ang="0">
+                <a:pos x="connsiteX5" y="connsiteY5"/>
+              </a:cxn>
+              <a:cxn ang="0">
+                <a:pos x="connsiteX6" y="connsiteY6"/>
+              </a:cxn>
+            </a:cxnLst>
+            <a:rect l="l" t="t" r="r" b="b"/>
+            <a:pathLst>
+              <a:path w="6096002" h="6858000">
+                <a:moveTo>
+                  <a:pt x="0" y="0"/>
+                </a:moveTo>
+                <a:lnTo>
+                  <a:pt x="4885967" y="0"/>
+                </a:lnTo>
+                <a:lnTo>
+                  <a:pt x="4946007" y="69271"/>
+                </a:lnTo>
+                <a:cubicBezTo>
+                  <a:pt x="5656533" y="929100"/>
+                  <a:pt x="6096002" y="2116944"/>
+                  <a:pt x="6096002" y="3429000"/>
+                </a:cubicBezTo>
+                <a:cubicBezTo>
+                  <a:pt x="6096002" y="4741056"/>
+                  <a:pt x="5656533" y="5928900"/>
+                  <a:pt x="4946007" y="6788730"/>
+                </a:cubicBezTo>
+                <a:lnTo>
+                  <a:pt x="4885967" y="6858000"/>
+                </a:lnTo>
+                <a:lnTo>
+                  <a:pt x="0" y="6858000"/>
+                </a:lnTo>
+                <a:close/>
+              </a:path>
+            </a:pathLst>
+          </a:custGeom>
+          <a:ln w="9525">
+            <a:solidFill>
+              <a:srgbClr val="EFEFEF"/>
+            </a:solidFill>
+          </a:ln>
+          <a:effectLst>
+            <a:outerShdw blurRad="88900" dist="38100" algn="l" rotWithShape="0">
+              <a:schemeClr val="bg1">
+                <a:lumMod val="85000"/>
+                <a:alpha val="50000"/>
+              </a:schemeClr>
+            </a:outerShdw>
+          </a:effectLst>
+        </p:spPr>
+        <p:style>
+          <a:lnRef idx="2">
+            <a:schemeClr val="accent1">
+              <a:shade val="50000"/>
+            </a:schemeClr>
+          </a:lnRef>
+          <a:fillRef idx="1">
+            <a:schemeClr val="accent1"/>
+          </a:fillRef>
+          <a:effectRef idx="0">
+            <a:schemeClr val="accent1"/>
+          </a:effectRef>
+          <a:fontRef idx="minor">
+            <a:schemeClr val="lt1"/>
+          </a:fontRef>
+        </p:style>
+        <p:txBody>
+          <a:bodyPr wrap="square" rtlCol="0" anchor="ctr">
+            <a:noAutofit/>
+          </a:bodyPr>
+          <a:lstStyle/>
+          <a:p>
+            <a:pPr marL="0" marR="0" lvl="0" indent="0" algn="ctr" defTabSz="914400" rtl="0" eaLnBrk="1" fontAlgn="auto" latinLnBrk="0" hangingPunct="1">
+              <a:lnSpc>
+                <a:spcPct val="100000"/>
+              </a:lnSpc>
+              <a:spcBef>
+                <a:spcPts val="0"/>
+              </a:spcBef>
+              <a:spcAft>
+                <a:spcPts val="0"/>
+              </a:spcAft>
+              <a:buClrTx/>
+              <a:buSzTx/>
+              <a:buFontTx/>
+              <a:buNone/>
+              <a:tabLst/>
+              <a:defRPr/>
+            </a:pPr>
+            <a:endParaRPr kumimoji="0" lang="en-US" sz="1800" b="0" i="0" u="none" strike="noStrike" kern="1200" cap="none" spc="0" normalizeH="0" baseline="0" noProof="0" dirty="0">
+              <a:ln>
+                <a:noFill/>
+              </a:ln>
+              <a:solidFill>
+                <a:prstClr val="white"/>
+              </a:solidFill>
+              <a:effectLst/>
+              <a:uLnTx/>
+              <a:uFillTx/>
+              <a:latin typeface="Calibri" panose="020F0502020204030204"/>
+              <a:ea typeface="+mn-ea"/>
+              <a:cs typeface="+mn-cs"/>
+            </a:endParaRPr>
+          </a:p>
+        </p:txBody>
+      </p:sp>
+      <p:sp useBgFill="1">
+        <p:nvSpPr>
+          <p:cNvPr id="21" name="Freeform: Shape 20">
+            <a:extLst>
+              <a:ext uri="{FF2B5EF4-FFF2-40B4-BE49-F238E27FC236}">
+                <a16:creationId xmlns:a16="http://schemas.microsoft.com/office/drawing/2014/main" id="{D2542E1A-076E-4A34-BB67-2BF961754E0C}"/>
+              </a:ext>
+              <a:ext uri="{C183D7F6-B498-43B3-948B-1728B52AA6E4}">
+                <adec:decorative xmlns:adec="http://schemas.microsoft.com/office/drawing/2017/decorative" val="1"/>
+              </a:ext>
+            </a:extLst>
+          </p:cNvPr>
+          <p:cNvSpPr>
+            <a:spLocks noGrp="1" noRot="1" noChangeAspect="1" noMove="1" noResize="1" noEditPoints="1" noAdjustHandles="1" noChangeArrowheads="1" noChangeShapeType="1" noTextEdit="1"/>
+          </p:cNvSpPr>
+          <p:nvPr>
+            <p:extLst>
+              <p:ext uri="{386F3935-93C4-4BCD-93E2-E3B085C9AB24}">
+                <p16:designElem xmlns:p16="http://schemas.microsoft.com/office/powerpoint/2015/main" val="1"/>
+              </p:ext>
+            </p:extLst>
+          </p:nvPr>
+        </p:nvSpPr>
+        <p:spPr>
+          <a:xfrm>
+            <a:off x="0" y="0"/>
+            <a:ext cx="6085370" cy="6858000"/>
+          </a:xfrm>
+          <a:custGeom>
+            <a:avLst/>
+            <a:gdLst>
+              <a:gd name="connsiteX0" fmla="*/ 0 w 6085370"/>
+              <a:gd name="connsiteY0" fmla="*/ 0 h 6858000"/>
+              <a:gd name="connsiteX1" fmla="*/ 4875335 w 6085370"/>
+              <a:gd name="connsiteY1" fmla="*/ 0 h 6858000"/>
+              <a:gd name="connsiteX2" fmla="*/ 4935375 w 6085370"/>
+              <a:gd name="connsiteY2" fmla="*/ 69271 h 6858000"/>
+              <a:gd name="connsiteX3" fmla="*/ 6085370 w 6085370"/>
+              <a:gd name="connsiteY3" fmla="*/ 3429000 h 6858000"/>
+              <a:gd name="connsiteX4" fmla="*/ 4935375 w 6085370"/>
+              <a:gd name="connsiteY4" fmla="*/ 6788730 h 6858000"/>
+              <a:gd name="connsiteX5" fmla="*/ 4875335 w 6085370"/>
+              <a:gd name="connsiteY5" fmla="*/ 6858000 h 6858000"/>
+              <a:gd name="connsiteX6" fmla="*/ 0 w 6085370"/>
+              <a:gd name="connsiteY6" fmla="*/ 6858000 h 6858000"/>
+            </a:gdLst>
+            <a:ahLst/>
+            <a:cxnLst>
+              <a:cxn ang="0">
+                <a:pos x="connsiteX0" y="connsiteY0"/>
+              </a:cxn>
+              <a:cxn ang="0">
+                <a:pos x="connsiteX1" y="connsiteY1"/>
+              </a:cxn>
+              <a:cxn ang="0">
+                <a:pos x="connsiteX2" y="connsiteY2"/>
+              </a:cxn>
+              <a:cxn ang="0">
+                <a:pos x="connsiteX3" y="connsiteY3"/>
+              </a:cxn>
+              <a:cxn ang="0">
+                <a:pos x="connsiteX4" y="connsiteY4"/>
+              </a:cxn>
+              <a:cxn ang="0">
+                <a:pos x="connsiteX5" y="connsiteY5"/>
+              </a:cxn>
+              <a:cxn ang="0">
+                <a:pos x="connsiteX6" y="connsiteY6"/>
+              </a:cxn>
+            </a:cxnLst>
+            <a:rect l="l" t="t" r="r" b="b"/>
+            <a:pathLst>
+              <a:path w="6085370" h="6858000">
+                <a:moveTo>
+                  <a:pt x="0" y="0"/>
+                </a:moveTo>
+                <a:lnTo>
+                  <a:pt x="4875335" y="0"/>
+                </a:lnTo>
+                <a:lnTo>
+                  <a:pt x="4935375" y="69271"/>
+                </a:lnTo>
+                <a:cubicBezTo>
+                  <a:pt x="5645901" y="929100"/>
+                  <a:pt x="6085370" y="2116944"/>
+                  <a:pt x="6085370" y="3429000"/>
+                </a:cubicBezTo>
+                <a:cubicBezTo>
+                  <a:pt x="6085370" y="4741056"/>
+                  <a:pt x="5645901" y="5928900"/>
+                  <a:pt x="4935375" y="6788730"/>
+                </a:cubicBezTo>
+                <a:lnTo>
+                  <a:pt x="4875335" y="6858000"/>
+                </a:lnTo>
+                <a:lnTo>
+                  <a:pt x="0" y="6858000"/>
+                </a:lnTo>
+                <a:close/>
+              </a:path>
+            </a:pathLst>
+          </a:custGeom>
+          <a:ln w="9525">
+            <a:noFill/>
+          </a:ln>
+          <a:effectLst/>
+        </p:spPr>
+        <p:style>
+          <a:lnRef idx="2">
+            <a:schemeClr val="accent1">
+              <a:shade val="50000"/>
+            </a:schemeClr>
+          </a:lnRef>
+          <a:fillRef idx="1">
+            <a:schemeClr val="accent1"/>
+          </a:fillRef>
+          <a:effectRef idx="0">
+            <a:schemeClr val="accent1"/>
+          </a:effectRef>
+          <a:fontRef idx="minor">
+            <a:schemeClr val="lt1"/>
+          </a:fontRef>
+        </p:style>
+        <p:txBody>
+          <a:bodyPr wrap="square" rtlCol="0" anchor="ctr">
+            <a:noAutofit/>
+          </a:bodyPr>
+          <a:lstStyle/>
+          <a:p>
+            <a:pPr marL="0" marR="0" lvl="0" indent="0" algn="ctr" defTabSz="914400" rtl="0" eaLnBrk="1" fontAlgn="auto" latinLnBrk="0" hangingPunct="1">
+              <a:lnSpc>
+                <a:spcPct val="100000"/>
+              </a:lnSpc>
+              <a:spcBef>
+                <a:spcPts val="0"/>
+              </a:spcBef>
+              <a:spcAft>
+                <a:spcPts val="0"/>
+              </a:spcAft>
+              <a:buClrTx/>
+              <a:buSzTx/>
+              <a:buFontTx/>
+              <a:buNone/>
+              <a:tabLst/>
+              <a:defRPr/>
+            </a:pPr>
+            <a:endParaRPr kumimoji="0" lang="en-US" sz="1800" b="0" i="0" u="none" strike="noStrike" kern="1200" cap="none" spc="0" normalizeH="0" baseline="0" noProof="0" dirty="0">
+              <a:ln>
+                <a:noFill/>
+              </a:ln>
+              <a:solidFill>
+                <a:prstClr val="white"/>
+              </a:solidFill>
+              <a:effectLst/>
+              <a:uLnTx/>
+              <a:uFillTx/>
+              <a:latin typeface="Calibri" panose="020F0502020204030204"/>
+              <a:ea typeface="+mn-ea"/>
+              <a:cs typeface="+mn-cs"/>
+            </a:endParaRPr>
+          </a:p>
+        </p:txBody>
+      </p:sp>
+      <p:sp>
+        <p:nvSpPr>
+          <p:cNvPr id="23" name="Rectangle 22">
+            <a:extLst>
+              <a:ext uri="{FF2B5EF4-FFF2-40B4-BE49-F238E27FC236}">
+                <a16:creationId xmlns:a16="http://schemas.microsoft.com/office/drawing/2014/main" id="{75C56826-D4E5-42ED-8529-079651CB3005}"/>
+              </a:ext>
+              <a:ext uri="{C183D7F6-B498-43B3-948B-1728B52AA6E4}">
+                <adec:decorative xmlns:adec="http://schemas.microsoft.com/office/drawing/2017/decorative" val="1"/>
+              </a:ext>
+            </a:extLst>
+          </p:cNvPr>
+          <p:cNvSpPr>
+            <a:spLocks noGrp="1" noRot="1" noChangeAspect="1" noMove="1" noResize="1" noEditPoints="1" noAdjustHandles="1" noChangeArrowheads="1" noChangeShapeType="1" noTextEdit="1"/>
+          </p:cNvSpPr>
+          <p:nvPr>
+            <p:extLst>
+              <p:ext uri="{386F3935-93C4-4BCD-93E2-E3B085C9AB24}">
+                <p16:designElem xmlns:p16="http://schemas.microsoft.com/office/powerpoint/2015/main" val="1"/>
+              </p:ext>
+            </p:extLst>
+          </p:nvPr>
+        </p:nvSpPr>
+        <p:spPr>
+          <a:xfrm>
+            <a:off x="0" y="1152144"/>
+            <a:ext cx="128016" cy="653903"/>
           </a:xfrm>
           <a:prstGeom prst="rect">
             <a:avLst/>
           </a:prstGeom>
           <a:solidFill>
-            <a:schemeClr val="accent1"/>
+            <a:schemeClr val="accent2"/>
           </a:solidFill>
           <a:ln>
             <a:noFill/>
@@ -10830,16 +11653,21 @@
           <a:lstStyle/>
           <a:p>
             <a:pPr algn="ctr"/>
-            <a:endParaRPr lang="en-US"/>
+            <a:endParaRPr lang="en-US" dirty="0">
+              <a:solidFill>
+                <a:prstClr val="white"/>
+              </a:solidFill>
+              <a:latin typeface="Calibri" panose="020F0502020204030204"/>
+            </a:endParaRPr>
           </a:p>
         </p:txBody>
       </p:sp>
       <p:sp>
         <p:nvSpPr>
-          <p:cNvPr id="12" name="Oval 11">
+          <p:cNvPr id="25" name="Rectangle 24">
             <a:extLst>
               <a:ext uri="{FF2B5EF4-FFF2-40B4-BE49-F238E27FC236}">
-                <a16:creationId xmlns:a16="http://schemas.microsoft.com/office/drawing/2014/main" id="{967D8EB6-EAE1-4F9C-B398-83321E287204}"/>
+                <a16:creationId xmlns:a16="http://schemas.microsoft.com/office/drawing/2014/main" id="{82095FCE-EF05-4443-B97A-85DEE3A5CA17}"/>
               </a:ext>
               <a:ext uri="{C183D7F6-B498-43B3-948B-1728B52AA6E4}">
                 <adec:decorative xmlns:adec="http://schemas.microsoft.com/office/drawing/2017/decorative" val="1"/>
@@ -10859,20 +11687,19 @@
         </p:nvSpPr>
         <p:spPr>
           <a:xfrm>
-            <a:off x="8915400" y="2358913"/>
-            <a:ext cx="2140172" cy="2140172"/>
+            <a:off x="438912" y="2185062"/>
+            <a:ext cx="4983480" cy="18288"/>
           </a:xfrm>
-          <a:prstGeom prst="ellipse">
+          <a:prstGeom prst="rect">
             <a:avLst/>
           </a:prstGeom>
           <a:solidFill>
-            <a:srgbClr val="FFFFFF"/>
+            <a:srgbClr val="D5D5D5"/>
           </a:solidFill>
-          <a:ln w="22225">
-            <a:solidFill>
-              <a:schemeClr val="accent1"/>
-            </a:solidFill>
+          <a:ln w="3175">
+            <a:noFill/>
           </a:ln>
+          <a:effectLst/>
         </p:spPr>
         <p:style>
           <a:lnRef idx="2">
@@ -10894,17 +11721,102 @@
           <a:bodyPr rtlCol="0" anchor="ctr"/>
           <a:lstStyle/>
           <a:p>
-            <a:pPr algn="ctr"/>
-            <a:endParaRPr lang="en-US"/>
+            <a:pPr marL="0" marR="0" lvl="0" indent="0" algn="ctr" defTabSz="914400" rtl="0" eaLnBrk="1" fontAlgn="auto" latinLnBrk="0" hangingPunct="1">
+              <a:lnSpc>
+                <a:spcPct val="100000"/>
+              </a:lnSpc>
+              <a:spcBef>
+                <a:spcPts val="0"/>
+              </a:spcBef>
+              <a:spcAft>
+                <a:spcPts val="0"/>
+              </a:spcAft>
+              <a:buClrTx/>
+              <a:buSzTx/>
+              <a:buFontTx/>
+              <a:buNone/>
+              <a:tabLst/>
+              <a:defRPr/>
+            </a:pPr>
+            <a:endParaRPr kumimoji="0" lang="en-US" sz="1800" b="0" i="0" u="none" strike="noStrike" kern="1200" cap="none" spc="0" normalizeH="0" baseline="0" noProof="0" dirty="0">
+              <a:ln>
+                <a:noFill/>
+              </a:ln>
+              <a:solidFill>
+                <a:prstClr val="white"/>
+              </a:solidFill>
+              <a:effectLst/>
+              <a:uLnTx/>
+              <a:uFillTx/>
+              <a:latin typeface="Calibri" panose="020F0502020204030204"/>
+              <a:ea typeface="+mn-ea"/>
+              <a:cs typeface="+mn-cs"/>
+            </a:endParaRPr>
+          </a:p>
+        </p:txBody>
+      </p:sp>
+      <p:sp>
+        <p:nvSpPr>
+          <p:cNvPr id="3" name="Content Placeholder 2">
+            <a:extLst>
+              <a:ext uri="{FF2B5EF4-FFF2-40B4-BE49-F238E27FC236}">
+                <a16:creationId xmlns:a16="http://schemas.microsoft.com/office/drawing/2014/main" id="{A91EE7C6-8641-4994-A4DB-38DBE28E2887}"/>
+              </a:ext>
+            </a:extLst>
+          </p:cNvPr>
+          <p:cNvSpPr>
+            <a:spLocks noGrp="1"/>
+          </p:cNvSpPr>
+          <p:nvPr>
+            <p:ph idx="1"/>
+          </p:nvPr>
+        </p:nvSpPr>
+        <p:spPr>
+          <a:xfrm>
+            <a:off x="438912" y="2512611"/>
+            <a:ext cx="4832803" cy="3664351"/>
+          </a:xfrm>
+        </p:spPr>
+        <p:txBody>
+          <a:bodyPr>
+            <a:normAutofit/>
+          </a:bodyPr>
+          <a:lstStyle/>
+          <a:p>
+            <a:pPr marL="0" indent="0">
+              <a:buNone/>
+            </a:pPr>
+            <a:r>
+              <a:rPr lang="en-US" sz="1800" dirty="0"/>
+              <a:t>GitHub Link:</a:t>
+            </a:r>
+          </a:p>
+          <a:p>
+            <a:pPr marL="0" indent="0">
+              <a:buNone/>
+            </a:pPr>
+            <a:r>
+              <a:rPr lang="en-US" sz="1800" dirty="0">
+                <a:hlinkClick r:id="rId2"/>
+              </a:rPr>
+              <a:t>https://github.com/srivatsankr/AXDemo</a:t>
+            </a:r>
+            <a:endParaRPr lang="en-US" sz="1800" dirty="0"/>
+          </a:p>
+          <a:p>
+            <a:pPr marL="0" indent="0">
+              <a:buNone/>
+            </a:pPr>
+            <a:endParaRPr lang="en-US" sz="1800" dirty="0"/>
           </a:p>
         </p:txBody>
       </p:sp>
       <p:pic>
         <p:nvPicPr>
-          <p:cNvPr id="7" name="Graphic 6" descr="Angel Face with Solid Fill">
+          <p:cNvPr id="8" name="Picture 7" descr="A drawing of a face&#10;&#10;Description automatically generated">
             <a:extLst>
               <a:ext uri="{FF2B5EF4-FFF2-40B4-BE49-F238E27FC236}">
-                <a16:creationId xmlns:a16="http://schemas.microsoft.com/office/drawing/2014/main" id="{AD05307E-20EC-4689-BF30-431DB8DFB6D0}"/>
+                <a16:creationId xmlns:a16="http://schemas.microsoft.com/office/drawing/2014/main" id="{A1B95834-CBE3-40A2-9D73-BC1FE502BFCE}"/>
               </a:ext>
             </a:extLst>
           </p:cNvPr>
@@ -10914,24 +11826,15 @@
           <p:nvPr/>
         </p:nvPicPr>
         <p:blipFill>
-          <a:blip r:embed="rId3">
-            <a:extLst>
-              <a:ext uri="{28A0092B-C50C-407E-A947-70E740481C1C}">
-                <a14:useLocalDpi xmlns:a14="http://schemas.microsoft.com/office/drawing/2010/main" val="0"/>
-              </a:ext>
-              <a:ext uri="{96DAC541-7B7A-43D3-8B79-37D633B846F1}">
-                <asvg:svgBlip xmlns:asvg="http://schemas.microsoft.com/office/drawing/2016/SVG/main" r:embed="rId4"/>
-              </a:ext>
-            </a:extLst>
-          </a:blip>
+          <a:blip r:embed="rId3"/>
           <a:stretch>
             <a:fillRect/>
           </a:stretch>
         </p:blipFill>
         <p:spPr>
           <a:xfrm>
-            <a:off x="9413987" y="2857501"/>
-            <a:ext cx="1142998" cy="1142998"/>
+            <a:off x="7466404" y="1918252"/>
+            <a:ext cx="2957628" cy="2743200"/>
           </a:xfrm>
           <a:prstGeom prst="rect">
             <a:avLst/>
@@ -11032,7 +11935,7 @@
           <a:lstStyle/>
           <a:p>
             <a:pPr algn="ctr"/>
-            <a:endParaRPr lang="en-US"/>
+            <a:endParaRPr lang="en-US" dirty="0"/>
           </a:p>
         </p:txBody>
       </p:sp>
@@ -11166,7 +12069,7 @@
             </a:bodyPr>
             <a:lstStyle/>
             <a:p>
-              <a:endParaRPr lang="en-US"/>
+              <a:endParaRPr lang="en-US" dirty="0"/>
             </a:p>
           </p:txBody>
         </p:sp>
@@ -11269,7 +12172,7 @@
             </a:bodyPr>
             <a:lstStyle/>
             <a:p>
-              <a:endParaRPr lang="en-US"/>
+              <a:endParaRPr lang="en-US" dirty="0"/>
             </a:p>
           </p:txBody>
         </p:sp>
@@ -11372,7 +12275,7 @@
             </a:bodyPr>
             <a:lstStyle/>
             <a:p>
-              <a:endParaRPr lang="en-US"/>
+              <a:endParaRPr lang="en-US" dirty="0"/>
             </a:p>
           </p:txBody>
         </p:sp>
@@ -11475,7 +12378,7 @@
             </a:bodyPr>
             <a:lstStyle/>
             <a:p>
-              <a:endParaRPr lang="en-US"/>
+              <a:endParaRPr lang="en-US" dirty="0"/>
             </a:p>
           </p:txBody>
         </p:sp>
@@ -11525,7 +12428,7 @@
             </a:bodyPr>
             <a:lstStyle/>
             <a:p>
-              <a:endParaRPr lang="en-US"/>
+              <a:endParaRPr lang="en-US" dirty="0"/>
             </a:p>
           </p:txBody>
         </p:sp>
@@ -11563,9 +12466,61 @@
                 <a:solidFill>
                   <a:srgbClr val="FFFFFF"/>
                 </a:solidFill>
+                <a:latin typeface="Century" panose="02040604050505020304" pitchFamily="18" charset="0"/>
               </a:rPr>
-              <a:t>Table of Contents</a:t>
+              <a:t>T</a:t>
             </a:r>
+            <a:r>
+              <a:rPr lang="en-US" sz="2800" dirty="0">
+                <a:solidFill>
+                  <a:srgbClr val="FFFFFF"/>
+                </a:solidFill>
+                <a:latin typeface="Century" panose="02040604050505020304" pitchFamily="18" charset="0"/>
+              </a:rPr>
+              <a:t>ABLE </a:t>
+            </a:r>
+            <a:r>
+              <a:rPr lang="en-US" sz="3200" dirty="0">
+                <a:solidFill>
+                  <a:srgbClr val="FFFFFF"/>
+                </a:solidFill>
+                <a:latin typeface="Century" panose="02040604050505020304" pitchFamily="18" charset="0"/>
+              </a:rPr>
+              <a:t>O</a:t>
+            </a:r>
+            <a:r>
+              <a:rPr lang="en-US" sz="2800" dirty="0">
+                <a:solidFill>
+                  <a:srgbClr val="FFFFFF"/>
+                </a:solidFill>
+                <a:latin typeface="Century" panose="02040604050505020304" pitchFamily="18" charset="0"/>
+              </a:rPr>
+              <a:t>F</a:t>
+            </a:r>
+            <a:r>
+              <a:rPr lang="en-US" sz="3200" dirty="0">
+                <a:solidFill>
+                  <a:srgbClr val="FFFFFF"/>
+                </a:solidFill>
+                <a:latin typeface="Century" panose="02040604050505020304" pitchFamily="18" charset="0"/>
+              </a:rPr>
+              <a:t> C</a:t>
+            </a:r>
+            <a:r>
+              <a:rPr lang="en-US" sz="2800" dirty="0">
+                <a:solidFill>
+                  <a:srgbClr val="FFFFFF"/>
+                </a:solidFill>
+                <a:latin typeface="Century" panose="02040604050505020304" pitchFamily="18" charset="0"/>
+              </a:rPr>
+              <a:t>ONTENTS</a:t>
+            </a:r>
+            <a:endParaRPr lang="en-US" sz="3200" dirty="0">
+              <a:solidFill>
+                <a:srgbClr val="FFFFFF"/>
+              </a:solidFill>
+              <a:latin typeface="Century" panose="02040604050505020304" pitchFamily="18" charset="0"/>
+            </a:endParaRPr>
           </a:p>
         </p:txBody>
       </p:sp>
@@ -11593,95 +12548,161 @@
         </p:spPr>
         <p:txBody>
           <a:bodyPr>
-            <a:normAutofit lnSpcReduction="10000"/>
+            <a:normAutofit fontScale="92500" lnSpcReduction="20000"/>
           </a:bodyPr>
           <a:lstStyle/>
           <a:p>
-            <a:pPr fontAlgn="ctr"/>
+            <a:pPr fontAlgn="ctr">
+              <a:buFont typeface="Wingdings" panose="05000000000000000000" pitchFamily="2" charset="2"/>
+              <a:buChar char="§"/>
+            </a:pPr>
             <a:r>
-              <a:rPr lang="en-US" sz="1400" dirty="0"/>
-              <a:t>Table of content</a:t>
+              <a:rPr lang="en-US" sz="1600" i="1" dirty="0">
+                <a:latin typeface="Century Gothic" panose="020B0502020202020204" pitchFamily="34" charset="0"/>
+              </a:rPr>
+              <a:t>User Story Information</a:t>
             </a:r>
           </a:p>
           <a:p>
-            <a:pPr fontAlgn="ctr"/>
+            <a:pPr fontAlgn="ctr">
+              <a:buFont typeface="Wingdings" panose="05000000000000000000" pitchFamily="2" charset="2"/>
+              <a:buChar char="§"/>
+            </a:pPr>
             <a:r>
-              <a:rPr lang="en-US" sz="1400" dirty="0"/>
-              <a:t>Use Case Info</a:t>
-            </a:r>
-          </a:p>
-          <a:p>
-            <a:pPr fontAlgn="ctr"/>
-            <a:r>
-              <a:rPr lang="en-US" sz="1400" dirty="0"/>
+              <a:rPr lang="en-US" sz="1600" i="1" dirty="0">
+                <a:latin typeface="Century Gothic" panose="020B0502020202020204" pitchFamily="34" charset="0"/>
+              </a:rPr>
               <a:t>High Level Architecture</a:t>
             </a:r>
           </a:p>
           <a:p>
-            <a:pPr fontAlgn="ctr"/>
+            <a:pPr fontAlgn="ctr">
+              <a:buFont typeface="Wingdings" panose="05000000000000000000" pitchFamily="2" charset="2"/>
+              <a:buChar char="§"/>
+            </a:pPr>
             <a:r>
-              <a:rPr lang="en-US" sz="1400" dirty="0"/>
+              <a:rPr lang="en-US" sz="1600" i="1" dirty="0">
+                <a:latin typeface="Century Gothic" panose="020B0502020202020204" pitchFamily="34" charset="0"/>
+              </a:rPr>
               <a:t>Actors/Persona</a:t>
             </a:r>
           </a:p>
           <a:p>
-            <a:pPr fontAlgn="ctr"/>
+            <a:pPr fontAlgn="ctr">
+              <a:buFont typeface="Wingdings" panose="05000000000000000000" pitchFamily="2" charset="2"/>
+              <a:buChar char="§"/>
+            </a:pPr>
             <a:r>
-              <a:rPr lang="en-US" sz="1400" dirty="0"/>
-              <a:t>Data Model</a:t>
+              <a:rPr lang="en-US" sz="1600" i="1" dirty="0">
+                <a:latin typeface="Century Gothic" panose="020B0502020202020204" pitchFamily="34" charset="0"/>
+              </a:rPr>
+              <a:t>Proposed Data Model</a:t>
             </a:r>
           </a:p>
           <a:p>
-            <a:pPr fontAlgn="ctr"/>
+            <a:pPr fontAlgn="ctr">
+              <a:buFont typeface="Wingdings" panose="05000000000000000000" pitchFamily="2" charset="2"/>
+              <a:buChar char="§"/>
+            </a:pPr>
             <a:r>
-              <a:rPr lang="en-US" sz="1400" dirty="0"/>
+              <a:rPr lang="en-US" sz="1600" i="1" dirty="0">
+                <a:latin typeface="Century Gothic" panose="020B0502020202020204" pitchFamily="34" charset="0"/>
+              </a:rPr>
               <a:t>Data Model - Explained</a:t>
             </a:r>
           </a:p>
           <a:p>
-            <a:pPr fontAlgn="ctr"/>
+            <a:pPr fontAlgn="ctr">
+              <a:buFont typeface="Wingdings" panose="05000000000000000000" pitchFamily="2" charset="2"/>
+              <a:buChar char="§"/>
+            </a:pPr>
             <a:r>
-              <a:rPr lang="en-US" sz="1400" dirty="0"/>
+              <a:rPr lang="en-US" sz="1600" i="1" dirty="0">
+                <a:latin typeface="Century Gothic" panose="020B0502020202020204" pitchFamily="34" charset="0"/>
+              </a:rPr>
               <a:t>Sharing and Security</a:t>
             </a:r>
           </a:p>
           <a:p>
-            <a:pPr fontAlgn="ctr"/>
+            <a:pPr fontAlgn="ctr">
+              <a:buFont typeface="Wingdings" panose="05000000000000000000" pitchFamily="2" charset="2"/>
+              <a:buChar char="§"/>
+            </a:pPr>
             <a:r>
-              <a:rPr lang="en-US" sz="1400" dirty="0"/>
+              <a:rPr lang="en-US" sz="1600" i="1" dirty="0">
+                <a:latin typeface="Century Gothic" panose="020B0502020202020204" pitchFamily="34" charset="0"/>
+              </a:rPr>
               <a:t>Integrations</a:t>
             </a:r>
           </a:p>
           <a:p>
-            <a:pPr fontAlgn="ctr"/>
+            <a:pPr fontAlgn="ctr">
+              <a:buFont typeface="Wingdings" panose="05000000000000000000" pitchFamily="2" charset="2"/>
+              <a:buChar char="§"/>
+            </a:pPr>
             <a:r>
-              <a:rPr lang="en-US" sz="1400" dirty="0"/>
-              <a:t>Reporting</a:t>
+              <a:rPr lang="en-US" sz="1600" i="1" dirty="0">
+                <a:latin typeface="Century Gothic" panose="020B0502020202020204" pitchFamily="34" charset="0"/>
+              </a:rPr>
+              <a:t>Archival Strategy and Reporting</a:t>
             </a:r>
           </a:p>
           <a:p>
-            <a:pPr fontAlgn="ctr"/>
+            <a:pPr fontAlgn="ctr">
+              <a:buFont typeface="Wingdings" panose="05000000000000000000" pitchFamily="2" charset="2"/>
+              <a:buChar char="§"/>
+            </a:pPr>
             <a:r>
-              <a:rPr lang="en-US" sz="1400" dirty="0"/>
-              <a:t>Evergreen</a:t>
+              <a:rPr lang="en-US" sz="1600" i="1" dirty="0">
+                <a:latin typeface="Century Gothic" panose="020B0502020202020204" pitchFamily="34" charset="0"/>
+              </a:rPr>
+              <a:t>User Story - Solutions</a:t>
             </a:r>
           </a:p>
           <a:p>
-            <a:pPr fontAlgn="ctr"/>
+            <a:pPr fontAlgn="ctr">
+              <a:buFont typeface="Wingdings" panose="05000000000000000000" pitchFamily="2" charset="2"/>
+              <a:buChar char="§"/>
+            </a:pPr>
             <a:r>
-              <a:rPr lang="en-US" sz="1400" dirty="0"/>
-              <a:t>Development Principles</a:t>
+              <a:rPr lang="en-US" sz="1600" i="1" dirty="0">
+                <a:latin typeface="Century Gothic" panose="020B0502020202020204" pitchFamily="34" charset="0"/>
+              </a:rPr>
+              <a:t>Salesforce Evergreen</a:t>
             </a:r>
           </a:p>
           <a:p>
-            <a:pPr fontAlgn="ctr"/>
+            <a:pPr fontAlgn="ctr">
+              <a:buFont typeface="Wingdings" panose="05000000000000000000" pitchFamily="2" charset="2"/>
+              <a:buChar char="§"/>
+            </a:pPr>
             <a:r>
-              <a:rPr lang="en-US" sz="1400" dirty="0"/>
+              <a:rPr lang="en-US" sz="1600" i="1" dirty="0">
+                <a:latin typeface="Century Gothic" panose="020B0502020202020204" pitchFamily="34" charset="0"/>
+              </a:rPr>
+              <a:t>Platform Tools/Principles</a:t>
+            </a:r>
+          </a:p>
+          <a:p>
+            <a:pPr fontAlgn="ctr">
+              <a:buFont typeface="Wingdings" panose="05000000000000000000" pitchFamily="2" charset="2"/>
+              <a:buChar char="§"/>
+            </a:pPr>
+            <a:r>
+              <a:rPr lang="en-US" sz="1600" i="1" dirty="0">
+                <a:latin typeface="Century Gothic" panose="020B0502020202020204" pitchFamily="34" charset="0"/>
+              </a:rPr>
               <a:t>Thank you</a:t>
             </a:r>
           </a:p>
           <a:p>
-            <a:endParaRPr lang="en-US" sz="1100" dirty="0"/>
+            <a:pPr>
+              <a:buFont typeface="Wingdings" panose="05000000000000000000" pitchFamily="2" charset="2"/>
+              <a:buChar char="§"/>
+            </a:pPr>
+            <a:endParaRPr lang="en-US" sz="1200" i="1" dirty="0">
+              <a:latin typeface="Century Gothic" panose="020B0502020202020204" pitchFamily="34" charset="0"/>
+            </a:endParaRPr>
           </a:p>
         </p:txBody>
       </p:sp>
@@ -11754,41 +12775,6 @@
       </p:grpSpPr>
       <p:sp>
         <p:nvSpPr>
-          <p:cNvPr id="2" name="Title 1">
-            <a:extLst>
-              <a:ext uri="{FF2B5EF4-FFF2-40B4-BE49-F238E27FC236}">
-                <a16:creationId xmlns:a16="http://schemas.microsoft.com/office/drawing/2014/main" id="{BD11E251-5F25-40FA-B054-D909C135C7B6}"/>
-              </a:ext>
-            </a:extLst>
-          </p:cNvPr>
-          <p:cNvSpPr>
-            <a:spLocks noGrp="1"/>
-          </p:cNvSpPr>
-          <p:nvPr>
-            <p:ph type="title"/>
-          </p:nvPr>
-        </p:nvSpPr>
-        <p:spPr>
-          <a:xfrm>
-            <a:off x="1136429" y="179889"/>
-            <a:ext cx="7474172" cy="1325563"/>
-          </a:xfrm>
-        </p:spPr>
-        <p:txBody>
-          <a:bodyPr>
-            <a:normAutofit/>
-          </a:bodyPr>
-          <a:lstStyle/>
-          <a:p>
-            <a:r>
-              <a:rPr lang="en-US" sz="4000" dirty="0"/>
-              <a:t>Use Case Information:</a:t>
-            </a:r>
-          </a:p>
-        </p:txBody>
-      </p:sp>
-      <p:sp>
-        <p:nvSpPr>
           <p:cNvPr id="3" name="Content Placeholder 2">
             <a:extLst>
               <a:ext uri="{FF2B5EF4-FFF2-40B4-BE49-F238E27FC236}">
@@ -11805,60 +12791,134 @@
         </p:nvSpPr>
         <p:spPr>
           <a:xfrm>
-            <a:off x="1103782" y="1916223"/>
-            <a:ext cx="7474172" cy="3450613"/>
+            <a:off x="934819" y="1916223"/>
+            <a:ext cx="7742044" cy="3450613"/>
           </a:xfrm>
         </p:spPr>
+        <p:style>
+          <a:lnRef idx="2">
+            <a:schemeClr val="accent1"/>
+          </a:lnRef>
+          <a:fillRef idx="1">
+            <a:schemeClr val="lt1"/>
+          </a:fillRef>
+          <a:effectRef idx="0">
+            <a:schemeClr val="accent1"/>
+          </a:effectRef>
+          <a:fontRef idx="minor">
+            <a:schemeClr val="dk1"/>
+          </a:fontRef>
+        </p:style>
         <p:txBody>
           <a:bodyPr anchor="ctr">
             <a:normAutofit/>
           </a:bodyPr>
           <a:lstStyle/>
           <a:p>
-            <a:pPr>
-              <a:buFontTx/>
-              <a:buChar char="-"/>
+            <a:pPr algn="just">
+              <a:buFont typeface="Wingdings" panose="05000000000000000000" pitchFamily="2" charset="2"/>
+              <a:buChar char="Ø"/>
             </a:pPr>
             <a:r>
-              <a:rPr lang="en-US" sz="1900" dirty="0"/>
+              <a:rPr lang="en-US" sz="1900" i="1" dirty="0">
+                <a:solidFill>
+                  <a:schemeClr val="tx1">
+                    <a:lumMod val="65000"/>
+                    <a:lumOff val="35000"/>
+                  </a:schemeClr>
+                </a:solidFill>
+                <a:latin typeface="Candara" panose="020E0502030303020204" pitchFamily="34" charset="0"/>
+              </a:rPr>
               <a:t>As an end-user, I should be able to book tickets between 2 cities from a mobile app</a:t>
-            </a:r>
-            <a:br>
-              <a:rPr lang="en-US" sz="1900" dirty="0"/>
-            </a:br>
-            <a:r>
-              <a:rPr lang="en-US" sz="1900" dirty="0"/>
-              <a:t>- As an end-user, I should be able to select the seat and pay for the ticket</a:t>
-            </a:r>
-            <a:br>
-              <a:rPr lang="en-US" sz="1900" dirty="0"/>
-            </a:br>
-            <a:r>
-              <a:rPr lang="en-US" sz="1900" dirty="0"/>
-              <a:t>- As an end-user, I should see the auto-populated payment preference options.</a:t>
-            </a:r>
-            <a:br>
-              <a:rPr lang="en-US" sz="1900" dirty="0"/>
-            </a:br>
-            <a:r>
-              <a:rPr lang="en-US" sz="1900" dirty="0"/>
-              <a:t>- As an admin, I should be able to create bus trips and see the list of customers</a:t>
-            </a:r>
-            <a:br>
-              <a:rPr lang="en-US" sz="1900" dirty="0"/>
-            </a:br>
-            <a:r>
-              <a:rPr lang="en-US" sz="1900" dirty="0"/>
-              <a:t>- As an admin, I should be able to cancel any bus trip.</a:t>
             </a:r>
           </a:p>
           <a:p>
-            <a:pPr>
-              <a:buFontTx/>
-              <a:buChar char="-"/>
+            <a:pPr algn="just">
+              <a:buFont typeface="Wingdings" panose="05000000000000000000" pitchFamily="2" charset="2"/>
+              <a:buChar char="Ø"/>
             </a:pPr>
             <a:r>
-              <a:rPr lang="en-US" sz="1900" dirty="0"/>
+              <a:rPr lang="en-US" sz="1900" i="1" dirty="0">
+                <a:solidFill>
+                  <a:schemeClr val="tx1">
+                    <a:lumMod val="65000"/>
+                    <a:lumOff val="35000"/>
+                  </a:schemeClr>
+                </a:solidFill>
+                <a:latin typeface="Candara" panose="020E0502030303020204" pitchFamily="34" charset="0"/>
+              </a:rPr>
+              <a:t>As an end-user, I should be able to select the seat and pay for the ticket</a:t>
+            </a:r>
+          </a:p>
+          <a:p>
+            <a:pPr algn="just">
+              <a:buFont typeface="Wingdings" panose="05000000000000000000" pitchFamily="2" charset="2"/>
+              <a:buChar char="Ø"/>
+            </a:pPr>
+            <a:r>
+              <a:rPr lang="en-US" sz="1900" i="1" dirty="0">
+                <a:solidFill>
+                  <a:schemeClr val="tx1">
+                    <a:lumMod val="65000"/>
+                    <a:lumOff val="35000"/>
+                  </a:schemeClr>
+                </a:solidFill>
+                <a:latin typeface="Candara" panose="020E0502030303020204" pitchFamily="34" charset="0"/>
+              </a:rPr>
+              <a:t>As an end-user, I should see the auto-populated payment preference options.</a:t>
+            </a:r>
+          </a:p>
+          <a:p>
+            <a:pPr algn="just">
+              <a:buFont typeface="Wingdings" panose="05000000000000000000" pitchFamily="2" charset="2"/>
+              <a:buChar char="Ø"/>
+            </a:pPr>
+            <a:r>
+              <a:rPr lang="en-US" sz="1900" i="1" dirty="0">
+                <a:solidFill>
+                  <a:schemeClr val="tx1">
+                    <a:lumMod val="65000"/>
+                    <a:lumOff val="35000"/>
+                  </a:schemeClr>
+                </a:solidFill>
+                <a:latin typeface="Candara" panose="020E0502030303020204" pitchFamily="34" charset="0"/>
+              </a:rPr>
+              <a:t>As an admin, I should be able to create bus trips and see the list of customers</a:t>
+            </a:r>
+          </a:p>
+          <a:p>
+            <a:pPr algn="just">
+              <a:buFont typeface="Wingdings" panose="05000000000000000000" pitchFamily="2" charset="2"/>
+              <a:buChar char="Ø"/>
+            </a:pPr>
+            <a:r>
+              <a:rPr lang="en-US" sz="1900" i="1" dirty="0">
+                <a:solidFill>
+                  <a:schemeClr val="tx1">
+                    <a:lumMod val="65000"/>
+                    <a:lumOff val="35000"/>
+                  </a:schemeClr>
+                </a:solidFill>
+                <a:latin typeface="Candara" panose="020E0502030303020204" pitchFamily="34" charset="0"/>
+              </a:rPr>
+              <a:t>As an admin, I should be able to cancel any bus trip.</a:t>
+            </a:r>
+          </a:p>
+          <a:p>
+            <a:pPr algn="just">
+              <a:buFont typeface="Wingdings" panose="05000000000000000000" pitchFamily="2" charset="2"/>
+              <a:buChar char="Ø"/>
+            </a:pPr>
+            <a:r>
+              <a:rPr lang="en-US" sz="1900" i="1" dirty="0">
+                <a:solidFill>
+                  <a:schemeClr val="tx1">
+                    <a:lumMod val="65000"/>
+                    <a:lumOff val="35000"/>
+                  </a:schemeClr>
+                </a:solidFill>
+                <a:latin typeface="Candara" panose="020E0502030303020204" pitchFamily="34" charset="0"/>
+              </a:rPr>
               <a:t>Also, write a serverless evergreen function in a Salesforce DX project, which sends a push notification to the customers on canceling a bus trip. *</a:t>
             </a:r>
           </a:p>
@@ -11923,7 +12983,7 @@
           <a:lstStyle/>
           <a:p>
             <a:pPr algn="ctr"/>
-            <a:endParaRPr lang="en-US"/>
+            <a:endParaRPr lang="en-US" dirty="0"/>
           </a:p>
         </p:txBody>
       </p:sp>
@@ -11988,7 +13048,7 @@
           <a:lstStyle/>
           <a:p>
             <a:pPr algn="ctr"/>
-            <a:endParaRPr lang="en-US"/>
+            <a:endParaRPr lang="en-US" dirty="0"/>
           </a:p>
         </p:txBody>
       </p:sp>
@@ -12031,6 +13091,69 @@
           </a:prstGeom>
         </p:spPr>
       </p:pic>
+      <p:sp>
+        <p:nvSpPr>
+          <p:cNvPr id="11" name="Rectangle 10">
+            <a:extLst>
+              <a:ext uri="{FF2B5EF4-FFF2-40B4-BE49-F238E27FC236}">
+                <a16:creationId xmlns:a16="http://schemas.microsoft.com/office/drawing/2014/main" id="{B6ABACE3-A87E-48DD-8BC7-F3AB51A21317}"/>
+              </a:ext>
+            </a:extLst>
+          </p:cNvPr>
+          <p:cNvSpPr/>
+          <p:nvPr/>
+        </p:nvSpPr>
+        <p:spPr>
+          <a:xfrm>
+            <a:off x="419100" y="247650"/>
+            <a:ext cx="11068050" cy="649968"/>
+          </a:xfrm>
+          <a:prstGeom prst="rect">
+            <a:avLst/>
+          </a:prstGeom>
+          <a:solidFill>
+            <a:schemeClr val="bg1"/>
+          </a:solidFill>
+        </p:spPr>
+        <p:style>
+          <a:lnRef idx="2">
+            <a:schemeClr val="accent1">
+              <a:shade val="50000"/>
+            </a:schemeClr>
+          </a:lnRef>
+          <a:fillRef idx="1">
+            <a:schemeClr val="accent1"/>
+          </a:fillRef>
+          <a:effectRef idx="0">
+            <a:schemeClr val="accent1"/>
+          </a:effectRef>
+          <a:fontRef idx="minor">
+            <a:schemeClr val="lt1"/>
+          </a:fontRef>
+        </p:style>
+        <p:txBody>
+          <a:bodyPr rtlCol="0" anchor="ctr"/>
+          <a:lstStyle/>
+          <a:p>
+            <a:pPr algn="ctr"/>
+            <a:r>
+              <a:rPr lang="en-US" sz="2800" dirty="0">
+                <a:solidFill>
+                  <a:schemeClr val="tx1"/>
+                </a:solidFill>
+                <a:latin typeface="Bookman Old Style" panose="02050604050505020204" pitchFamily="18" charset="0"/>
+              </a:rPr>
+              <a:t>USER STORY INFORMATION</a:t>
+            </a:r>
+            <a:endParaRPr lang="en-US" sz="2400" dirty="0">
+              <a:solidFill>
+                <a:schemeClr val="tx1"/>
+              </a:solidFill>
+              <a:latin typeface="Bookman Old Style" panose="02050604050505020204" pitchFamily="18" charset="0"/>
+            </a:endParaRPr>
+          </a:p>
+        </p:txBody>
+      </p:sp>
     </p:spTree>
     <p:extLst>
       <p:ext uri="{BB962C8B-B14F-4D97-AF65-F5344CB8AC3E}">
@@ -12075,7 +13198,7 @@
         </p:nvSpPr>
         <p:spPr>
           <a:xfrm>
-            <a:off x="4912831" y="5229894"/>
+            <a:off x="5350147" y="5229894"/>
             <a:ext cx="3449764" cy="1174267"/>
           </a:xfrm>
           <a:prstGeom prst="roundRect">
@@ -12109,7 +13232,7 @@
           <a:lstStyle/>
           <a:p>
             <a:pPr algn="ctr"/>
-            <a:endParaRPr lang="en-US" sz="1227"/>
+            <a:endParaRPr lang="en-US" sz="1227" dirty="0"/>
           </a:p>
         </p:txBody>
       </p:sp>
@@ -12127,7 +13250,7 @@
         </p:nvSpPr>
         <p:spPr>
           <a:xfrm>
-            <a:off x="3117075" y="3556010"/>
+            <a:off x="3554391" y="3556010"/>
             <a:ext cx="7546278" cy="1035033"/>
           </a:xfrm>
           <a:prstGeom prst="roundRect">
@@ -12153,7 +13276,7 @@
           <a:lstStyle/>
           <a:p>
             <a:pPr algn="ctr"/>
-            <a:endParaRPr lang="en-US" sz="1227"/>
+            <a:endParaRPr lang="en-US" sz="1227" dirty="0"/>
           </a:p>
         </p:txBody>
       </p:sp>
@@ -12171,7 +13294,7 @@
         </p:nvSpPr>
         <p:spPr>
           <a:xfrm>
-            <a:off x="4782033" y="1826943"/>
+            <a:off x="5219349" y="1826943"/>
             <a:ext cx="4432667" cy="2018534"/>
           </a:xfrm>
           <a:prstGeom prst="roundRect">
@@ -12209,7 +13332,7 @@
         </p:nvSpPr>
         <p:spPr>
           <a:xfrm>
-            <a:off x="9313457" y="5155461"/>
+            <a:off x="9750773" y="5155461"/>
             <a:ext cx="1736696" cy="252591"/>
           </a:xfrm>
           <a:prstGeom prst="rect">
@@ -12264,7 +13387,7 @@
         </p:nvSpPr>
         <p:spPr>
           <a:xfrm>
-            <a:off x="9325540" y="5638702"/>
+            <a:off x="9762856" y="5638702"/>
             <a:ext cx="1609159" cy="207841"/>
           </a:xfrm>
           <a:prstGeom prst="rect">
@@ -12319,7 +13442,7 @@
         </p:nvSpPr>
         <p:spPr>
           <a:xfrm>
-            <a:off x="9360000" y="6196320"/>
+            <a:off x="9797316" y="6196320"/>
             <a:ext cx="1321040" cy="207840"/>
           </a:xfrm>
           <a:prstGeom prst="rect">
@@ -12382,7 +13505,7 @@
         </p:blipFill>
         <p:spPr>
           <a:xfrm>
-            <a:off x="4260697" y="1274748"/>
+            <a:off x="4698013" y="1274748"/>
             <a:ext cx="1168956" cy="846485"/>
           </a:xfrm>
           <a:prstGeom prst="rect">
@@ -12401,7 +13524,7 @@
         </p:nvSpPr>
         <p:spPr>
           <a:xfrm>
-            <a:off x="4395507" y="5001180"/>
+            <a:off x="4832823" y="5001180"/>
             <a:ext cx="1392911" cy="358588"/>
           </a:xfrm>
           <a:prstGeom prst="rect">
@@ -12439,7 +13562,7 @@
         </p:nvSpPr>
         <p:spPr>
           <a:xfrm>
-            <a:off x="9840423" y="2670396"/>
+            <a:off x="10277739" y="2670396"/>
             <a:ext cx="1229824" cy="400110"/>
           </a:xfrm>
           <a:prstGeom prst="rect">
@@ -12448,7 +13571,7 @@
           <a:noFill/>
         </p:spPr>
         <p:txBody>
-          <a:bodyPr wrap="none" rtlCol="0">
+          <a:bodyPr wrap="square" rtlCol="0">
             <a:spAutoFit/>
           </a:bodyPr>
           <a:lstStyle/>
@@ -12480,7 +13603,7 @@
         </p:nvSpPr>
         <p:spPr>
           <a:xfrm>
-            <a:off x="6590006" y="1307140"/>
+            <a:off x="7027322" y="1307140"/>
             <a:ext cx="705642" cy="239296"/>
           </a:xfrm>
           <a:prstGeom prst="rect">
@@ -12489,7 +13612,7 @@
           <a:noFill/>
         </p:spPr>
         <p:txBody>
-          <a:bodyPr wrap="none" rtlCol="0">
+          <a:bodyPr wrap="square" rtlCol="0">
             <a:spAutoFit/>
           </a:bodyPr>
           <a:lstStyle/>
@@ -12534,7 +13657,7 @@
         </p:blipFill>
         <p:spPr>
           <a:xfrm>
-            <a:off x="3178508" y="3597800"/>
+            <a:off x="3615824" y="3597800"/>
             <a:ext cx="7445978" cy="802750"/>
           </a:xfrm>
           <a:prstGeom prst="rect">
@@ -12556,7 +13679,7 @@
         </p:nvSpPr>
         <p:spPr>
           <a:xfrm>
-            <a:off x="4153638" y="2995045"/>
+            <a:off x="4590954" y="2995045"/>
             <a:ext cx="775034" cy="400110"/>
           </a:xfrm>
           <a:prstGeom prst="rect">
@@ -12591,7 +13714,7 @@
         </p:nvSpPr>
         <p:spPr>
           <a:xfrm>
-            <a:off x="4326821" y="1787183"/>
+            <a:off x="4764137" y="1787183"/>
             <a:ext cx="965329" cy="246221"/>
           </a:xfrm>
           <a:prstGeom prst="rect">
@@ -12650,7 +13773,7 @@
               <p14:nvPr/>
             </p14:nvContentPartPr>
             <p14:xfrm>
-              <a:off x="7870577" y="697141"/>
+              <a:off x="8307893" y="697141"/>
               <a:ext cx="72900" cy="52282"/>
             </p14:xfrm>
           </p:contentPart>
@@ -12676,8 +13799,8 @@
             </p:blipFill>
             <p:spPr>
               <a:xfrm>
-                <a:off x="7862998" y="689621"/>
-                <a:ext cx="88057" cy="66964"/>
+                <a:off x="8300314" y="689621"/>
+                <a:ext cx="88057" cy="67322"/>
               </a:xfrm>
               <a:prstGeom prst="rect">
                 <a:avLst/>
@@ -12700,7 +13823,7 @@
         </p:nvSpPr>
         <p:spPr>
           <a:xfrm>
-            <a:off x="5030932" y="2010640"/>
+            <a:off x="5468248" y="2010640"/>
             <a:ext cx="384771" cy="1490187"/>
           </a:xfrm>
           <a:prstGeom prst="roundRect">
@@ -12754,7 +13877,7 @@
         </p:nvGrpSpPr>
         <p:grpSpPr>
           <a:xfrm>
-            <a:off x="6458474" y="2494720"/>
+            <a:off x="6895790" y="2494720"/>
             <a:ext cx="266280" cy="264642"/>
             <a:chOff x="5992813" y="1147763"/>
             <a:chExt cx="515938" cy="512763"/>
@@ -13017,7 +14140,7 @@
             </a:ln>
             <a:extLst>
               <a:ext uri="{91240B29-F687-4f45-9708-019B960494DF}">
-                <a14:hiddenLine xmlns="" xmlns:a14="http://schemas.microsoft.com/office/drawing/2010/main" w="9525">
+                <a14:hiddenLine xmlns:a14="http://schemas.microsoft.com/office/drawing/2010/main" xmlns="" w="9525">
                   <a:solidFill>
                     <a:srgbClr val="000000"/>
                   </a:solidFill>
@@ -13036,7 +14159,7 @@
             </a:bodyPr>
             <a:lstStyle/>
             <a:p>
-              <a:endParaRPr lang="en-US" sz="1227"/>
+              <a:endParaRPr lang="en-US" sz="1227" dirty="0"/>
             </a:p>
           </p:txBody>
         </p:sp>
@@ -13179,7 +14302,7 @@
             </a:ln>
             <a:extLst>
               <a:ext uri="{91240B29-F687-4f45-9708-019B960494DF}">
-                <a14:hiddenLine xmlns="" xmlns:a14="http://schemas.microsoft.com/office/drawing/2010/main" w="9525">
+                <a14:hiddenLine xmlns:a14="http://schemas.microsoft.com/office/drawing/2010/main" xmlns="" w="9525">
                   <a:solidFill>
                     <a:srgbClr val="000000"/>
                   </a:solidFill>
@@ -13198,7 +14321,7 @@
             </a:bodyPr>
             <a:lstStyle/>
             <a:p>
-              <a:endParaRPr lang="en-US" sz="1227"/>
+              <a:endParaRPr lang="en-US" sz="1227" dirty="0"/>
             </a:p>
           </p:txBody>
         </p:sp>
@@ -13217,7 +14340,7 @@
         </p:nvGrpSpPr>
         <p:grpSpPr>
           <a:xfrm>
-            <a:off x="7155066" y="2461466"/>
+            <a:off x="7592382" y="2461466"/>
             <a:ext cx="334458" cy="314975"/>
             <a:chOff x="1722438" y="3725863"/>
             <a:chExt cx="490538" cy="461963"/>
@@ -13519,7 +14642,7 @@
             </a:ln>
             <a:extLst>
               <a:ext uri="{91240B29-F687-4f45-9708-019B960494DF}">
-                <a14:hiddenLine xmlns="" xmlns:a14="http://schemas.microsoft.com/office/drawing/2010/main" w="9525">
+                <a14:hiddenLine xmlns:a14="http://schemas.microsoft.com/office/drawing/2010/main" xmlns="" w="9525">
                   <a:solidFill>
                     <a:srgbClr val="000000"/>
                   </a:solidFill>
@@ -13538,7 +14661,7 @@
             </a:bodyPr>
             <a:lstStyle/>
             <a:p>
-              <a:endParaRPr lang="en-US" sz="1227"/>
+              <a:endParaRPr lang="en-US" sz="1227" dirty="0"/>
             </a:p>
           </p:txBody>
         </p:sp>
@@ -13716,7 +14839,7 @@
             </a:ln>
             <a:extLst>
               <a:ext uri="{91240B29-F687-4f45-9708-019B960494DF}">
-                <a14:hiddenLine xmlns="" xmlns:a14="http://schemas.microsoft.com/office/drawing/2010/main" w="9525">
+                <a14:hiddenLine xmlns:a14="http://schemas.microsoft.com/office/drawing/2010/main" xmlns="" w="9525">
                   <a:solidFill>
                     <a:srgbClr val="000000"/>
                   </a:solidFill>
@@ -13735,7 +14858,7 @@
             </a:bodyPr>
             <a:lstStyle/>
             <a:p>
-              <a:endParaRPr lang="en-US" sz="1227"/>
+              <a:endParaRPr lang="en-US" sz="1227" dirty="0"/>
             </a:p>
           </p:txBody>
         </p:sp>
@@ -14317,7 +15440,7 @@
             </a:ln>
             <a:extLst>
               <a:ext uri="{91240B29-F687-4f45-9708-019B960494DF}">
-                <a14:hiddenLine xmlns="" xmlns:a14="http://schemas.microsoft.com/office/drawing/2010/main" w="9525">
+                <a14:hiddenLine xmlns:a14="http://schemas.microsoft.com/office/drawing/2010/main" xmlns="" w="9525">
                   <a:solidFill>
                     <a:srgbClr val="000000"/>
                   </a:solidFill>
@@ -14336,7 +15459,7 @@
             </a:bodyPr>
             <a:lstStyle/>
             <a:p>
-              <a:endParaRPr lang="en-US" sz="1227"/>
+              <a:endParaRPr lang="en-US" sz="1227" dirty="0"/>
             </a:p>
           </p:txBody>
         </p:sp>
@@ -14357,7 +15480,7 @@
         </p:nvGrpSpPr>
         <p:grpSpPr>
           <a:xfrm>
-            <a:off x="9565600" y="2657130"/>
+            <a:off x="10002916" y="2657130"/>
             <a:ext cx="128229" cy="220909"/>
             <a:chOff x="12606338" y="3622675"/>
             <a:chExt cx="320675" cy="552450"/>
@@ -14713,7 +15836,7 @@
             </a:ln>
             <a:extLst>
               <a:ext uri="{91240B29-F687-4f45-9708-019B960494DF}">
-                <a14:hiddenLine xmlns="" xmlns:a14="http://schemas.microsoft.com/office/drawing/2010/main" w="9525">
+                <a14:hiddenLine xmlns:a14="http://schemas.microsoft.com/office/drawing/2010/main" xmlns="" w="9525">
                   <a:solidFill>
                     <a:srgbClr val="000000"/>
                   </a:solidFill>
@@ -14735,7 +15858,7 @@
               <a:pPr defTabSz="801554">
                 <a:defRPr/>
               </a:pPr>
-              <a:endParaRPr lang="en-US" sz="1568" kern="0">
+              <a:endParaRPr lang="en-US" sz="1568" kern="0" dirty="0">
                 <a:solidFill>
                   <a:prstClr val="black"/>
                 </a:solidFill>
@@ -14881,7 +16004,7 @@
             </a:ln>
             <a:extLst>
               <a:ext uri="{91240B29-F687-4f45-9708-019B960494DF}">
-                <a14:hiddenLine xmlns="" xmlns:a14="http://schemas.microsoft.com/office/drawing/2010/main" w="9525">
+                <a14:hiddenLine xmlns:a14="http://schemas.microsoft.com/office/drawing/2010/main" xmlns="" w="9525">
                   <a:solidFill>
                     <a:srgbClr val="000000"/>
                   </a:solidFill>
@@ -14903,7 +16026,7 @@
               <a:pPr defTabSz="801554">
                 <a:defRPr/>
               </a:pPr>
-              <a:endParaRPr lang="en-US" sz="1568" kern="0">
+              <a:endParaRPr lang="en-US" sz="1568" kern="0" dirty="0">
                 <a:solidFill>
                   <a:prstClr val="black"/>
                 </a:solidFill>
@@ -14926,7 +16049,7 @@
         </p:nvGrpSpPr>
         <p:grpSpPr>
           <a:xfrm>
-            <a:off x="5636553" y="2464926"/>
+            <a:off x="6073869" y="2464926"/>
             <a:ext cx="412748" cy="297897"/>
             <a:chOff x="7635876" y="1039813"/>
             <a:chExt cx="547687" cy="395288"/>
@@ -15488,7 +16611,7 @@
             </a:ln>
             <a:extLst>
               <a:ext uri="{91240B29-F687-4f45-9708-019B960494DF}">
-                <a14:hiddenLine xmlns="" xmlns:a14="http://schemas.microsoft.com/office/drawing/2010/main" w="9525">
+                <a14:hiddenLine xmlns:a14="http://schemas.microsoft.com/office/drawing/2010/main" xmlns="" w="9525">
                   <a:solidFill>
                     <a:srgbClr val="000000"/>
                   </a:solidFill>
@@ -15507,7 +16630,7 @@
             </a:bodyPr>
             <a:lstStyle/>
             <a:p>
-              <a:endParaRPr lang="en-US" sz="1227"/>
+              <a:endParaRPr lang="en-US" sz="1227" dirty="0"/>
             </a:p>
           </p:txBody>
         </p:sp>
@@ -15910,7 +17033,7 @@
             </a:ln>
             <a:extLst>
               <a:ext uri="{91240B29-F687-4f45-9708-019B960494DF}">
-                <a14:hiddenLine xmlns="" xmlns:a14="http://schemas.microsoft.com/office/drawing/2010/main" w="9525">
+                <a14:hiddenLine xmlns:a14="http://schemas.microsoft.com/office/drawing/2010/main" xmlns="" w="9525">
                   <a:solidFill>
                     <a:srgbClr val="000000"/>
                   </a:solidFill>
@@ -15929,7 +17052,7 @@
             </a:bodyPr>
             <a:lstStyle/>
             <a:p>
-              <a:endParaRPr lang="en-US" sz="1227"/>
+              <a:endParaRPr lang="en-US" sz="1227" dirty="0"/>
             </a:p>
           </p:txBody>
         </p:sp>
@@ -15948,7 +17071,7 @@
         </p:nvGrpSpPr>
         <p:grpSpPr>
           <a:xfrm>
-            <a:off x="8032881" y="2447748"/>
+            <a:off x="8470197" y="2447748"/>
             <a:ext cx="271126" cy="247514"/>
             <a:chOff x="8153400" y="1301750"/>
             <a:chExt cx="558800" cy="539750"/>
@@ -16402,7 +17525,7 @@
             </a:ln>
             <a:extLst>
               <a:ext uri="{91240B29-F687-4f45-9708-019B960494DF}">
-                <a14:hiddenLine xmlns="" xmlns:a14="http://schemas.microsoft.com/office/drawing/2010/main" w="9525">
+                <a14:hiddenLine xmlns:a14="http://schemas.microsoft.com/office/drawing/2010/main" xmlns="" w="9525">
                   <a:solidFill>
                     <a:srgbClr val="000000"/>
                   </a:solidFill>
@@ -16421,7 +17544,7 @@
             </a:bodyPr>
             <a:lstStyle/>
             <a:p>
-              <a:endParaRPr lang="en-US" sz="1227"/>
+              <a:endParaRPr lang="en-US" sz="1227" dirty="0"/>
             </a:p>
           </p:txBody>
         </p:sp>
@@ -16514,7 +17637,7 @@
             </a:ln>
             <a:extLst>
               <a:ext uri="{91240B29-F687-4f45-9708-019B960494DF}">
-                <a14:hiddenLine xmlns="" xmlns:a14="http://schemas.microsoft.com/office/drawing/2010/main" w="9525">
+                <a14:hiddenLine xmlns:a14="http://schemas.microsoft.com/office/drawing/2010/main" xmlns="" w="9525">
                   <a:solidFill>
                     <a:srgbClr val="000000"/>
                   </a:solidFill>
@@ -16533,7 +17656,7 @@
             </a:bodyPr>
             <a:lstStyle/>
             <a:p>
-              <a:endParaRPr lang="en-US" sz="1227"/>
+              <a:endParaRPr lang="en-US" sz="1227" dirty="0"/>
             </a:p>
           </p:txBody>
         </p:sp>
@@ -17066,7 +18189,7 @@
             </a:ln>
             <a:extLst>
               <a:ext uri="{91240B29-F687-4f45-9708-019B960494DF}">
-                <a14:hiddenLine xmlns="" xmlns:a14="http://schemas.microsoft.com/office/drawing/2010/main" w="9525">
+                <a14:hiddenLine xmlns:a14="http://schemas.microsoft.com/office/drawing/2010/main" xmlns="" w="9525">
                   <a:solidFill>
                     <a:srgbClr val="000000"/>
                   </a:solidFill>
@@ -17085,7 +18208,7 @@
             </a:bodyPr>
             <a:lstStyle/>
             <a:p>
-              <a:endParaRPr lang="en-US" sz="1227"/>
+              <a:endParaRPr lang="en-US" sz="1227" dirty="0"/>
             </a:p>
           </p:txBody>
         </p:sp>
@@ -17104,7 +18227,7 @@
         </p:nvSpPr>
         <p:spPr>
           <a:xfrm>
-            <a:off x="5528897" y="3101686"/>
+            <a:off x="5966213" y="3101686"/>
             <a:ext cx="2980977" cy="261713"/>
           </a:xfrm>
           <a:prstGeom prst="roundRect">
@@ -17136,7 +18259,7 @@
           <a:p>
             <a:pPr algn="ctr"/>
             <a:r>
-              <a:rPr lang="en-US" sz="1227"/>
+              <a:rPr lang="en-US" sz="1227" dirty="0"/>
               <a:t>Reports &amp; Dashboards</a:t>
             </a:r>
           </a:p>
@@ -17158,7 +18281,7 @@
         </p:nvGrpSpPr>
         <p:grpSpPr>
           <a:xfrm>
-            <a:off x="5604153" y="3131756"/>
+            <a:off x="6041469" y="3131756"/>
             <a:ext cx="258053" cy="184098"/>
             <a:chOff x="1743075" y="7188200"/>
             <a:chExt cx="520700" cy="371475"/>
@@ -17353,7 +18476,7 @@
             </a:ln>
             <a:extLst>
               <a:ext uri="{91240B29-F687-4f45-9708-019B960494DF}">
-                <a14:hiddenLine xmlns="" xmlns:a14="http://schemas.microsoft.com/office/drawing/2010/main" w="9525">
+                <a14:hiddenLine xmlns:a14="http://schemas.microsoft.com/office/drawing/2010/main" xmlns="" w="9525">
                   <a:solidFill>
                     <a:srgbClr val="000000"/>
                   </a:solidFill>
@@ -17372,7 +18495,7 @@
             </a:bodyPr>
             <a:lstStyle/>
             <a:p>
-              <a:endParaRPr lang="en-US" sz="1227"/>
+              <a:endParaRPr lang="en-US" sz="1227" dirty="0"/>
             </a:p>
           </p:txBody>
         </p:sp>
@@ -17672,7 +18795,7 @@
             </a:ln>
             <a:extLst>
               <a:ext uri="{91240B29-F687-4f45-9708-019B960494DF}">
-                <a14:hiddenLine xmlns="" xmlns:a14="http://schemas.microsoft.com/office/drawing/2010/main" w="9525">
+                <a14:hiddenLine xmlns:a14="http://schemas.microsoft.com/office/drawing/2010/main" xmlns="" w="9525">
                   <a:solidFill>
                     <a:srgbClr val="000000"/>
                   </a:solidFill>
@@ -17691,7 +18814,7 @@
             </a:bodyPr>
             <a:lstStyle/>
             <a:p>
-              <a:endParaRPr lang="en-US" sz="1227"/>
+              <a:endParaRPr lang="en-US" sz="1227" dirty="0"/>
             </a:p>
           </p:txBody>
         </p:sp>
@@ -18044,7 +19167,7 @@
             </a:ln>
             <a:extLst>
               <a:ext uri="{91240B29-F687-4f45-9708-019B960494DF}">
-                <a14:hiddenLine xmlns="" xmlns:a14="http://schemas.microsoft.com/office/drawing/2010/main" w="9525">
+                <a14:hiddenLine xmlns:a14="http://schemas.microsoft.com/office/drawing/2010/main" xmlns="" w="9525">
                   <a:solidFill>
                     <a:srgbClr val="000000"/>
                   </a:solidFill>
@@ -18063,7 +19186,7 @@
             </a:bodyPr>
             <a:lstStyle/>
             <a:p>
-              <a:endParaRPr lang="en-US" sz="1227"/>
+              <a:endParaRPr lang="en-US" sz="1227" dirty="0"/>
             </a:p>
           </p:txBody>
         </p:sp>
@@ -18082,7 +19205,7 @@
         </p:nvSpPr>
         <p:spPr>
           <a:xfrm>
-            <a:off x="5841722" y="1956533"/>
+            <a:off x="6279038" y="1956533"/>
             <a:ext cx="2320494" cy="261713"/>
           </a:xfrm>
           <a:prstGeom prst="roundRect">
@@ -18134,7 +19257,7 @@
         </p:nvSpPr>
         <p:spPr>
           <a:xfrm rot="16200000">
-            <a:off x="8058079" y="2575631"/>
+            <a:off x="8495395" y="2575631"/>
             <a:ext cx="1490187" cy="360206"/>
           </a:xfrm>
           <a:prstGeom prst="roundRect">
@@ -18186,7 +19309,7 @@
         </p:nvGrpSpPr>
         <p:grpSpPr>
           <a:xfrm>
-            <a:off x="9847414" y="2322368"/>
+            <a:off x="10284730" y="2322368"/>
             <a:ext cx="339870" cy="336623"/>
             <a:chOff x="4360863" y="1784350"/>
             <a:chExt cx="498476" cy="493713"/>
@@ -18381,7 +19504,7 @@
             </a:ln>
             <a:extLst>
               <a:ext uri="{91240B29-F687-4f45-9708-019B960494DF}">
-                <a14:hiddenLine xmlns="" xmlns:a14="http://schemas.microsoft.com/office/drawing/2010/main" w="9525">
+                <a14:hiddenLine xmlns:a14="http://schemas.microsoft.com/office/drawing/2010/main" xmlns="" w="9525">
                   <a:solidFill>
                     <a:srgbClr val="000000"/>
                   </a:solidFill>
@@ -18400,7 +19523,7 @@
             </a:bodyPr>
             <a:lstStyle/>
             <a:p>
-              <a:endParaRPr lang="en-US" sz="1227"/>
+              <a:endParaRPr lang="en-US" sz="1227" dirty="0"/>
             </a:p>
           </p:txBody>
         </p:sp>
@@ -18583,7 +19706,7 @@
             </a:ln>
             <a:extLst>
               <a:ext uri="{91240B29-F687-4f45-9708-019B960494DF}">
-                <a14:hiddenLine xmlns="" xmlns:a14="http://schemas.microsoft.com/office/drawing/2010/main" w="9525">
+                <a14:hiddenLine xmlns:a14="http://schemas.microsoft.com/office/drawing/2010/main" xmlns="" w="9525">
                   <a:solidFill>
                     <a:srgbClr val="000000"/>
                   </a:solidFill>
@@ -18602,7 +19725,7 @@
             </a:bodyPr>
             <a:lstStyle/>
             <a:p>
-              <a:endParaRPr lang="en-US" sz="1227"/>
+              <a:endParaRPr lang="en-US" sz="1227" dirty="0"/>
             </a:p>
           </p:txBody>
         </p:sp>
@@ -19025,7 +20148,7 @@
             </a:ln>
             <a:extLst>
               <a:ext uri="{91240B29-F687-4f45-9708-019B960494DF}">
-                <a14:hiddenLine xmlns="" xmlns:a14="http://schemas.microsoft.com/office/drawing/2010/main" w="9525">
+                <a14:hiddenLine xmlns:a14="http://schemas.microsoft.com/office/drawing/2010/main" xmlns="" w="9525">
                   <a:solidFill>
                     <a:srgbClr val="000000"/>
                   </a:solidFill>
@@ -19044,7 +20167,7 @@
             </a:bodyPr>
             <a:lstStyle/>
             <a:p>
-              <a:endParaRPr lang="en-US" sz="1227"/>
+              <a:endParaRPr lang="en-US" sz="1227" dirty="0"/>
             </a:p>
           </p:txBody>
         </p:sp>
@@ -19236,7 +20359,7 @@
             </a:ln>
             <a:extLst>
               <a:ext uri="{91240B29-F687-4f45-9708-019B960494DF}">
-                <a14:hiddenLine xmlns="" xmlns:a14="http://schemas.microsoft.com/office/drawing/2010/main" w="9525">
+                <a14:hiddenLine xmlns:a14="http://schemas.microsoft.com/office/drawing/2010/main" xmlns="" w="9525">
                   <a:solidFill>
                     <a:srgbClr val="000000"/>
                   </a:solidFill>
@@ -19255,7 +20378,7 @@
             </a:bodyPr>
             <a:lstStyle/>
             <a:p>
-              <a:endParaRPr lang="en-US" sz="1227"/>
+              <a:endParaRPr lang="en-US" sz="1227" dirty="0"/>
             </a:p>
           </p:txBody>
         </p:sp>
@@ -19386,7 +20509,7 @@
             </a:ln>
             <a:extLst>
               <a:ext uri="{91240B29-F687-4f45-9708-019B960494DF}">
-                <a14:hiddenLine xmlns="" xmlns:a14="http://schemas.microsoft.com/office/drawing/2010/main" w="9525">
+                <a14:hiddenLine xmlns:a14="http://schemas.microsoft.com/office/drawing/2010/main" xmlns="" w="9525">
                   <a:solidFill>
                     <a:srgbClr val="000000"/>
                   </a:solidFill>
@@ -19405,7 +20528,7 @@
             </a:bodyPr>
             <a:lstStyle/>
             <a:p>
-              <a:endParaRPr lang="en-US" sz="1227"/>
+              <a:endParaRPr lang="en-US" sz="1227" dirty="0"/>
             </a:p>
           </p:txBody>
         </p:sp>
@@ -19528,7 +20651,7 @@
             </a:ln>
             <a:extLst>
               <a:ext uri="{91240B29-F687-4f45-9708-019B960494DF}">
-                <a14:hiddenLine xmlns="" xmlns:a14="http://schemas.microsoft.com/office/drawing/2010/main" w="9525">
+                <a14:hiddenLine xmlns:a14="http://schemas.microsoft.com/office/drawing/2010/main" xmlns="" w="9525">
                   <a:solidFill>
                     <a:srgbClr val="000000"/>
                   </a:solidFill>
@@ -19547,7 +20670,7 @@
             </a:bodyPr>
             <a:lstStyle/>
             <a:p>
-              <a:endParaRPr lang="en-US" sz="1227"/>
+              <a:endParaRPr lang="en-US" sz="1227" dirty="0"/>
             </a:p>
           </p:txBody>
         </p:sp>
@@ -19568,7 +20691,7 @@
         </p:nvGrpSpPr>
         <p:grpSpPr>
           <a:xfrm>
-            <a:off x="9291205" y="2657596"/>
+            <a:off x="9728521" y="2657596"/>
             <a:ext cx="222440" cy="220909"/>
             <a:chOff x="8991601" y="7164388"/>
             <a:chExt cx="461963" cy="458787"/>
@@ -19761,7 +20884,7 @@
             </a:ln>
             <a:extLst>
               <a:ext uri="{91240B29-F687-4f45-9708-019B960494DF}">
-                <a14:hiddenLine xmlns="" xmlns:a14="http://schemas.microsoft.com/office/drawing/2010/main" w="9525">
+                <a14:hiddenLine xmlns:a14="http://schemas.microsoft.com/office/drawing/2010/main" xmlns="" w="9525">
                   <a:solidFill>
                     <a:srgbClr val="000000"/>
                   </a:solidFill>
@@ -19780,7 +20903,7 @@
             </a:bodyPr>
             <a:lstStyle/>
             <a:p>
-              <a:endParaRPr lang="en-US" sz="1227"/>
+              <a:endParaRPr lang="en-US" sz="1227" dirty="0"/>
             </a:p>
           </p:txBody>
         </p:sp>
@@ -20051,7 +21174,7 @@
             </a:ln>
             <a:extLst>
               <a:ext uri="{91240B29-F687-4f45-9708-019B960494DF}">
-                <a14:hiddenLine xmlns="" xmlns:a14="http://schemas.microsoft.com/office/drawing/2010/main" w="9525">
+                <a14:hiddenLine xmlns:a14="http://schemas.microsoft.com/office/drawing/2010/main" xmlns="" w="9525">
                   <a:solidFill>
                     <a:srgbClr val="000000"/>
                   </a:solidFill>
@@ -20070,7 +21193,7 @@
             </a:bodyPr>
             <a:lstStyle/>
             <a:p>
-              <a:endParaRPr lang="en-US" sz="1227"/>
+              <a:endParaRPr lang="en-US" sz="1227" dirty="0"/>
             </a:p>
           </p:txBody>
         </p:sp>
@@ -20091,7 +21214,7 @@
         </p:nvSpPr>
         <p:spPr bwMode="auto">
           <a:xfrm>
-            <a:off x="10230636" y="2324593"/>
+            <a:off x="10667952" y="2324593"/>
             <a:ext cx="323634" cy="327963"/>
           </a:xfrm>
           <a:custGeom>
@@ -20661,7 +21784,7 @@
           </a:ln>
           <a:extLst>
             <a:ext uri="{91240B29-F687-4f45-9708-019B960494DF}">
-              <a14:hiddenLine xmlns="" xmlns:a14="http://schemas.microsoft.com/office/drawing/2010/main" w="9525">
+              <a14:hiddenLine xmlns:a14="http://schemas.microsoft.com/office/drawing/2010/main" xmlns="" w="9525">
                 <a:solidFill>
                   <a:srgbClr val="000000"/>
                 </a:solidFill>
@@ -20680,7 +21803,7 @@
           </a:bodyPr>
           <a:lstStyle/>
           <a:p>
-            <a:endParaRPr lang="en-US" sz="1227"/>
+            <a:endParaRPr lang="en-US" sz="1227" dirty="0"/>
           </a:p>
         </p:txBody>
       </p:sp>
@@ -20700,7 +21823,7 @@
         </p:nvGrpSpPr>
         <p:grpSpPr>
           <a:xfrm>
-            <a:off x="4539021" y="2656664"/>
+            <a:off x="4976337" y="2656664"/>
             <a:ext cx="128229" cy="220909"/>
             <a:chOff x="12606338" y="3622675"/>
             <a:chExt cx="320675" cy="552450"/>
@@ -21056,7 +22179,7 @@
             </a:ln>
             <a:extLst>
               <a:ext uri="{91240B29-F687-4f45-9708-019B960494DF}">
-                <a14:hiddenLine xmlns="" xmlns:a14="http://schemas.microsoft.com/office/drawing/2010/main" w="9525">
+                <a14:hiddenLine xmlns:a14="http://schemas.microsoft.com/office/drawing/2010/main" xmlns="" w="9525">
                   <a:solidFill>
                     <a:srgbClr val="000000"/>
                   </a:solidFill>
@@ -21078,7 +22201,7 @@
               <a:pPr defTabSz="801554">
                 <a:defRPr/>
               </a:pPr>
-              <a:endParaRPr lang="en-US" sz="1568" kern="0">
+              <a:endParaRPr lang="en-US" sz="1568" kern="0" dirty="0">
                 <a:solidFill>
                   <a:prstClr val="black"/>
                 </a:solidFill>
@@ -21224,7 +22347,7 @@
             </a:ln>
             <a:extLst>
               <a:ext uri="{91240B29-F687-4f45-9708-019B960494DF}">
-                <a14:hiddenLine xmlns="" xmlns:a14="http://schemas.microsoft.com/office/drawing/2010/main" w="9525">
+                <a14:hiddenLine xmlns:a14="http://schemas.microsoft.com/office/drawing/2010/main" xmlns="" w="9525">
                   <a:solidFill>
                     <a:srgbClr val="000000"/>
                   </a:solidFill>
@@ -21246,7 +22369,7 @@
               <a:pPr defTabSz="801554">
                 <a:defRPr/>
               </a:pPr>
-              <a:endParaRPr lang="en-US" sz="1568" kern="0">
+              <a:endParaRPr lang="en-US" sz="1568" kern="0" dirty="0">
                 <a:solidFill>
                   <a:prstClr val="black"/>
                 </a:solidFill>
@@ -21271,7 +22394,7 @@
         </p:nvGrpSpPr>
         <p:grpSpPr>
           <a:xfrm>
-            <a:off x="4264626" y="2657130"/>
+            <a:off x="4701942" y="2657130"/>
             <a:ext cx="222440" cy="220909"/>
             <a:chOff x="8991601" y="7164388"/>
             <a:chExt cx="461963" cy="458787"/>
@@ -21464,7 +22587,7 @@
             </a:ln>
             <a:extLst>
               <a:ext uri="{91240B29-F687-4f45-9708-019B960494DF}">
-                <a14:hiddenLine xmlns="" xmlns:a14="http://schemas.microsoft.com/office/drawing/2010/main" w="9525">
+                <a14:hiddenLine xmlns:a14="http://schemas.microsoft.com/office/drawing/2010/main" xmlns="" w="9525">
                   <a:solidFill>
                     <a:srgbClr val="000000"/>
                   </a:solidFill>
@@ -21483,7 +22606,7 @@
             </a:bodyPr>
             <a:lstStyle/>
             <a:p>
-              <a:endParaRPr lang="en-US" sz="1227"/>
+              <a:endParaRPr lang="en-US" sz="1227" dirty="0"/>
             </a:p>
           </p:txBody>
         </p:sp>
@@ -21754,7 +22877,7 @@
             </a:ln>
             <a:extLst>
               <a:ext uri="{91240B29-F687-4f45-9708-019B960494DF}">
-                <a14:hiddenLine xmlns="" xmlns:a14="http://schemas.microsoft.com/office/drawing/2010/main" w="9525">
+                <a14:hiddenLine xmlns:a14="http://schemas.microsoft.com/office/drawing/2010/main" xmlns="" w="9525">
                   <a:solidFill>
                     <a:srgbClr val="000000"/>
                   </a:solidFill>
@@ -21773,7 +22896,7 @@
             </a:bodyPr>
             <a:lstStyle/>
             <a:p>
-              <a:endParaRPr lang="en-US" sz="1227"/>
+              <a:endParaRPr lang="en-US" sz="1227" dirty="0"/>
             </a:p>
           </p:txBody>
         </p:sp>
@@ -21794,7 +22917,7 @@
         </p:nvGrpSpPr>
         <p:grpSpPr>
           <a:xfrm>
-            <a:off x="6870708" y="1546895"/>
+            <a:off x="7308024" y="1546895"/>
             <a:ext cx="128229" cy="220909"/>
             <a:chOff x="12606338" y="3622675"/>
             <a:chExt cx="320675" cy="552450"/>
@@ -22150,7 +23273,7 @@
             </a:ln>
             <a:extLst>
               <a:ext uri="{91240B29-F687-4f45-9708-019B960494DF}">
-                <a14:hiddenLine xmlns="" xmlns:a14="http://schemas.microsoft.com/office/drawing/2010/main" w="9525">
+                <a14:hiddenLine xmlns:a14="http://schemas.microsoft.com/office/drawing/2010/main" xmlns="" w="9525">
                   <a:solidFill>
                     <a:srgbClr val="000000"/>
                   </a:solidFill>
@@ -22172,7 +23295,7 @@
               <a:pPr defTabSz="801554">
                 <a:defRPr/>
               </a:pPr>
-              <a:endParaRPr lang="en-US" sz="1568" kern="0">
+              <a:endParaRPr lang="en-US" sz="1568" kern="0" dirty="0">
                 <a:solidFill>
                   <a:prstClr val="black"/>
                 </a:solidFill>
@@ -22318,7 +23441,7 @@
             </a:ln>
             <a:extLst>
               <a:ext uri="{91240B29-F687-4f45-9708-019B960494DF}">
-                <a14:hiddenLine xmlns="" xmlns:a14="http://schemas.microsoft.com/office/drawing/2010/main" w="9525">
+                <a14:hiddenLine xmlns:a14="http://schemas.microsoft.com/office/drawing/2010/main" xmlns="" w="9525">
                   <a:solidFill>
                     <a:srgbClr val="000000"/>
                   </a:solidFill>
@@ -22340,7 +23463,7 @@
               <a:pPr defTabSz="801554">
                 <a:defRPr/>
               </a:pPr>
-              <a:endParaRPr lang="en-US" sz="1568" kern="0">
+              <a:endParaRPr lang="en-US" sz="1568" kern="0" dirty="0">
                 <a:solidFill>
                   <a:prstClr val="black"/>
                 </a:solidFill>
@@ -22363,7 +23486,7 @@
         </p:nvGrpSpPr>
         <p:grpSpPr>
           <a:xfrm>
-            <a:off x="6720563" y="982949"/>
+            <a:off x="7157879" y="982949"/>
             <a:ext cx="412748" cy="297897"/>
             <a:chOff x="7635876" y="1039813"/>
             <a:chExt cx="547687" cy="395288"/>
@@ -22925,7 +24048,7 @@
             </a:ln>
             <a:extLst>
               <a:ext uri="{91240B29-F687-4f45-9708-019B960494DF}">
-                <a14:hiddenLine xmlns="" xmlns:a14="http://schemas.microsoft.com/office/drawing/2010/main" w="9525">
+                <a14:hiddenLine xmlns:a14="http://schemas.microsoft.com/office/drawing/2010/main" xmlns="" w="9525">
                   <a:solidFill>
                     <a:srgbClr val="000000"/>
                   </a:solidFill>
@@ -22944,7 +24067,7 @@
             </a:bodyPr>
             <a:lstStyle/>
             <a:p>
-              <a:endParaRPr lang="en-US" sz="1227"/>
+              <a:endParaRPr lang="en-US" sz="1227" dirty="0"/>
             </a:p>
           </p:txBody>
         </p:sp>
@@ -23347,7 +24470,7 @@
             </a:ln>
             <a:extLst>
               <a:ext uri="{91240B29-F687-4f45-9708-019B960494DF}">
-                <a14:hiddenLine xmlns="" xmlns:a14="http://schemas.microsoft.com/office/drawing/2010/main" w="9525">
+                <a14:hiddenLine xmlns:a14="http://schemas.microsoft.com/office/drawing/2010/main" xmlns="" w="9525">
                   <a:solidFill>
                     <a:srgbClr val="000000"/>
                   </a:solidFill>
@@ -23366,7 +24489,7 @@
             </a:bodyPr>
             <a:lstStyle/>
             <a:p>
-              <a:endParaRPr lang="en-US" sz="1227"/>
+              <a:endParaRPr lang="en-US" sz="1227" dirty="0"/>
             </a:p>
           </p:txBody>
         </p:sp>
@@ -23385,7 +24508,7 @@
         </p:nvSpPr>
         <p:spPr>
           <a:xfrm>
-            <a:off x="7231276" y="5370067"/>
+            <a:off x="7668592" y="5370067"/>
             <a:ext cx="1023436" cy="919717"/>
           </a:xfrm>
           <a:prstGeom prst="roundRect">
@@ -23422,7 +24545,7 @@
           <a:p>
             <a:pPr algn="ctr"/>
             <a:r>
-              <a:rPr lang="en-US" sz="1227">
+              <a:rPr lang="en-US" sz="1227" dirty="0">
                 <a:solidFill>
                   <a:schemeClr val="bg1"/>
                 </a:solidFill>
@@ -23450,7 +24573,7 @@
         </p:nvSpPr>
         <p:spPr>
           <a:xfrm>
-            <a:off x="8751651" y="5082118"/>
+            <a:off x="9188967" y="5082118"/>
             <a:ext cx="574583" cy="417273"/>
           </a:xfrm>
           <a:prstGeom prst="can">
@@ -23484,7 +24607,7 @@
           <a:p>
             <a:pPr algn="ctr"/>
             <a:r>
-              <a:rPr lang="en-US" sz="955"/>
+              <a:rPr lang="en-US" sz="955" dirty="0"/>
               <a:t>System 1</a:t>
             </a:r>
           </a:p>
@@ -23506,7 +24629,7 @@
         </p:nvSpPr>
         <p:spPr>
           <a:xfrm>
-            <a:off x="8750958" y="5581741"/>
+            <a:off x="9188274" y="5581741"/>
             <a:ext cx="574583" cy="417273"/>
           </a:xfrm>
           <a:prstGeom prst="can">
@@ -23540,7 +24663,7 @@
           <a:p>
             <a:pPr algn="ctr"/>
             <a:r>
-              <a:rPr lang="en-US" sz="955"/>
+              <a:rPr lang="en-US" sz="955" dirty="0"/>
               <a:t>System 2</a:t>
             </a:r>
           </a:p>
@@ -23562,7 +24685,7 @@
         </p:nvSpPr>
         <p:spPr>
           <a:xfrm>
-            <a:off x="8750958" y="6103875"/>
+            <a:off x="9188274" y="6103875"/>
             <a:ext cx="574583" cy="417273"/>
           </a:xfrm>
           <a:prstGeom prst="can">
@@ -23596,7 +24719,7 @@
           <a:p>
             <a:pPr algn="ctr"/>
             <a:r>
-              <a:rPr lang="en-US" sz="955"/>
+              <a:rPr lang="en-US" sz="955" dirty="0"/>
               <a:t>System 3</a:t>
             </a:r>
           </a:p>
@@ -23616,7 +24739,7 @@
         </p:nvSpPr>
         <p:spPr>
           <a:xfrm>
-            <a:off x="8414571" y="5649958"/>
+            <a:off x="8851887" y="5649958"/>
             <a:ext cx="251003" cy="272075"/>
           </a:xfrm>
           <a:prstGeom prst="leftRightArrow">
@@ -23653,7 +24776,7 @@
           <a:lstStyle/>
           <a:p>
             <a:pPr algn="ctr"/>
-            <a:endParaRPr lang="en-US" sz="1227"/>
+            <a:endParaRPr lang="en-US" sz="1227" dirty="0"/>
           </a:p>
         </p:txBody>
       </p:sp>
@@ -23671,7 +24794,7 @@
         </p:nvSpPr>
         <p:spPr>
           <a:xfrm>
-            <a:off x="5506159" y="5350668"/>
+            <a:off x="5943475" y="5350668"/>
             <a:ext cx="823636" cy="919717"/>
           </a:xfrm>
           <a:prstGeom prst="roundRect">
@@ -23708,7 +24831,7 @@
           <a:p>
             <a:pPr algn="ctr"/>
             <a:r>
-              <a:rPr lang="en-US" sz="1227">
+              <a:rPr lang="en-US" sz="1227" dirty="0">
                 <a:solidFill>
                   <a:schemeClr val="bg1"/>
                 </a:solidFill>
@@ -23721,7 +24844,7 @@
           <a:p>
             <a:pPr algn="ctr"/>
             <a:r>
-              <a:rPr lang="en-US" sz="1227">
+              <a:rPr lang="en-US" sz="1227" dirty="0">
                 <a:solidFill>
                   <a:schemeClr val="bg1"/>
                 </a:solidFill>
@@ -23747,7 +24870,7 @@
         </p:nvSpPr>
         <p:spPr>
           <a:xfrm>
-            <a:off x="6405744" y="5359768"/>
+            <a:off x="6843060" y="5359768"/>
             <a:ext cx="766117" cy="919717"/>
           </a:xfrm>
           <a:prstGeom prst="roundRect">
@@ -23784,7 +24907,7 @@
           <a:p>
             <a:pPr algn="ctr"/>
             <a:r>
-              <a:rPr lang="en-US" sz="1227">
+              <a:rPr lang="en-US" sz="1227" dirty="0">
                 <a:solidFill>
                   <a:schemeClr val="bg1"/>
                 </a:solidFill>
@@ -23810,7 +24933,7 @@
         </p:nvSpPr>
         <p:spPr>
           <a:xfrm>
-            <a:off x="6590006" y="4634349"/>
+            <a:off x="7027322" y="4634349"/>
             <a:ext cx="437726" cy="482077"/>
           </a:xfrm>
           <a:prstGeom prst="upDownArrow">
@@ -23847,7 +24970,7 @@
           <a:lstStyle/>
           <a:p>
             <a:pPr algn="ctr"/>
-            <a:endParaRPr lang="en-US" sz="1227"/>
+            <a:endParaRPr lang="en-US" sz="1227" dirty="0"/>
           </a:p>
         </p:txBody>
       </p:sp>
@@ -23865,7 +24988,7 @@
         </p:nvSpPr>
         <p:spPr>
           <a:xfrm>
-            <a:off x="5013790" y="5359768"/>
+            <a:off x="5451106" y="5359768"/>
             <a:ext cx="397523" cy="919717"/>
           </a:xfrm>
           <a:prstGeom prst="roundRect">
@@ -23902,7 +25025,7 @@
           <a:p>
             <a:pPr algn="ctr"/>
             <a:r>
-              <a:rPr lang="en-US" sz="1091">
+              <a:rPr lang="en-US" sz="1091" dirty="0">
                 <a:solidFill>
                   <a:schemeClr val="bg1"/>
                 </a:solidFill>
@@ -23928,7 +25051,7 @@
         </p:nvSpPr>
         <p:spPr>
           <a:xfrm>
-            <a:off x="419100" y="247650"/>
+            <a:off x="561975" y="247650"/>
             <a:ext cx="11068050" cy="649968"/>
           </a:xfrm>
           <a:prstGeom prst="rect">
@@ -23960,13 +25083,83 @@
           <a:p>
             <a:pPr algn="ctr"/>
             <a:r>
-              <a:rPr lang="en-US" dirty="0">
+              <a:rPr lang="en-US" sz="2800" dirty="0">
                 <a:solidFill>
                   <a:schemeClr val="tx1"/>
                 </a:solidFill>
+                <a:latin typeface="Bookman Old Style" panose="02050604050505020204" pitchFamily="18" charset="0"/>
               </a:rPr>
-              <a:t>High Level Solution Architecture</a:t>
+              <a:t>H</a:t>
             </a:r>
+            <a:r>
+              <a:rPr lang="en-US" sz="2400" dirty="0">
+                <a:solidFill>
+                  <a:schemeClr val="tx1"/>
+                </a:solidFill>
+                <a:latin typeface="Bookman Old Style" panose="02050604050505020204" pitchFamily="18" charset="0"/>
+              </a:rPr>
+              <a:t>IGH</a:t>
+            </a:r>
+            <a:r>
+              <a:rPr lang="en-US" sz="2800" dirty="0">
+                <a:solidFill>
+                  <a:schemeClr val="tx1"/>
+                </a:solidFill>
+                <a:latin typeface="Bookman Old Style" panose="02050604050505020204" pitchFamily="18" charset="0"/>
+              </a:rPr>
+              <a:t> L</a:t>
+            </a:r>
+            <a:r>
+              <a:rPr lang="en-US" sz="2400" dirty="0">
+                <a:solidFill>
+                  <a:schemeClr val="tx1"/>
+                </a:solidFill>
+                <a:latin typeface="Bookman Old Style" panose="02050604050505020204" pitchFamily="18" charset="0"/>
+              </a:rPr>
+              <a:t>EVEL</a:t>
+            </a:r>
+            <a:r>
+              <a:rPr lang="en-US" sz="2800" dirty="0">
+                <a:solidFill>
+                  <a:schemeClr val="tx1"/>
+                </a:solidFill>
+                <a:latin typeface="Bookman Old Style" panose="02050604050505020204" pitchFamily="18" charset="0"/>
+              </a:rPr>
+              <a:t> S</a:t>
+            </a:r>
+            <a:r>
+              <a:rPr lang="en-US" sz="2400" dirty="0">
+                <a:solidFill>
+                  <a:schemeClr val="tx1"/>
+                </a:solidFill>
+                <a:latin typeface="Bookman Old Style" panose="02050604050505020204" pitchFamily="18" charset="0"/>
+              </a:rPr>
+              <a:t>OLUTION</a:t>
+            </a:r>
+            <a:r>
+              <a:rPr lang="en-US" sz="2800" dirty="0">
+                <a:solidFill>
+                  <a:schemeClr val="tx1"/>
+                </a:solidFill>
+                <a:latin typeface="Bookman Old Style" panose="02050604050505020204" pitchFamily="18" charset="0"/>
+              </a:rPr>
+              <a:t> A</a:t>
+            </a:r>
+            <a:r>
+              <a:rPr lang="en-US" sz="2400" dirty="0">
+                <a:solidFill>
+                  <a:schemeClr val="tx1"/>
+                </a:solidFill>
+                <a:latin typeface="Bookman Old Style" panose="02050604050505020204" pitchFamily="18" charset="0"/>
+              </a:rPr>
+              <a:t>RCHITECHTURE</a:t>
+            </a:r>
+            <a:endParaRPr lang="en-US" sz="2800" dirty="0">
+              <a:solidFill>
+                <a:schemeClr val="tx1"/>
+              </a:solidFill>
+              <a:latin typeface="Bookman Old Style" panose="02050604050505020204" pitchFamily="18" charset="0"/>
+            </a:endParaRPr>
           </a:p>
         </p:txBody>
       </p:sp>
@@ -23984,14 +25177,27 @@
         </p:nvSpPr>
         <p:spPr>
           <a:xfrm>
-            <a:off x="14704" y="1198195"/>
+            <a:off x="249360" y="1709584"/>
             <a:ext cx="3118436" cy="3754874"/>
           </a:xfrm>
           <a:prstGeom prst="rect">
             <a:avLst/>
           </a:prstGeom>
-          <a:noFill/>
         </p:spPr>
+        <p:style>
+          <a:lnRef idx="2">
+            <a:schemeClr val="accent1"/>
+          </a:lnRef>
+          <a:fillRef idx="1">
+            <a:schemeClr val="lt1"/>
+          </a:fillRef>
+          <a:effectRef idx="0">
+            <a:schemeClr val="accent1"/>
+          </a:effectRef>
+          <a:fontRef idx="minor">
+            <a:schemeClr val="dk1"/>
+          </a:fontRef>
+        </p:style>
         <p:txBody>
           <a:bodyPr wrap="square" rtlCol="0">
             <a:spAutoFit/>
@@ -23999,7 +25205,9 @@
           <a:lstStyle/>
           <a:p>
             <a:r>
-              <a:rPr lang="en-US" sz="1400" b="1" u="sng" dirty="0"/>
+              <a:rPr lang="en-US" sz="1400" b="1" u="sng" dirty="0">
+                <a:latin typeface="Candara" panose="020E0502030303020204" pitchFamily="34" charset="0"/>
+              </a:rPr>
               <a:t>Assumptions</a:t>
             </a:r>
           </a:p>
@@ -24009,7 +25217,9 @@
               <a:buAutoNum type="arabicPeriod"/>
             </a:pPr>
             <a:r>
-              <a:rPr lang="en-US" sz="1400" dirty="0"/>
+              <a:rPr lang="en-US" sz="1400" dirty="0">
+                <a:latin typeface="Candara" panose="020E0502030303020204" pitchFamily="34" charset="0"/>
+              </a:rPr>
               <a:t>Mulesoft is the assumed middleware</a:t>
             </a:r>
           </a:p>
@@ -24019,7 +25229,9 @@
               <a:buAutoNum type="arabicPeriod"/>
             </a:pPr>
             <a:r>
-              <a:rPr lang="en-US" sz="1400" dirty="0"/>
+              <a:rPr lang="en-US" sz="1400" dirty="0">
+                <a:latin typeface="Candara" panose="020E0502030303020204" pitchFamily="34" charset="0"/>
+              </a:rPr>
               <a:t>SF Mobile Publisher will be used for mobile app and the same community will be used in desktop view for clients</a:t>
             </a:r>
           </a:p>
@@ -24029,7 +25241,9 @@
               <a:buAutoNum type="arabicPeriod"/>
             </a:pPr>
             <a:r>
-              <a:rPr lang="en-US" sz="1400" dirty="0"/>
+              <a:rPr lang="en-US" sz="1400" dirty="0">
+                <a:latin typeface="Candara" panose="020E0502030303020204" pitchFamily="34" charset="0"/>
+              </a:rPr>
               <a:t>For operators we can either use customer or partner community</a:t>
             </a:r>
           </a:p>
@@ -24039,7 +25253,9 @@
               <a:buAutoNum type="arabicPeriod"/>
             </a:pPr>
             <a:r>
-              <a:rPr lang="en-US" sz="1400" dirty="0"/>
+              <a:rPr lang="en-US" sz="1400" dirty="0">
+                <a:latin typeface="Candara" panose="020E0502030303020204" pitchFamily="34" charset="0"/>
+              </a:rPr>
               <a:t>Admins will use backend Lighting experience application</a:t>
             </a:r>
           </a:p>
@@ -24049,7 +25265,9 @@
               <a:buAutoNum type="arabicPeriod"/>
             </a:pPr>
             <a:r>
-              <a:rPr lang="en-US" sz="1400" dirty="0"/>
+              <a:rPr lang="en-US" sz="1400" dirty="0">
+                <a:latin typeface="Candara" panose="020E0502030303020204" pitchFamily="34" charset="0"/>
+              </a:rPr>
               <a:t>External payment gateway will be used for clients to  make payments</a:t>
             </a:r>
           </a:p>
@@ -24059,19 +25277,16 @@
               <a:buAutoNum type="arabicPeriod"/>
             </a:pPr>
             <a:r>
-              <a:rPr lang="en-US" sz="1400" dirty="0"/>
+              <a:rPr lang="en-US" sz="1400" dirty="0">
+                <a:latin typeface="Candara" panose="020E0502030303020204" pitchFamily="34" charset="0"/>
+              </a:rPr>
               <a:t>A very basic pricing for tickets has been used as part of this use case</a:t>
             </a:r>
           </a:p>
           <a:p>
-            <a:endParaRPr lang="en-US" sz="1400" dirty="0"/>
-          </a:p>
-          <a:p>
-            <a:pPr marL="285750" indent="-285750">
-              <a:buFont typeface="Arial" panose="020B0604020202020204" pitchFamily="34" charset="0"/>
-              <a:buChar char="•"/>
-            </a:pPr>
-            <a:endParaRPr lang="en-US" sz="1400" dirty="0"/>
+            <a:endParaRPr lang="en-US" sz="1400" dirty="0">
+              <a:latin typeface="Candara" panose="020E0502030303020204" pitchFamily="34" charset="0"/>
+            </a:endParaRPr>
           </a:p>
         </p:txBody>
       </p:sp>
@@ -24089,7 +25304,7 @@
         </p:nvSpPr>
         <p:spPr>
           <a:xfrm>
-            <a:off x="7221751" y="1544534"/>
+            <a:off x="7659067" y="1544534"/>
             <a:ext cx="1239442" cy="246221"/>
           </a:xfrm>
           <a:prstGeom prst="rect">
@@ -24098,7 +25313,7 @@
           <a:noFill/>
         </p:spPr>
         <p:txBody>
-          <a:bodyPr wrap="none" rtlCol="0">
+          <a:bodyPr wrap="square" rtlCol="0">
             <a:spAutoFit/>
           </a:bodyPr>
           <a:lstStyle/>
@@ -24124,7 +25339,7 @@
         </p:nvSpPr>
         <p:spPr>
           <a:xfrm>
-            <a:off x="5506439" y="2301206"/>
+            <a:off x="5943755" y="2301206"/>
             <a:ext cx="2868924" cy="666704"/>
           </a:xfrm>
           <a:prstGeom prst="rect">
@@ -24187,6 +25402,11 @@
 <file path=ppt/slides/slide5.xml><?xml version="1.0" encoding="utf-8"?>
 <p:sld xmlns:a="http://schemas.openxmlformats.org/drawingml/2006/main" xmlns:r="http://schemas.openxmlformats.org/officeDocument/2006/relationships" xmlns:p="http://schemas.openxmlformats.org/presentationml/2006/main">
   <p:cSld>
+    <p:bg>
+      <p:bgRef idx="1001">
+        <a:schemeClr val="bg1"/>
+      </p:bgRef>
+    </p:bg>
     <p:spTree>
       <p:nvGrpSpPr>
         <p:cNvPr id="1" name=""/>
@@ -24217,14 +25437,64 @@
             <p:ph type="title"/>
           </p:nvPr>
         </p:nvSpPr>
-        <p:spPr/>
+        <p:spPr>
+          <a:xfrm>
+            <a:off x="838200" y="335309"/>
+            <a:ext cx="10515600" cy="589030"/>
+          </a:xfrm>
+        </p:spPr>
+        <p:style>
+          <a:lnRef idx="2">
+            <a:schemeClr val="accent1"/>
+          </a:lnRef>
+          <a:fillRef idx="1">
+            <a:schemeClr val="lt1"/>
+          </a:fillRef>
+          <a:effectRef idx="0">
+            <a:schemeClr val="accent1"/>
+          </a:effectRef>
+          <a:fontRef idx="minor">
+            <a:schemeClr val="dk1"/>
+          </a:fontRef>
+        </p:style>
         <p:txBody>
-          <a:bodyPr/>
+          <a:bodyPr>
+            <a:normAutofit/>
+          </a:bodyPr>
           <a:lstStyle/>
           <a:p>
+            <a:pPr algn="ctr"/>
             <a:r>
-              <a:rPr lang="en-US" dirty="0"/>
-              <a:t>Actors/Persona</a:t>
+              <a:rPr lang="en-US" sz="2800" dirty="0">
+                <a:latin typeface="Bookman Old Style" panose="02050604050505020204" pitchFamily="18" charset="0"/>
+                <a:ea typeface="+mn-ea"/>
+                <a:cs typeface="+mn-cs"/>
+              </a:rPr>
+              <a:t>A</a:t>
+            </a:r>
+            <a:r>
+              <a:rPr lang="en-US" sz="2400" dirty="0">
+                <a:latin typeface="Bookman Old Style" panose="02050604050505020204" pitchFamily="18" charset="0"/>
+                <a:ea typeface="+mn-ea"/>
+                <a:cs typeface="+mn-cs"/>
+              </a:rPr>
+              <a:t>CTORS/</a:t>
+            </a:r>
+            <a:r>
+              <a:rPr lang="en-US" sz="2800" dirty="0">
+                <a:latin typeface="Bookman Old Style" panose="02050604050505020204" pitchFamily="18" charset="0"/>
+                <a:ea typeface="+mn-ea"/>
+                <a:cs typeface="+mn-cs"/>
+              </a:rPr>
+              <a:t>P</a:t>
+            </a:r>
+            <a:r>
+              <a:rPr lang="en-US" sz="2400" dirty="0">
+                <a:latin typeface="Bookman Old Style" panose="02050604050505020204" pitchFamily="18" charset="0"/>
+                <a:ea typeface="+mn-ea"/>
+                <a:cs typeface="+mn-cs"/>
+              </a:rPr>
+              <a:t>ERSONA</a:t>
             </a:r>
           </a:p>
         </p:txBody>
@@ -24245,13 +25515,13 @@
             <p:ph idx="1"/>
             <p:extLst>
               <p:ext uri="{D42A27DB-BD31-4B8C-83A1-F6EECF244321}">
-                <p14:modId xmlns:p14="http://schemas.microsoft.com/office/powerpoint/2010/main" val="1761676780"/>
+                <p14:modId xmlns:p14="http://schemas.microsoft.com/office/powerpoint/2010/main" val="221003972"/>
               </p:ext>
             </p:extLst>
           </p:nvPr>
         </p:nvGraphicFramePr>
         <p:xfrm>
-          <a:off x="838200" y="1825625"/>
+          <a:off x="838197" y="1734820"/>
           <a:ext cx="10515597" cy="3388360"/>
         </p:xfrm>
         <a:graphic>
@@ -24289,8 +25559,11 @@
                     <a:bodyPr/>
                     <a:lstStyle/>
                     <a:p>
+                      <a:pPr algn="ctr"/>
                       <a:r>
-                        <a:rPr lang="en-US" dirty="0"/>
+                        <a:rPr lang="en-US" dirty="0">
+                          <a:latin typeface="Candara" panose="020E0502030303020204" pitchFamily="34" charset="0"/>
+                        </a:rPr>
                         <a:t>Actors</a:t>
                       </a:r>
                     </a:p>
@@ -24302,8 +25575,11 @@
                     <a:bodyPr/>
                     <a:lstStyle/>
                     <a:p>
+                      <a:pPr algn="ctr"/>
                       <a:r>
-                        <a:rPr lang="en-US" dirty="0"/>
+                        <a:rPr lang="en-US" dirty="0">
+                          <a:latin typeface="Candara" panose="020E0502030303020204" pitchFamily="34" charset="0"/>
+                        </a:rPr>
                         <a:t>Functions</a:t>
                       </a:r>
                     </a:p>
@@ -24315,8 +25591,11 @@
                     <a:bodyPr/>
                     <a:lstStyle/>
                     <a:p>
+                      <a:pPr algn="ctr"/>
                       <a:r>
-                        <a:rPr lang="en-US" dirty="0"/>
+                        <a:rPr lang="en-US" dirty="0">
+                          <a:latin typeface="Candara" panose="020E0502030303020204" pitchFamily="34" charset="0"/>
+                        </a:rPr>
                         <a:t>Proposed License</a:t>
                       </a:r>
                     </a:p>
@@ -24336,7 +25615,9 @@
                     <a:lstStyle/>
                     <a:p>
                       <a:r>
-                        <a:rPr lang="en-US" dirty="0"/>
+                        <a:rPr lang="en-US" sz="1800" dirty="0">
+                          <a:latin typeface="+mn-lt"/>
+                        </a:rPr>
                         <a:t>End User(Current State)</a:t>
                       </a:r>
                     </a:p>
@@ -24353,7 +25634,9 @@
                         <a:buAutoNum type="arabicPeriod"/>
                       </a:pPr>
                       <a:r>
-                        <a:rPr lang="en-US" dirty="0"/>
+                        <a:rPr lang="en-US" sz="1800" dirty="0">
+                          <a:latin typeface="+mn-lt"/>
+                        </a:rPr>
                         <a:t>Ticket Booking</a:t>
                       </a:r>
                     </a:p>
@@ -24363,7 +25646,9 @@
                         <a:buAutoNum type="arabicPeriod"/>
                       </a:pPr>
                       <a:r>
-                        <a:rPr lang="en-US" dirty="0"/>
+                        <a:rPr lang="en-US" sz="1800" dirty="0">
+                          <a:latin typeface="+mn-lt"/>
+                        </a:rPr>
                         <a:t>Ticket Notifications</a:t>
                       </a:r>
                     </a:p>
@@ -24373,7 +25658,9 @@
                         <a:buAutoNum type="arabicPeriod"/>
                       </a:pPr>
                       <a:r>
-                        <a:rPr lang="en-US" dirty="0"/>
+                        <a:rPr lang="en-US" sz="1800" dirty="0">
+                          <a:latin typeface="+mn-lt"/>
+                        </a:rPr>
                         <a:t>Ticket Payment through preferred payment method</a:t>
                       </a:r>
                     </a:p>
@@ -24386,7 +25673,9 @@
                     <a:lstStyle/>
                     <a:p>
                       <a:r>
-                        <a:rPr lang="en-US" dirty="0"/>
+                        <a:rPr lang="en-US" sz="1800" dirty="0">
+                          <a:latin typeface="+mn-lt"/>
+                        </a:rPr>
                         <a:t>Customer Community(Login based License)</a:t>
                       </a:r>
                     </a:p>
@@ -24406,7 +25695,9 @@
                     <a:lstStyle/>
                     <a:p>
                       <a:r>
-                        <a:rPr lang="en-US" dirty="0"/>
+                        <a:rPr lang="en-US" sz="1800" dirty="0">
+                          <a:latin typeface="+mn-lt"/>
+                        </a:rPr>
                         <a:t>Admin(Current State)</a:t>
                       </a:r>
                     </a:p>
@@ -24418,15 +25709,21 @@
                     <a:bodyPr/>
                     <a:lstStyle/>
                     <a:p>
+                      <a:pPr marL="347663" indent="-347663"/>
                       <a:r>
-                        <a:rPr lang="en-US" dirty="0"/>
-                        <a:t>1.Create Bus Trips and create list of customers</a:t>
+                        <a:rPr lang="en-US" sz="1800" dirty="0">
+                          <a:latin typeface="+mn-lt"/>
+                        </a:rPr>
+                        <a:t>1.   Create Bus Trips and create list of customers</a:t>
                       </a:r>
                     </a:p>
                     <a:p>
+                      <a:pPr marL="347663" indent="-347663"/>
                       <a:r>
-                        <a:rPr lang="en-US" dirty="0"/>
-                        <a:t>2.Cancel Bus Trip</a:t>
+                        <a:rPr lang="en-US" sz="1800" dirty="0">
+                          <a:latin typeface="+mn-lt"/>
+                        </a:rPr>
+                        <a:t>2.   Cancel Bus Trip</a:t>
                       </a:r>
                     </a:p>
                   </a:txBody>
@@ -24438,7 +25735,9 @@
                     <a:lstStyle/>
                     <a:p>
                       <a:r>
-                        <a:rPr lang="en-US" dirty="0"/>
+                        <a:rPr lang="en-US" sz="1800" dirty="0">
+                          <a:latin typeface="+mn-lt"/>
+                        </a:rPr>
                         <a:t>Platform License(Lightning Experience App)</a:t>
                       </a:r>
                     </a:p>
@@ -24458,7 +25757,9 @@
                     <a:lstStyle/>
                     <a:p>
                       <a:r>
-                        <a:rPr lang="en-US" dirty="0"/>
+                        <a:rPr lang="en-US" sz="1800" dirty="0">
+                          <a:latin typeface="+mn-lt"/>
+                        </a:rPr>
                         <a:t>Operator Users(Future State)</a:t>
                       </a:r>
                     </a:p>
@@ -24470,21 +25771,51 @@
                     <a:bodyPr/>
                     <a:lstStyle/>
                     <a:p>
+                      <a:pPr marL="288925" indent="-288925"/>
                       <a:r>
-                        <a:rPr lang="en-US" dirty="0"/>
-                        <a:t>1.Manage Operator Routes</a:t>
+                        <a:rPr lang="en-US" sz="1800" dirty="0">
+                          <a:latin typeface="+mn-lt"/>
+                        </a:rPr>
+                        <a:t>1.   </a:t>
+                      </a:r>
+                      <a:r>
+                        <a:rPr lang="en-US" sz="1800" kern="1200" dirty="0">
+                          <a:solidFill>
+                            <a:schemeClr val="dk1"/>
+                          </a:solidFill>
+                          <a:latin typeface="+mn-lt"/>
+                          <a:ea typeface="+mn-ea"/>
+                          <a:cs typeface="+mn-cs"/>
+                        </a:rPr>
+                        <a:t>Manage Operator Routes</a:t>
                       </a:r>
                     </a:p>
                     <a:p>
+                      <a:pPr marL="288925" indent="-288925"/>
                       <a:r>
-                        <a:rPr lang="en-US" dirty="0"/>
-                        <a:t>2.Manage Operator Stops</a:t>
+                        <a:rPr lang="en-US" sz="1800" kern="1200" dirty="0">
+                          <a:solidFill>
+                            <a:schemeClr val="dk1"/>
+                          </a:solidFill>
+                          <a:latin typeface="+mn-lt"/>
+                          <a:ea typeface="+mn-ea"/>
+                          <a:cs typeface="+mn-cs"/>
+                        </a:rPr>
+                        <a:t>2.   Manage Operator Stops</a:t>
                       </a:r>
                     </a:p>
                     <a:p>
+                      <a:pPr marL="288925" indent="-288925"/>
                       <a:r>
-                        <a:rPr lang="en-US" dirty="0"/>
-                        <a:t>3.Manage Operator Bus Types</a:t>
+                        <a:rPr lang="en-US" sz="1800" kern="1200" dirty="0">
+                          <a:solidFill>
+                            <a:schemeClr val="dk1"/>
+                          </a:solidFill>
+                          <a:latin typeface="+mn-lt"/>
+                          <a:ea typeface="+mn-ea"/>
+                          <a:cs typeface="+mn-cs"/>
+                        </a:rPr>
+                        <a:t>3.   Manage Operator Bus Types</a:t>
                       </a:r>
                     </a:p>
                   </a:txBody>
@@ -24496,7 +25827,9 @@
                     <a:lstStyle/>
                     <a:p>
                       <a:r>
-                        <a:rPr lang="en-US" dirty="0"/>
+                        <a:rPr lang="en-US" sz="1800" dirty="0">
+                          <a:latin typeface="+mn-lt"/>
+                        </a:rPr>
                         <a:t>Customer Community Plus or Partner Community based on requirements.</a:t>
                       </a:r>
                     </a:p>
@@ -24521,7 +25854,7 @@
     </p:extLst>
   </p:cSld>
   <p:clrMapOvr>
-    <a:masterClrMapping/>
+    <a:overrideClrMapping bg1="lt1" tx1="dk1" bg2="lt2" tx2="dk2" accent1="accent1" accent2="accent2" accent3="accent3" accent4="accent4" accent5="accent5" accent6="accent6" hlink="hlink" folHlink="folHlink"/>
   </p:clrMapOvr>
 </p:sld>
 </file>
@@ -24561,19 +25894,92 @@
         </p:nvSpPr>
         <p:spPr>
           <a:xfrm>
-            <a:off x="447675" y="279400"/>
-            <a:ext cx="10515600" cy="625475"/>
+            <a:off x="566530" y="279400"/>
+            <a:ext cx="10744200" cy="625475"/>
           </a:xfrm>
         </p:spPr>
+        <p:style>
+          <a:lnRef idx="2">
+            <a:schemeClr val="accent1"/>
+          </a:lnRef>
+          <a:fillRef idx="1">
+            <a:schemeClr val="lt1"/>
+          </a:fillRef>
+          <a:effectRef idx="0">
+            <a:schemeClr val="accent1"/>
+          </a:effectRef>
+          <a:fontRef idx="minor">
+            <a:schemeClr val="dk1"/>
+          </a:fontRef>
+        </p:style>
         <p:txBody>
-          <a:bodyPr>
-            <a:normAutofit fontScale="90000"/>
+          <a:bodyPr vert="horz" lIns="91440" tIns="45720" rIns="91440" bIns="45720" rtlCol="0" anchor="ctr">
+            <a:normAutofit/>
           </a:bodyPr>
           <a:lstStyle/>
           <a:p>
+            <a:pPr algn="ctr"/>
             <a:r>
-              <a:rPr lang="en-US" dirty="0"/>
-              <a:t>Proposed Data Model</a:t>
+              <a:rPr lang="en-US" sz="2800" dirty="0">
+                <a:solidFill>
+                  <a:schemeClr val="dk1"/>
+                </a:solidFill>
+                <a:latin typeface="Bookman Old Style" panose="02050604050505020204" pitchFamily="18" charset="0"/>
+                <a:ea typeface="+mn-ea"/>
+                <a:cs typeface="+mn-cs"/>
+              </a:rPr>
+              <a:t>P</a:t>
+            </a:r>
+            <a:r>
+              <a:rPr lang="en-US" sz="2400" dirty="0">
+                <a:solidFill>
+                  <a:schemeClr val="dk1"/>
+                </a:solidFill>
+                <a:latin typeface="Bookman Old Style" panose="02050604050505020204" pitchFamily="18" charset="0"/>
+                <a:ea typeface="+mn-ea"/>
+                <a:cs typeface="+mn-cs"/>
+              </a:rPr>
+              <a:t>ROPOSED</a:t>
+            </a:r>
+            <a:r>
+              <a:rPr lang="en-US" sz="2800" dirty="0">
+                <a:solidFill>
+                  <a:schemeClr val="dk1"/>
+                </a:solidFill>
+                <a:latin typeface="Bookman Old Style" panose="02050604050505020204" pitchFamily="18" charset="0"/>
+                <a:ea typeface="+mn-ea"/>
+                <a:cs typeface="+mn-cs"/>
+              </a:rPr>
+              <a:t> D</a:t>
+            </a:r>
+            <a:r>
+              <a:rPr lang="en-US" sz="2400" dirty="0">
+                <a:latin typeface="Bookman Old Style" panose="02050604050505020204" pitchFamily="18" charset="0"/>
+              </a:rPr>
+              <a:t>ATA</a:t>
+            </a:r>
+            <a:r>
+              <a:rPr lang="en-US" sz="2800" dirty="0">
+                <a:solidFill>
+                  <a:schemeClr val="dk1"/>
+                </a:solidFill>
+                <a:latin typeface="Bookman Old Style" panose="02050604050505020204" pitchFamily="18" charset="0"/>
+                <a:ea typeface="+mn-ea"/>
+                <a:cs typeface="+mn-cs"/>
+              </a:rPr>
+              <a:t> </a:t>
+            </a:r>
+            <a:r>
+              <a:rPr lang="en-US" sz="2800" dirty="0">
+                <a:latin typeface="Bookman Old Style" panose="02050604050505020204" pitchFamily="18" charset="0"/>
+              </a:rPr>
+              <a:t>M</a:t>
+            </a:r>
+            <a:r>
+              <a:rPr lang="en-US" sz="2400" dirty="0">
+                <a:latin typeface="Bookman Old Style" panose="02050604050505020204" pitchFamily="18" charset="0"/>
+              </a:rPr>
+              <a:t>ODEL</a:t>
             </a:r>
           </a:p>
         </p:txBody>
@@ -24613,6 +26019,58 @@
           </a:xfrm>
         </p:spPr>
       </p:pic>
+      <p:sp>
+        <p:nvSpPr>
+          <p:cNvPr id="12" name="Rectangle 11">
+            <a:extLst>
+              <a:ext uri="{FF2B5EF4-FFF2-40B4-BE49-F238E27FC236}">
+                <a16:creationId xmlns:a16="http://schemas.microsoft.com/office/drawing/2014/main" id="{94DF66F6-7D0D-4EEC-BB61-41C255927399}"/>
+              </a:ext>
+            </a:extLst>
+          </p:cNvPr>
+          <p:cNvSpPr/>
+          <p:nvPr/>
+        </p:nvSpPr>
+        <p:spPr>
+          <a:xfrm>
+            <a:off x="566530" y="1063487"/>
+            <a:ext cx="10744200" cy="5436704"/>
+          </a:xfrm>
+          <a:prstGeom prst="rect">
+            <a:avLst/>
+          </a:prstGeom>
+          <a:noFill/>
+          <a:ln>
+            <a:solidFill>
+              <a:srgbClr val="0070C0"/>
+            </a:solidFill>
+          </a:ln>
+        </p:spPr>
+        <p:style>
+          <a:lnRef idx="2">
+            <a:schemeClr val="accent1">
+              <a:shade val="50000"/>
+            </a:schemeClr>
+          </a:lnRef>
+          <a:fillRef idx="1">
+            <a:schemeClr val="accent1"/>
+          </a:fillRef>
+          <a:effectRef idx="0">
+            <a:schemeClr val="accent1"/>
+          </a:effectRef>
+          <a:fontRef idx="minor">
+            <a:schemeClr val="lt1"/>
+          </a:fontRef>
+        </p:style>
+        <p:txBody>
+          <a:bodyPr rtlCol="0" anchor="ctr"/>
+          <a:lstStyle/>
+          <a:p>
+            <a:pPr algn="ctr"/>
+            <a:endParaRPr lang="en-US" dirty="0"/>
+          </a:p>
+        </p:txBody>
+      </p:sp>
     </p:spTree>
     <p:extLst>
       <p:ext uri="{BB962C8B-B14F-4D97-AF65-F5344CB8AC3E}">
@@ -24661,24 +26119,105 @@
         </p:nvSpPr>
         <p:spPr>
           <a:xfrm>
-            <a:off x="838200" y="365125"/>
+            <a:off x="838200" y="293052"/>
             <a:ext cx="10515600" cy="606425"/>
           </a:xfrm>
         </p:spPr>
+        <p:style>
+          <a:lnRef idx="2">
+            <a:schemeClr val="accent1"/>
+          </a:lnRef>
+          <a:fillRef idx="1">
+            <a:schemeClr val="lt1"/>
+          </a:fillRef>
+          <a:effectRef idx="0">
+            <a:schemeClr val="accent1"/>
+          </a:effectRef>
+          <a:fontRef idx="minor">
+            <a:schemeClr val="dk1"/>
+          </a:fontRef>
+        </p:style>
         <p:txBody>
-          <a:bodyPr>
-            <a:normAutofit fontScale="90000"/>
+          <a:bodyPr vert="horz" lIns="91440" tIns="45720" rIns="91440" bIns="45720" rtlCol="0" anchor="ctr">
+            <a:normAutofit/>
           </a:bodyPr>
           <a:lstStyle/>
           <a:p>
+            <a:pPr algn="ctr"/>
             <a:r>
-              <a:rPr lang="en-US" dirty="0"/>
-              <a:t>Data Model - Explained</a:t>
+              <a:rPr lang="en-US" sz="2800" dirty="0">
+                <a:solidFill>
+                  <a:schemeClr val="dk1"/>
+                </a:solidFill>
+                <a:latin typeface="Bookman Old Style" panose="02050604050505020204" pitchFamily="18" charset="0"/>
+                <a:ea typeface="+mn-ea"/>
+                <a:cs typeface="+mn-cs"/>
+              </a:rPr>
+              <a:t>D</a:t>
             </a:r>
-            <a:br>
-              <a:rPr lang="en-US" dirty="0"/>
-            </a:br>
-            <a:endParaRPr lang="en-US" dirty="0"/>
+            <a:r>
+              <a:rPr lang="en-US" sz="2400" dirty="0">
+                <a:solidFill>
+                  <a:schemeClr val="dk1"/>
+                </a:solidFill>
+                <a:latin typeface="Bookman Old Style" panose="02050604050505020204" pitchFamily="18" charset="0"/>
+                <a:ea typeface="+mn-ea"/>
+                <a:cs typeface="+mn-cs"/>
+              </a:rPr>
+              <a:t>ATA</a:t>
+            </a:r>
+            <a:r>
+              <a:rPr lang="en-US" sz="2800" dirty="0">
+                <a:solidFill>
+                  <a:schemeClr val="dk1"/>
+                </a:solidFill>
+                <a:latin typeface="Bookman Old Style" panose="02050604050505020204" pitchFamily="18" charset="0"/>
+                <a:ea typeface="+mn-ea"/>
+                <a:cs typeface="+mn-cs"/>
+              </a:rPr>
+              <a:t> M</a:t>
+            </a:r>
+            <a:r>
+              <a:rPr lang="en-US" sz="2400" dirty="0">
+                <a:solidFill>
+                  <a:schemeClr val="dk1"/>
+                </a:solidFill>
+                <a:latin typeface="Bookman Old Style" panose="02050604050505020204" pitchFamily="18" charset="0"/>
+                <a:ea typeface="+mn-ea"/>
+                <a:cs typeface="+mn-cs"/>
+              </a:rPr>
+              <a:t>ODEL</a:t>
+            </a:r>
+            <a:r>
+              <a:rPr lang="en-US" sz="2800" dirty="0">
+                <a:solidFill>
+                  <a:schemeClr val="dk1"/>
+                </a:solidFill>
+                <a:latin typeface="Bookman Old Style" panose="02050604050505020204" pitchFamily="18" charset="0"/>
+                <a:ea typeface="+mn-ea"/>
+                <a:cs typeface="+mn-cs"/>
+              </a:rPr>
+              <a:t> - E</a:t>
+            </a:r>
+            <a:r>
+              <a:rPr lang="en-US" sz="2400" dirty="0">
+                <a:solidFill>
+                  <a:schemeClr val="dk1"/>
+                </a:solidFill>
+                <a:latin typeface="Bookman Old Style" panose="02050604050505020204" pitchFamily="18" charset="0"/>
+                <a:ea typeface="+mn-ea"/>
+                <a:cs typeface="+mn-cs"/>
+              </a:rPr>
+              <a:t>XPLAINED</a:t>
+            </a:r>
+            <a:endParaRPr lang="en-US" sz="2800" dirty="0">
+              <a:solidFill>
+                <a:schemeClr val="dk1"/>
+              </a:solidFill>
+              <a:latin typeface="Bookman Old Style" panose="02050604050505020204" pitchFamily="18" charset="0"/>
+              <a:ea typeface="+mn-ea"/>
+              <a:cs typeface="+mn-cs"/>
+            </a:endParaRPr>
           </a:p>
         </p:txBody>
       </p:sp>
@@ -24698,13 +26237,13 @@
             <p:ph idx="1"/>
             <p:extLst>
               <p:ext uri="{D42A27DB-BD31-4B8C-83A1-F6EECF244321}">
-                <p14:modId xmlns:p14="http://schemas.microsoft.com/office/powerpoint/2010/main" val="220075314"/>
+                <p14:modId xmlns:p14="http://schemas.microsoft.com/office/powerpoint/2010/main" val="275479419"/>
               </p:ext>
             </p:extLst>
           </p:nvPr>
         </p:nvGraphicFramePr>
         <p:xfrm>
-          <a:off x="838200" y="1044575"/>
+          <a:off x="485775" y="1044575"/>
           <a:ext cx="11220450" cy="5217160"/>
         </p:xfrm>
         <a:graphic>
@@ -24749,6 +26288,7 @@
                     <a:bodyPr/>
                     <a:lstStyle/>
                     <a:p>
+                      <a:pPr algn="ctr"/>
                       <a:r>
                         <a:rPr lang="en-US" dirty="0"/>
                         <a:t>Object Name</a:t>
@@ -24762,6 +26302,7 @@
                     <a:bodyPr/>
                     <a:lstStyle/>
                     <a:p>
+                      <a:pPr algn="ctr"/>
                       <a:r>
                         <a:rPr lang="en-US" dirty="0"/>
                         <a:t>Sharing Model</a:t>
@@ -24775,6 +26316,7 @@
                     <a:bodyPr/>
                     <a:lstStyle/>
                     <a:p>
+                      <a:pPr algn="ctr"/>
                       <a:r>
                         <a:rPr lang="en-US" dirty="0"/>
                         <a:t>Functional Description</a:t>
@@ -24788,6 +26330,7 @@
                     <a:bodyPr/>
                     <a:lstStyle/>
                     <a:p>
+                      <a:pPr algn="ctr"/>
                       <a:r>
                         <a:rPr lang="en-US" dirty="0"/>
                         <a:t>Object Rationale</a:t>
@@ -24847,6 +26390,7 @@
                     <a:bodyPr/>
                     <a:lstStyle/>
                     <a:p>
+                      <a:pPr algn="just"/>
                       <a:r>
                         <a:rPr lang="en-US" dirty="0"/>
                         <a:t>Using standard object instead of custom will help drive visibility for communities</a:t>
@@ -24906,6 +26450,7 @@
                     <a:bodyPr/>
                     <a:lstStyle/>
                     <a:p>
+                      <a:pPr algn="just"/>
                       <a:r>
                         <a:rPr lang="en-US" dirty="0"/>
                         <a:t>Using standard object will help drive visibility for communities and control access to clients only their transactions and operators to only look at their operator information</a:t>
@@ -24965,6 +26510,7 @@
                     <a:bodyPr/>
                     <a:lstStyle/>
                     <a:p>
+                      <a:pPr algn="just"/>
                       <a:r>
                         <a:rPr lang="en-US" dirty="0"/>
                         <a:t>Custom object to store all locations. Access only for admins</a:t>
@@ -25024,7 +26570,7 @@
                     <a:bodyPr/>
                     <a:lstStyle/>
                     <a:p>
-                      <a:pPr marL="0" marR="0" lvl="0" indent="0" algn="l" defTabSz="914400" rtl="0" eaLnBrk="1" fontAlgn="auto" latinLnBrk="0" hangingPunct="1">
+                      <a:pPr marL="0" marR="0" lvl="0" indent="0" algn="just" defTabSz="914400" rtl="0" eaLnBrk="1" fontAlgn="auto" latinLnBrk="0" hangingPunct="1">
                         <a:lnSpc>
                           <a:spcPct val="100000"/>
                         </a:lnSpc>
@@ -25047,6 +26593,7 @@
                       </a:r>
                     </a:p>
                     <a:p>
+                      <a:pPr algn="just"/>
                       <a:endParaRPr lang="en-US" dirty="0"/>
                     </a:p>
                   </a:txBody>
@@ -25103,6 +26650,7 @@
                     <a:bodyPr/>
                     <a:lstStyle/>
                     <a:p>
+                      <a:pPr algn="just"/>
                       <a:r>
                         <a:rPr lang="en-US" dirty="0"/>
                         <a:t>Object to store which all routes the operators fly their buses. Access to Admins and Operators</a:t>
@@ -25151,45 +26699,6 @@
           <a:chExt cx="0" cy="0"/>
         </a:xfrm>
       </p:grpSpPr>
-      <p:sp>
-        <p:nvSpPr>
-          <p:cNvPr id="2" name="Title 1">
-            <a:extLst>
-              <a:ext uri="{FF2B5EF4-FFF2-40B4-BE49-F238E27FC236}">
-                <a16:creationId xmlns:a16="http://schemas.microsoft.com/office/drawing/2014/main" id="{33122367-0CDC-4F5A-9102-F71446A8C990}"/>
-              </a:ext>
-            </a:extLst>
-          </p:cNvPr>
-          <p:cNvSpPr>
-            <a:spLocks noGrp="1"/>
-          </p:cNvSpPr>
-          <p:nvPr>
-            <p:ph type="title"/>
-          </p:nvPr>
-        </p:nvSpPr>
-        <p:spPr>
-          <a:xfrm>
-            <a:off x="838200" y="365125"/>
-            <a:ext cx="10515600" cy="606425"/>
-          </a:xfrm>
-        </p:spPr>
-        <p:txBody>
-          <a:bodyPr>
-            <a:normAutofit fontScale="90000"/>
-          </a:bodyPr>
-          <a:lstStyle/>
-          <a:p>
-            <a:r>
-              <a:rPr lang="en-US" dirty="0"/>
-              <a:t>Data Model - Explained</a:t>
-            </a:r>
-            <a:br>
-              <a:rPr lang="en-US" dirty="0"/>
-            </a:br>
-            <a:endParaRPr lang="en-US" dirty="0"/>
-          </a:p>
-        </p:txBody>
-      </p:sp>
       <p:graphicFrame>
         <p:nvGraphicFramePr>
           <p:cNvPr id="4" name="Table 4">
@@ -25206,13 +26715,13 @@
             <p:ph idx="1"/>
             <p:extLst>
               <p:ext uri="{D42A27DB-BD31-4B8C-83A1-F6EECF244321}">
-                <p14:modId xmlns:p14="http://schemas.microsoft.com/office/powerpoint/2010/main" val="3248897797"/>
+                <p14:modId xmlns:p14="http://schemas.microsoft.com/office/powerpoint/2010/main" val="182635144"/>
               </p:ext>
             </p:extLst>
           </p:nvPr>
         </p:nvGraphicFramePr>
         <p:xfrm>
-          <a:off x="838200" y="1044575"/>
+          <a:off x="485775" y="1044575"/>
           <a:ext cx="11220450" cy="5491480"/>
         </p:xfrm>
         <a:graphic>
@@ -25257,6 +26766,7 @@
                     <a:bodyPr/>
                     <a:lstStyle/>
                     <a:p>
+                      <a:pPr algn="ctr"/>
                       <a:r>
                         <a:rPr lang="en-US" dirty="0"/>
                         <a:t>Object Name</a:t>
@@ -25270,6 +26780,7 @@
                     <a:bodyPr/>
                     <a:lstStyle/>
                     <a:p>
+                      <a:pPr algn="ctr"/>
                       <a:r>
                         <a:rPr lang="en-US" dirty="0"/>
                         <a:t>Sharing Model</a:t>
@@ -25283,6 +26794,7 @@
                     <a:bodyPr/>
                     <a:lstStyle/>
                     <a:p>
+                      <a:pPr algn="ctr"/>
                       <a:r>
                         <a:rPr lang="en-US" dirty="0"/>
                         <a:t>Functional Description</a:t>
@@ -25296,6 +26808,7 @@
                     <a:bodyPr/>
                     <a:lstStyle/>
                     <a:p>
+                      <a:pPr algn="ctr"/>
                       <a:r>
                         <a:rPr lang="en-US" dirty="0"/>
                         <a:t>Object Rationale</a:t>
@@ -25316,6 +26829,7 @@
                     <a:bodyPr/>
                     <a:lstStyle/>
                     <a:p>
+                      <a:pPr algn="l"/>
                       <a:r>
                         <a:rPr lang="en-US" dirty="0"/>
                         <a:t>Operator Stops</a:t>
@@ -25389,6 +26903,7 @@
                     <a:bodyPr/>
                     <a:lstStyle/>
                     <a:p>
+                      <a:pPr algn="just"/>
                       <a:r>
                         <a:rPr lang="en-US" dirty="0"/>
                         <a:t>Object to capture the places where bus will stop in source and destination route which each operator is plying. Access to Admins and Bus Operator</a:t>
@@ -25409,6 +26924,7 @@
                     <a:bodyPr/>
                     <a:lstStyle/>
                     <a:p>
+                      <a:pPr algn="l"/>
                       <a:r>
                         <a:rPr lang="en-US" dirty="0"/>
                         <a:t>Operator Bus Type</a:t>
@@ -25482,6 +26998,7 @@
                     <a:bodyPr/>
                     <a:lstStyle/>
                     <a:p>
+                      <a:pPr algn="just"/>
                       <a:r>
                         <a:rPr lang="en-US" dirty="0"/>
                         <a:t>Typically buses have a finite set of templates they work off of(A.C Seater, Sleeper, Semi-Sleeper). By maintaining a template and seat information it becomes easy to copy them over when a new trip is created. Access to Admins and Bus Operators</a:t>
@@ -25502,6 +27019,7 @@
                     <a:bodyPr/>
                     <a:lstStyle/>
                     <a:p>
+                      <a:pPr algn="l"/>
                       <a:r>
                         <a:rPr lang="en-US" dirty="0"/>
                         <a:t>Operator Bus Type Seat</a:t>
@@ -25575,6 +27093,7 @@
                     <a:bodyPr/>
                     <a:lstStyle/>
                     <a:p>
+                      <a:pPr algn="just"/>
                       <a:r>
                         <a:rPr lang="en-US" dirty="0"/>
                         <a:t>Object to store different seat number based on bus template. Access to Admins and Bus Operators</a:t>
@@ -25595,6 +27114,7 @@
                     <a:bodyPr/>
                     <a:lstStyle/>
                     <a:p>
+                      <a:pPr algn="l"/>
                       <a:r>
                         <a:rPr lang="en-US" dirty="0"/>
                         <a:t>Trip</a:t>
@@ -25668,6 +27188,7 @@
                     <a:bodyPr/>
                     <a:lstStyle/>
                     <a:p>
+                      <a:pPr algn="just"/>
                       <a:r>
                         <a:rPr lang="en-US" dirty="0"/>
                         <a:t>Object to capture each bus trip, time, operator, bus type. Access only to admins</a:t>
@@ -25688,6 +27209,7 @@
                     <a:bodyPr/>
                     <a:lstStyle/>
                     <a:p>
+                      <a:pPr algn="l"/>
                       <a:r>
                         <a:rPr lang="en-US" dirty="0"/>
                         <a:t>Trip Booking</a:t>
@@ -25761,6 +27283,7 @@
                     <a:bodyPr/>
                     <a:lstStyle/>
                     <a:p>
+                      <a:pPr algn="just"/>
                       <a:r>
                         <a:rPr lang="en-US" dirty="0"/>
                         <a:t>Object to Store booked seats and client information for any trip. Access to Admins</a:t>
@@ -25779,6 +27302,126 @@
           </a:graphicData>
         </a:graphic>
       </p:graphicFrame>
+      <p:sp>
+        <p:nvSpPr>
+          <p:cNvPr id="6" name="Title 1">
+            <a:extLst>
+              <a:ext uri="{FF2B5EF4-FFF2-40B4-BE49-F238E27FC236}">
+                <a16:creationId xmlns:a16="http://schemas.microsoft.com/office/drawing/2014/main" id="{AEF51862-95B3-4CDE-9243-007588893BDC}"/>
+              </a:ext>
+            </a:extLst>
+          </p:cNvPr>
+          <p:cNvSpPr>
+            <a:spLocks noGrp="1"/>
+          </p:cNvSpPr>
+          <p:nvPr>
+            <p:ph type="title"/>
+          </p:nvPr>
+        </p:nvSpPr>
+        <p:spPr>
+          <a:xfrm>
+            <a:off x="838200" y="293052"/>
+            <a:ext cx="10515600" cy="606425"/>
+          </a:xfrm>
+        </p:spPr>
+        <p:style>
+          <a:lnRef idx="2">
+            <a:schemeClr val="accent1"/>
+          </a:lnRef>
+          <a:fillRef idx="1">
+            <a:schemeClr val="lt1"/>
+          </a:fillRef>
+          <a:effectRef idx="0">
+            <a:schemeClr val="accent1"/>
+          </a:effectRef>
+          <a:fontRef idx="minor">
+            <a:schemeClr val="dk1"/>
+          </a:fontRef>
+        </p:style>
+        <p:txBody>
+          <a:bodyPr vert="horz" lIns="91440" tIns="45720" rIns="91440" bIns="45720" rtlCol="0" anchor="ctr">
+            <a:normAutofit/>
+          </a:bodyPr>
+          <a:lstStyle/>
+          <a:p>
+            <a:pPr algn="ctr"/>
+            <a:r>
+              <a:rPr lang="en-US" sz="2800" dirty="0">
+                <a:solidFill>
+                  <a:schemeClr val="dk1"/>
+                </a:solidFill>
+                <a:latin typeface="Bookman Old Style" panose="02050604050505020204" pitchFamily="18" charset="0"/>
+                <a:ea typeface="+mn-ea"/>
+                <a:cs typeface="+mn-cs"/>
+              </a:rPr>
+              <a:t>D</a:t>
+            </a:r>
+            <a:r>
+              <a:rPr lang="en-US" sz="2400" dirty="0">
+                <a:solidFill>
+                  <a:schemeClr val="dk1"/>
+                </a:solidFill>
+                <a:latin typeface="Bookman Old Style" panose="02050604050505020204" pitchFamily="18" charset="0"/>
+                <a:ea typeface="+mn-ea"/>
+                <a:cs typeface="+mn-cs"/>
+              </a:rPr>
+              <a:t>ATA</a:t>
+            </a:r>
+            <a:r>
+              <a:rPr lang="en-US" sz="2800" dirty="0">
+                <a:solidFill>
+                  <a:schemeClr val="dk1"/>
+                </a:solidFill>
+                <a:latin typeface="Bookman Old Style" panose="02050604050505020204" pitchFamily="18" charset="0"/>
+                <a:ea typeface="+mn-ea"/>
+                <a:cs typeface="+mn-cs"/>
+              </a:rPr>
+              <a:t> M</a:t>
+            </a:r>
+            <a:r>
+              <a:rPr lang="en-US" sz="2400" dirty="0">
+                <a:solidFill>
+                  <a:schemeClr val="dk1"/>
+                </a:solidFill>
+                <a:latin typeface="Bookman Old Style" panose="02050604050505020204" pitchFamily="18" charset="0"/>
+                <a:ea typeface="+mn-ea"/>
+                <a:cs typeface="+mn-cs"/>
+              </a:rPr>
+              <a:t>ODEL</a:t>
+            </a:r>
+            <a:r>
+              <a:rPr lang="en-US" sz="2800" dirty="0">
+                <a:solidFill>
+                  <a:schemeClr val="dk1"/>
+                </a:solidFill>
+                <a:latin typeface="Bookman Old Style" panose="02050604050505020204" pitchFamily="18" charset="0"/>
+                <a:ea typeface="+mn-ea"/>
+                <a:cs typeface="+mn-cs"/>
+              </a:rPr>
+              <a:t> - E</a:t>
+            </a:r>
+            <a:r>
+              <a:rPr lang="en-US" sz="2400" dirty="0">
+                <a:solidFill>
+                  <a:schemeClr val="dk1"/>
+                </a:solidFill>
+                <a:latin typeface="Bookman Old Style" panose="02050604050505020204" pitchFamily="18" charset="0"/>
+                <a:ea typeface="+mn-ea"/>
+                <a:cs typeface="+mn-cs"/>
+              </a:rPr>
+              <a:t>XPLAINED</a:t>
+            </a:r>
+            <a:endParaRPr lang="en-US" sz="2800" dirty="0">
+              <a:solidFill>
+                <a:schemeClr val="dk1"/>
+              </a:solidFill>
+              <a:latin typeface="Bookman Old Style" panose="02050604050505020204" pitchFamily="18" charset="0"/>
+              <a:ea typeface="+mn-ea"/>
+              <a:cs typeface="+mn-cs"/>
+            </a:endParaRPr>
+          </a:p>
+        </p:txBody>
+      </p:sp>
     </p:spTree>
     <p:extLst>
       <p:ext uri="{BB962C8B-B14F-4D97-AF65-F5344CB8AC3E}">
@@ -25809,45 +27452,6 @@
           <a:chExt cx="0" cy="0"/>
         </a:xfrm>
       </p:grpSpPr>
-      <p:sp>
-        <p:nvSpPr>
-          <p:cNvPr id="2" name="Title 1">
-            <a:extLst>
-              <a:ext uri="{FF2B5EF4-FFF2-40B4-BE49-F238E27FC236}">
-                <a16:creationId xmlns:a16="http://schemas.microsoft.com/office/drawing/2014/main" id="{33122367-0CDC-4F5A-9102-F71446A8C990}"/>
-              </a:ext>
-            </a:extLst>
-          </p:cNvPr>
-          <p:cNvSpPr>
-            <a:spLocks noGrp="1"/>
-          </p:cNvSpPr>
-          <p:nvPr>
-            <p:ph type="title"/>
-          </p:nvPr>
-        </p:nvSpPr>
-        <p:spPr>
-          <a:xfrm>
-            <a:off x="838200" y="365125"/>
-            <a:ext cx="10515600" cy="606425"/>
-          </a:xfrm>
-        </p:spPr>
-        <p:txBody>
-          <a:bodyPr>
-            <a:normAutofit fontScale="90000"/>
-          </a:bodyPr>
-          <a:lstStyle/>
-          <a:p>
-            <a:r>
-              <a:rPr lang="en-US" dirty="0"/>
-              <a:t>Data Model - Explained</a:t>
-            </a:r>
-            <a:br>
-              <a:rPr lang="en-US" dirty="0"/>
-            </a:br>
-            <a:endParaRPr lang="en-US" dirty="0"/>
-          </a:p>
-        </p:txBody>
-      </p:sp>
       <p:graphicFrame>
         <p:nvGraphicFramePr>
           <p:cNvPr id="4" name="Table 4">
@@ -25864,13 +27468,13 @@
             <p:ph idx="1"/>
             <p:extLst>
               <p:ext uri="{D42A27DB-BD31-4B8C-83A1-F6EECF244321}">
-                <p14:modId xmlns:p14="http://schemas.microsoft.com/office/powerpoint/2010/main" val="3927557539"/>
+                <p14:modId xmlns:p14="http://schemas.microsoft.com/office/powerpoint/2010/main" val="940893802"/>
               </p:ext>
             </p:extLst>
           </p:nvPr>
         </p:nvGraphicFramePr>
         <p:xfrm>
-          <a:off x="838200" y="1044575"/>
+          <a:off x="485775" y="1414780"/>
           <a:ext cx="11220450" cy="4028440"/>
         </p:xfrm>
         <a:graphic>
@@ -25915,6 +27519,7 @@
                     <a:bodyPr/>
                     <a:lstStyle/>
                     <a:p>
+                      <a:pPr algn="ctr"/>
                       <a:r>
                         <a:rPr lang="en-US" dirty="0"/>
                         <a:t>Object Name</a:t>
@@ -25928,6 +27533,7 @@
                     <a:bodyPr/>
                     <a:lstStyle/>
                     <a:p>
+                      <a:pPr algn="ctr"/>
                       <a:r>
                         <a:rPr lang="en-US" dirty="0"/>
                         <a:t>Sharing Model</a:t>
@@ -25941,6 +27547,7 @@
                     <a:bodyPr/>
                     <a:lstStyle/>
                     <a:p>
+                      <a:pPr algn="ctr"/>
                       <a:r>
                         <a:rPr lang="en-US" dirty="0"/>
                         <a:t>Functional Description</a:t>
@@ -25954,6 +27561,7 @@
                     <a:bodyPr/>
                     <a:lstStyle/>
                     <a:p>
+                      <a:pPr algn="ctr"/>
                       <a:r>
                         <a:rPr lang="en-US" dirty="0"/>
                         <a:t>Object Rationale</a:t>
@@ -26047,6 +27655,7 @@
                     <a:bodyPr/>
                     <a:lstStyle/>
                     <a:p>
+                      <a:pPr algn="just"/>
                       <a:r>
                         <a:rPr lang="en-US" dirty="0"/>
                         <a:t>Object to capture different payment methods for each client. Access to Clients and Admins</a:t>
@@ -26140,6 +27749,7 @@
                     <a:bodyPr/>
                     <a:lstStyle/>
                     <a:p>
+                      <a:pPr algn="just"/>
                       <a:r>
                         <a:rPr lang="en-US" dirty="0"/>
                         <a:t>Object to capture Vehicle information managed by each operator. Access to Operators and Admins</a:t>
@@ -26233,6 +27843,7 @@
                     <a:bodyPr/>
                     <a:lstStyle/>
                     <a:p>
+                      <a:pPr algn="just"/>
                       <a:r>
                         <a:rPr lang="en-US" dirty="0"/>
                         <a:t>Object to store payments associated to each booking made by clients. Access to Admins and Clients</a:t>
@@ -26326,6 +27937,7 @@
                     <a:bodyPr/>
                     <a:lstStyle/>
                     <a:p>
+                      <a:pPr algn="just"/>
                       <a:r>
                         <a:rPr lang="en-US" dirty="0"/>
                         <a:t>Object to store different payment lines under a single payment. Access to Admins and Clients</a:t>
@@ -26344,6 +27956,126 @@
           </a:graphicData>
         </a:graphic>
       </p:graphicFrame>
+      <p:sp>
+        <p:nvSpPr>
+          <p:cNvPr id="6" name="Title 1">
+            <a:extLst>
+              <a:ext uri="{FF2B5EF4-FFF2-40B4-BE49-F238E27FC236}">
+                <a16:creationId xmlns:a16="http://schemas.microsoft.com/office/drawing/2014/main" id="{2E96F48A-2585-4E34-914D-C34223DB302F}"/>
+              </a:ext>
+            </a:extLst>
+          </p:cNvPr>
+          <p:cNvSpPr>
+            <a:spLocks noGrp="1"/>
+          </p:cNvSpPr>
+          <p:nvPr>
+            <p:ph type="title"/>
+          </p:nvPr>
+        </p:nvSpPr>
+        <p:spPr>
+          <a:xfrm>
+            <a:off x="838200" y="293052"/>
+            <a:ext cx="10515600" cy="606425"/>
+          </a:xfrm>
+        </p:spPr>
+        <p:style>
+          <a:lnRef idx="2">
+            <a:schemeClr val="accent1"/>
+          </a:lnRef>
+          <a:fillRef idx="1">
+            <a:schemeClr val="lt1"/>
+          </a:fillRef>
+          <a:effectRef idx="0">
+            <a:schemeClr val="accent1"/>
+          </a:effectRef>
+          <a:fontRef idx="minor">
+            <a:schemeClr val="dk1"/>
+          </a:fontRef>
+        </p:style>
+        <p:txBody>
+          <a:bodyPr vert="horz" lIns="91440" tIns="45720" rIns="91440" bIns="45720" rtlCol="0" anchor="ctr">
+            <a:normAutofit/>
+          </a:bodyPr>
+          <a:lstStyle/>
+          <a:p>
+            <a:pPr algn="ctr"/>
+            <a:r>
+              <a:rPr lang="en-US" sz="2800" dirty="0">
+                <a:solidFill>
+                  <a:schemeClr val="dk1"/>
+                </a:solidFill>
+                <a:latin typeface="Bookman Old Style" panose="02050604050505020204" pitchFamily="18" charset="0"/>
+                <a:ea typeface="+mn-ea"/>
+                <a:cs typeface="+mn-cs"/>
+              </a:rPr>
+              <a:t>D</a:t>
+            </a:r>
+            <a:r>
+              <a:rPr lang="en-US" sz="2400" dirty="0">
+                <a:solidFill>
+                  <a:schemeClr val="dk1"/>
+                </a:solidFill>
+                <a:latin typeface="Bookman Old Style" panose="02050604050505020204" pitchFamily="18" charset="0"/>
+                <a:ea typeface="+mn-ea"/>
+                <a:cs typeface="+mn-cs"/>
+              </a:rPr>
+              <a:t>ATA</a:t>
+            </a:r>
+            <a:r>
+              <a:rPr lang="en-US" sz="2800" dirty="0">
+                <a:solidFill>
+                  <a:schemeClr val="dk1"/>
+                </a:solidFill>
+                <a:latin typeface="Bookman Old Style" panose="02050604050505020204" pitchFamily="18" charset="0"/>
+                <a:ea typeface="+mn-ea"/>
+                <a:cs typeface="+mn-cs"/>
+              </a:rPr>
+              <a:t> M</a:t>
+            </a:r>
+            <a:r>
+              <a:rPr lang="en-US" sz="2400" dirty="0">
+                <a:solidFill>
+                  <a:schemeClr val="dk1"/>
+                </a:solidFill>
+                <a:latin typeface="Bookman Old Style" panose="02050604050505020204" pitchFamily="18" charset="0"/>
+                <a:ea typeface="+mn-ea"/>
+                <a:cs typeface="+mn-cs"/>
+              </a:rPr>
+              <a:t>ODEL</a:t>
+            </a:r>
+            <a:r>
+              <a:rPr lang="en-US" sz="2800" dirty="0">
+                <a:solidFill>
+                  <a:schemeClr val="dk1"/>
+                </a:solidFill>
+                <a:latin typeface="Bookman Old Style" panose="02050604050505020204" pitchFamily="18" charset="0"/>
+                <a:ea typeface="+mn-ea"/>
+                <a:cs typeface="+mn-cs"/>
+              </a:rPr>
+              <a:t> - E</a:t>
+            </a:r>
+            <a:r>
+              <a:rPr lang="en-US" sz="2400" dirty="0">
+                <a:solidFill>
+                  <a:schemeClr val="dk1"/>
+                </a:solidFill>
+                <a:latin typeface="Bookman Old Style" panose="02050604050505020204" pitchFamily="18" charset="0"/>
+                <a:ea typeface="+mn-ea"/>
+                <a:cs typeface="+mn-cs"/>
+              </a:rPr>
+              <a:t>XPLAINED</a:t>
+            </a:r>
+            <a:endParaRPr lang="en-US" sz="2800" dirty="0">
+              <a:solidFill>
+                <a:schemeClr val="dk1"/>
+              </a:solidFill>
+              <a:latin typeface="Bookman Old Style" panose="02050604050505020204" pitchFamily="18" charset="0"/>
+              <a:ea typeface="+mn-ea"/>
+              <a:cs typeface="+mn-cs"/>
+            </a:endParaRPr>
+          </a:p>
+        </p:txBody>
+      </p:sp>
     </p:spTree>
     <p:extLst>
       <p:ext uri="{BB962C8B-B14F-4D97-AF65-F5344CB8AC3E}">
@@ -26945,4 +28677,47 @@
     </a:ext>
   </a:extLst>
 </a:theme>
+</file>
+
+<file path=ppt/theme/themeOverride1.xml><?xml version="1.0" encoding="utf-8"?>
+<a:themeOverride xmlns:a="http://schemas.openxmlformats.org/drawingml/2006/main">
+  <a:clrScheme name="Office">
+    <a:dk1>
+      <a:sysClr val="windowText" lastClr="000000"/>
+    </a:dk1>
+    <a:lt1>
+      <a:sysClr val="window" lastClr="FFFFFF"/>
+    </a:lt1>
+    <a:dk2>
+      <a:srgbClr val="44546A"/>
+    </a:dk2>
+    <a:lt2>
+      <a:srgbClr val="E7E6E6"/>
+    </a:lt2>
+    <a:accent1>
+      <a:srgbClr val="4472C4"/>
+    </a:accent1>
+    <a:accent2>
+      <a:srgbClr val="ED7D31"/>
+    </a:accent2>
+    <a:accent3>
+      <a:srgbClr val="A5A5A5"/>
+    </a:accent3>
+    <a:accent4>
+      <a:srgbClr val="FFC000"/>
+    </a:accent4>
+    <a:accent5>
+      <a:srgbClr val="5B9BD5"/>
+    </a:accent5>
+    <a:accent6>
+      <a:srgbClr val="70AD47"/>
+    </a:accent6>
+    <a:hlink>
+      <a:srgbClr val="0563C1"/>
+    </a:hlink>
+    <a:folHlink>
+      <a:srgbClr val="954F72"/>
+    </a:folHlink>
+  </a:clrScheme>
+</a:themeOverride>
 </file>